--- a/XD嘻搭——大学生创新社交平台项目.pptx
+++ b/XD嘻搭——大学生创新社交平台项目.pptx
@@ -1,50 +1,50 @@
 
 <file path=ppt/presentation.xml><?xml version="1.0" encoding="utf-8"?>
-<p:presentation xmlns:a="http://schemas.openxmlformats.org/drawingml/2006/main" xmlns:r="http://schemas.openxmlformats.org/officeDocument/2006/relationships" xmlns:p="http://schemas.openxmlformats.org/presentationml/2006/main" saveSubsetFonts="1">
+<p:presentation xmlns:a="http://schemas.openxmlformats.org/drawingml/2006/main" xmlns:r="http://schemas.openxmlformats.org/officeDocument/2006/relationships" xmlns:p="http://schemas.openxmlformats.org/presentationml/2006/main">
   <p:sldMasterIdLst>
     <p:sldMasterId id="2147483648" r:id="rId1"/>
   </p:sldMasterIdLst>
   <p:notesMasterIdLst>
-    <p:notesMasterId r:id="rId34"/>
+    <p:notesMasterId r:id="rId4"/>
   </p:notesMasterIdLst>
   <p:sldIdLst>
-    <p:sldId id="257" r:id="rId2"/>
-    <p:sldId id="258" r:id="rId3"/>
-    <p:sldId id="259" r:id="rId4"/>
-    <p:sldId id="260" r:id="rId5"/>
-    <p:sldId id="261" r:id="rId6"/>
-    <p:sldId id="292" r:id="rId7"/>
-    <p:sldId id="262" r:id="rId8"/>
-    <p:sldId id="264" r:id="rId9"/>
-    <p:sldId id="265" r:id="rId10"/>
-    <p:sldId id="266" r:id="rId11"/>
-    <p:sldId id="267" r:id="rId12"/>
-    <p:sldId id="268" r:id="rId13"/>
-    <p:sldId id="269" r:id="rId14"/>
-    <p:sldId id="288" r:id="rId15"/>
-    <p:sldId id="273" r:id="rId16"/>
-    <p:sldId id="274" r:id="rId17"/>
-    <p:sldId id="275" r:id="rId18"/>
-    <p:sldId id="276" r:id="rId19"/>
-    <p:sldId id="277" r:id="rId20"/>
-    <p:sldId id="278" r:id="rId21"/>
-    <p:sldId id="279" r:id="rId22"/>
-    <p:sldId id="280" r:id="rId23"/>
-    <p:sldId id="281" r:id="rId24"/>
-    <p:sldId id="289" r:id="rId25"/>
-    <p:sldId id="282" r:id="rId26"/>
-    <p:sldId id="283" r:id="rId27"/>
-    <p:sldId id="284" r:id="rId28"/>
-    <p:sldId id="290" r:id="rId29"/>
-    <p:sldId id="291" r:id="rId30"/>
-    <p:sldId id="285" r:id="rId31"/>
-    <p:sldId id="286" r:id="rId32"/>
-    <p:sldId id="287" r:id="rId33"/>
+    <p:sldId id="257" r:id="rId3"/>
+    <p:sldId id="258" r:id="rId5"/>
+    <p:sldId id="259" r:id="rId6"/>
+    <p:sldId id="260" r:id="rId7"/>
+    <p:sldId id="261" r:id="rId8"/>
+    <p:sldId id="292" r:id="rId9"/>
+    <p:sldId id="262" r:id="rId10"/>
+    <p:sldId id="264" r:id="rId11"/>
+    <p:sldId id="265" r:id="rId12"/>
+    <p:sldId id="266" r:id="rId13"/>
+    <p:sldId id="267" r:id="rId14"/>
+    <p:sldId id="268" r:id="rId15"/>
+    <p:sldId id="269" r:id="rId16"/>
+    <p:sldId id="288" r:id="rId17"/>
+    <p:sldId id="273" r:id="rId18"/>
+    <p:sldId id="274" r:id="rId19"/>
+    <p:sldId id="275" r:id="rId20"/>
+    <p:sldId id="276" r:id="rId21"/>
+    <p:sldId id="277" r:id="rId22"/>
+    <p:sldId id="278" r:id="rId23"/>
+    <p:sldId id="279" r:id="rId24"/>
+    <p:sldId id="280" r:id="rId25"/>
+    <p:sldId id="281" r:id="rId26"/>
+    <p:sldId id="289" r:id="rId27"/>
+    <p:sldId id="282" r:id="rId28"/>
+    <p:sldId id="283" r:id="rId29"/>
+    <p:sldId id="284" r:id="rId30"/>
+    <p:sldId id="290" r:id="rId31"/>
+    <p:sldId id="291" r:id="rId32"/>
+    <p:sldId id="285" r:id="rId33"/>
+    <p:sldId id="286" r:id="rId34"/>
+    <p:sldId id="287" r:id="rId35"/>
   </p:sldIdLst>
   <p:sldSz cx="12192000" cy="6858000"/>
   <p:notesSz cx="6858000" cy="9144000"/>
   <p:custDataLst>
-    <p:tags r:id="rId35"/>
+    <p:tags r:id="rId39"/>
   </p:custDataLst>
   <p:defaultTextStyle>
     <a:defPPr>
@@ -144,12 +144,12 @@
   <p:extLst>
     <p:ext uri="{EFAFB233-063F-42B5-8137-9DF3F51BA10A}">
       <p15:sldGuideLst xmlns:p15="http://schemas.microsoft.com/office/powerpoint/2012/main">
-        <p15:guide id="1" orient="horz" pos="2160">
+        <p15:guide id="1" orient="horz" pos="2160" userDrawn="1">
           <p15:clr>
             <a:srgbClr val="A4A3A4"/>
           </p15:clr>
         </p15:guide>
-        <p15:guide id="2" pos="2880">
+        <p15:guide id="2" pos="2842" userDrawn="1">
           <p15:clr>
             <a:srgbClr val="A4A3A4"/>
           </p15:clr>
@@ -242,7 +242,6 @@
           <a:p>
             <a:fld id="{DC78DFCC-589B-4A60-9C12-59D686ADFEC6}" type="datetimeFigureOut">
               <a:rPr lang="zh-CN" altLang="en-US" smtClean="0"/>
-              <a:t>2024/4/12</a:t>
             </a:fld>
             <a:endParaRPr lang="zh-CN" altLang="en-US"/>
           </a:p>
@@ -309,6 +308,7 @@
               <a:rPr lang="zh-CN" altLang="en-US"/>
               <a:t>单击此处编辑母版文本样式</a:t>
             </a:r>
+            <a:endParaRPr lang="zh-CN" altLang="en-US"/>
           </a:p>
           <a:p>
             <a:pPr lvl="1"/>
@@ -316,6 +316,7 @@
               <a:rPr lang="zh-CN" altLang="en-US"/>
               <a:t>第二级</a:t>
             </a:r>
+            <a:endParaRPr lang="zh-CN" altLang="en-US"/>
           </a:p>
           <a:p>
             <a:pPr lvl="2"/>
@@ -323,6 +324,7 @@
               <a:rPr lang="zh-CN" altLang="en-US"/>
               <a:t>第三级</a:t>
             </a:r>
+            <a:endParaRPr lang="zh-CN" altLang="en-US"/>
           </a:p>
           <a:p>
             <a:pPr lvl="3"/>
@@ -330,6 +332,7 @@
               <a:rPr lang="zh-CN" altLang="en-US"/>
               <a:t>第四级</a:t>
             </a:r>
+            <a:endParaRPr lang="zh-CN" altLang="en-US"/>
           </a:p>
           <a:p>
             <a:pPr lvl="4"/>
@@ -337,6 +340,7 @@
               <a:rPr lang="zh-CN" altLang="en-US"/>
               <a:t>第五级</a:t>
             </a:r>
+            <a:endParaRPr lang="zh-CN" altLang="en-US"/>
           </a:p>
         </p:txBody>
       </p:sp>
@@ -400,18 +404,12 @@
           <a:p>
             <a:fld id="{C5CCC3E0-7DDF-45E7-A937-AD50A2B51CF3}" type="slidenum">
               <a:rPr lang="zh-CN" altLang="en-US" smtClean="0"/>
-              <a:t>‹#›</a:t>
             </a:fld>
             <a:endParaRPr lang="zh-CN" altLang="en-US"/>
           </a:p>
         </p:txBody>
       </p:sp>
     </p:spTree>
-    <p:extLst>
-      <p:ext uri="{BB962C8B-B14F-4D97-AF65-F5344CB8AC3E}">
-        <p14:creationId xmlns:p14="http://schemas.microsoft.com/office/powerpoint/2010/main" val="385486415"/>
-      </p:ext>
-    </p:extLst>
   </p:cSld>
   <p:clrMap bg1="lt1" tx1="dk1" bg2="lt2" tx2="dk2" accent1="accent1" accent2="accent2" accent3="accent3" accent4="accent4" accent5="accent5" accent6="accent6" hlink="hlink" folHlink="folHlink"/>
   <p:notesStyle>
@@ -583,7 +581,6 @@
           <a:p>
             <a:fld id="{6101C5E1-D8E9-464D-A93E-CE21651935A7}" type="slidenum">
               <a:rPr lang="en-US" smtClean="0"/>
-              <a:t>1</a:t>
             </a:fld>
             <a:endParaRPr lang="en-US"/>
           </a:p>
@@ -671,7 +668,6 @@
           <a:p>
             <a:fld id="{6101C5E1-D8E9-464D-A93E-CE21651935A7}" type="slidenum">
               <a:rPr lang="en-US" smtClean="0"/>
-              <a:t>10</a:t>
             </a:fld>
             <a:endParaRPr lang="en-US"/>
           </a:p>
@@ -759,7 +755,6 @@
           <a:p>
             <a:fld id="{6101C5E1-D8E9-464D-A93E-CE21651935A7}" type="slidenum">
               <a:rPr lang="en-US" smtClean="0"/>
-              <a:t>11</a:t>
             </a:fld>
             <a:endParaRPr lang="en-US"/>
           </a:p>
@@ -847,7 +842,6 @@
           <a:p>
             <a:fld id="{6101C5E1-D8E9-464D-A93E-CE21651935A7}" type="slidenum">
               <a:rPr lang="en-US" smtClean="0"/>
-              <a:t>12</a:t>
             </a:fld>
             <a:endParaRPr lang="en-US"/>
           </a:p>
@@ -935,7 +929,6 @@
           <a:p>
             <a:fld id="{6101C5E1-D8E9-464D-A93E-CE21651935A7}" type="slidenum">
               <a:rPr lang="en-US" smtClean="0"/>
-              <a:t>13</a:t>
             </a:fld>
             <a:endParaRPr lang="en-US"/>
           </a:p>
@@ -1023,18 +1016,12 @@
           <a:p>
             <a:fld id="{6101C5E1-D8E9-464D-A93E-CE21651935A7}" type="slidenum">
               <a:rPr lang="en-US" smtClean="0"/>
-              <a:t>14</a:t>
             </a:fld>
             <a:endParaRPr lang="en-US"/>
           </a:p>
         </p:txBody>
       </p:sp>
     </p:spTree>
-    <p:extLst>
-      <p:ext uri="{BB962C8B-B14F-4D97-AF65-F5344CB8AC3E}">
-        <p14:creationId xmlns:p14="http://schemas.microsoft.com/office/powerpoint/2010/main" val="821449895"/>
-      </p:ext>
-    </p:extLst>
   </p:cSld>
   <p:clrMapOvr>
     <a:masterClrMapping/>
@@ -1116,7 +1103,6 @@
           <a:p>
             <a:fld id="{6101C5E1-D8E9-464D-A93E-CE21651935A7}" type="slidenum">
               <a:rPr lang="en-US" smtClean="0"/>
-              <a:t>15</a:t>
             </a:fld>
             <a:endParaRPr lang="en-US"/>
           </a:p>
@@ -1204,7 +1190,6 @@
           <a:p>
             <a:fld id="{6101C5E1-D8E9-464D-A93E-CE21651935A7}" type="slidenum">
               <a:rPr lang="en-US" smtClean="0"/>
-              <a:t>16</a:t>
             </a:fld>
             <a:endParaRPr lang="en-US"/>
           </a:p>
@@ -1292,7 +1277,6 @@
           <a:p>
             <a:fld id="{6101C5E1-D8E9-464D-A93E-CE21651935A7}" type="slidenum">
               <a:rPr lang="en-US" smtClean="0"/>
-              <a:t>17</a:t>
             </a:fld>
             <a:endParaRPr lang="en-US"/>
           </a:p>
@@ -1380,7 +1364,6 @@
           <a:p>
             <a:fld id="{6101C5E1-D8E9-464D-A93E-CE21651935A7}" type="slidenum">
               <a:rPr lang="en-US" smtClean="0"/>
-              <a:t>18</a:t>
             </a:fld>
             <a:endParaRPr lang="en-US"/>
           </a:p>
@@ -1468,7 +1451,6 @@
           <a:p>
             <a:fld id="{6101C5E1-D8E9-464D-A93E-CE21651935A7}" type="slidenum">
               <a:rPr lang="en-US" smtClean="0"/>
-              <a:t>19</a:t>
             </a:fld>
             <a:endParaRPr lang="en-US"/>
           </a:p>
@@ -1556,7 +1538,6 @@
           <a:p>
             <a:fld id="{6101C5E1-D8E9-464D-A93E-CE21651935A7}" type="slidenum">
               <a:rPr lang="en-US" smtClean="0"/>
-              <a:t>2</a:t>
             </a:fld>
             <a:endParaRPr lang="en-US"/>
           </a:p>
@@ -1644,7 +1625,6 @@
           <a:p>
             <a:fld id="{6101C5E1-D8E9-464D-A93E-CE21651935A7}" type="slidenum">
               <a:rPr lang="en-US" smtClean="0"/>
-              <a:t>20</a:t>
             </a:fld>
             <a:endParaRPr lang="en-US"/>
           </a:p>
@@ -1732,7 +1712,6 @@
           <a:p>
             <a:fld id="{6101C5E1-D8E9-464D-A93E-CE21651935A7}" type="slidenum">
               <a:rPr lang="en-US" smtClean="0"/>
-              <a:t>21</a:t>
             </a:fld>
             <a:endParaRPr lang="en-US"/>
           </a:p>
@@ -1820,7 +1799,6 @@
           <a:p>
             <a:fld id="{6101C5E1-D8E9-464D-A93E-CE21651935A7}" type="slidenum">
               <a:rPr lang="en-US" smtClean="0"/>
-              <a:t>22</a:t>
             </a:fld>
             <a:endParaRPr lang="en-US"/>
           </a:p>
@@ -1908,7 +1886,6 @@
           <a:p>
             <a:fld id="{6101C5E1-D8E9-464D-A93E-CE21651935A7}" type="slidenum">
               <a:rPr lang="en-US" smtClean="0"/>
-              <a:t>23</a:t>
             </a:fld>
             <a:endParaRPr lang="en-US"/>
           </a:p>
@@ -1996,18 +1973,12 @@
           <a:p>
             <a:fld id="{6101C5E1-D8E9-464D-A93E-CE21651935A7}" type="slidenum">
               <a:rPr lang="en-US" smtClean="0"/>
-              <a:t>24</a:t>
             </a:fld>
             <a:endParaRPr lang="en-US"/>
           </a:p>
         </p:txBody>
       </p:sp>
     </p:spTree>
-    <p:extLst>
-      <p:ext uri="{BB962C8B-B14F-4D97-AF65-F5344CB8AC3E}">
-        <p14:creationId xmlns:p14="http://schemas.microsoft.com/office/powerpoint/2010/main" val="414699939"/>
-      </p:ext>
-    </p:extLst>
   </p:cSld>
   <p:clrMapOvr>
     <a:masterClrMapping/>
@@ -2089,7 +2060,6 @@
           <a:p>
             <a:fld id="{6101C5E1-D8E9-464D-A93E-CE21651935A7}" type="slidenum">
               <a:rPr lang="en-US" smtClean="0"/>
-              <a:t>25</a:t>
             </a:fld>
             <a:endParaRPr lang="en-US"/>
           </a:p>
@@ -2177,7 +2147,6 @@
           <a:p>
             <a:fld id="{6101C5E1-D8E9-464D-A93E-CE21651935A7}" type="slidenum">
               <a:rPr lang="en-US" smtClean="0"/>
-              <a:t>26</a:t>
             </a:fld>
             <a:endParaRPr lang="en-US"/>
           </a:p>
@@ -2265,7 +2234,6 @@
           <a:p>
             <a:fld id="{6101C5E1-D8E9-464D-A93E-CE21651935A7}" type="slidenum">
               <a:rPr lang="en-US" smtClean="0"/>
-              <a:t>27</a:t>
             </a:fld>
             <a:endParaRPr lang="en-US"/>
           </a:p>
@@ -2353,18 +2321,12 @@
           <a:p>
             <a:fld id="{6101C5E1-D8E9-464D-A93E-CE21651935A7}" type="slidenum">
               <a:rPr lang="en-US" smtClean="0"/>
-              <a:t>28</a:t>
             </a:fld>
             <a:endParaRPr lang="en-US"/>
           </a:p>
         </p:txBody>
       </p:sp>
     </p:spTree>
-    <p:extLst>
-      <p:ext uri="{BB962C8B-B14F-4D97-AF65-F5344CB8AC3E}">
-        <p14:creationId xmlns:p14="http://schemas.microsoft.com/office/powerpoint/2010/main" val="2523494116"/>
-      </p:ext>
-    </p:extLst>
   </p:cSld>
   <p:clrMapOvr>
     <a:masterClrMapping/>
@@ -2446,18 +2408,12 @@
           <a:p>
             <a:fld id="{6101C5E1-D8E9-464D-A93E-CE21651935A7}" type="slidenum">
               <a:rPr lang="en-US" smtClean="0"/>
-              <a:t>29</a:t>
             </a:fld>
             <a:endParaRPr lang="en-US"/>
           </a:p>
         </p:txBody>
       </p:sp>
     </p:spTree>
-    <p:extLst>
-      <p:ext uri="{BB962C8B-B14F-4D97-AF65-F5344CB8AC3E}">
-        <p14:creationId xmlns:p14="http://schemas.microsoft.com/office/powerpoint/2010/main" val="2214460230"/>
-      </p:ext>
-    </p:extLst>
   </p:cSld>
   <p:clrMapOvr>
     <a:masterClrMapping/>
@@ -2539,7 +2495,6 @@
           <a:p>
             <a:fld id="{6101C5E1-D8E9-464D-A93E-CE21651935A7}" type="slidenum">
               <a:rPr lang="en-US" smtClean="0"/>
-              <a:t>3</a:t>
             </a:fld>
             <a:endParaRPr lang="en-US"/>
           </a:p>
@@ -2627,7 +2582,6 @@
           <a:p>
             <a:fld id="{6101C5E1-D8E9-464D-A93E-CE21651935A7}" type="slidenum">
               <a:rPr lang="en-US" smtClean="0"/>
-              <a:t>30</a:t>
             </a:fld>
             <a:endParaRPr lang="en-US"/>
           </a:p>
@@ -2715,7 +2669,6 @@
           <a:p>
             <a:fld id="{6101C5E1-D8E9-464D-A93E-CE21651935A7}" type="slidenum">
               <a:rPr lang="en-US" smtClean="0"/>
-              <a:t>31</a:t>
             </a:fld>
             <a:endParaRPr lang="en-US"/>
           </a:p>
@@ -2803,7 +2756,6 @@
           <a:p>
             <a:fld id="{6101C5E1-D8E9-464D-A93E-CE21651935A7}" type="slidenum">
               <a:rPr lang="en-US" smtClean="0"/>
-              <a:t>32</a:t>
             </a:fld>
             <a:endParaRPr lang="en-US"/>
           </a:p>
@@ -2891,7 +2843,6 @@
           <a:p>
             <a:fld id="{6101C5E1-D8E9-464D-A93E-CE21651935A7}" type="slidenum">
               <a:rPr lang="en-US" smtClean="0"/>
-              <a:t>4</a:t>
             </a:fld>
             <a:endParaRPr lang="en-US"/>
           </a:p>
@@ -2979,7 +2930,6 @@
           <a:p>
             <a:fld id="{6101C5E1-D8E9-464D-A93E-CE21651935A7}" type="slidenum">
               <a:rPr lang="en-US" smtClean="0"/>
-              <a:t>5</a:t>
             </a:fld>
             <a:endParaRPr lang="en-US"/>
           </a:p>
@@ -3067,18 +3017,12 @@
           <a:p>
             <a:fld id="{6101C5E1-D8E9-464D-A93E-CE21651935A7}" type="slidenum">
               <a:rPr lang="en-US" smtClean="0"/>
-              <a:t>6</a:t>
             </a:fld>
             <a:endParaRPr lang="en-US"/>
           </a:p>
         </p:txBody>
       </p:sp>
     </p:spTree>
-    <p:extLst>
-      <p:ext uri="{BB962C8B-B14F-4D97-AF65-F5344CB8AC3E}">
-        <p14:creationId xmlns:p14="http://schemas.microsoft.com/office/powerpoint/2010/main" val="4202582234"/>
-      </p:ext>
-    </p:extLst>
   </p:cSld>
   <p:clrMapOvr>
     <a:masterClrMapping/>
@@ -3160,7 +3104,6 @@
           <a:p>
             <a:fld id="{6101C5E1-D8E9-464D-A93E-CE21651935A7}" type="slidenum">
               <a:rPr lang="en-US" smtClean="0"/>
-              <a:t>7</a:t>
             </a:fld>
             <a:endParaRPr lang="en-US"/>
           </a:p>
@@ -3248,7 +3191,6 @@
           <a:p>
             <a:fld id="{6101C5E1-D8E9-464D-A93E-CE21651935A7}" type="slidenum">
               <a:rPr lang="en-US" smtClean="0"/>
-              <a:t>8</a:t>
             </a:fld>
             <a:endParaRPr lang="en-US"/>
           </a:p>
@@ -3336,7 +3278,6 @@
           <a:p>
             <a:fld id="{6101C5E1-D8E9-464D-A93E-CE21651935A7}" type="slidenum">
               <a:rPr lang="en-US" smtClean="0"/>
-              <a:t>9</a:t>
             </a:fld>
             <a:endParaRPr lang="en-US"/>
           </a:p>
@@ -3391,6 +3332,7 @@
               <a:rPr lang="en-US"/>
               <a:t>Click to edit Master title style</a:t>
             </a:r>
+            <a:endParaRPr lang="en-US"/>
           </a:p>
         </p:txBody>
       </p:sp>
@@ -3509,6 +3451,7 @@
               <a:rPr lang="en-US"/>
               <a:t>Click to edit Master subtitle style</a:t>
             </a:r>
+            <a:endParaRPr lang="en-US"/>
           </a:p>
         </p:txBody>
       </p:sp>
@@ -3529,7 +3472,6 @@
           <a:p>
             <a:fld id="{E8FD0B7A-F5DD-4F40-B4CB-3B2C354B893A}" type="datetimeFigureOut">
               <a:rPr lang="en-US" smtClean="0"/>
-              <a:t>4/12/2024</a:t>
             </a:fld>
             <a:endParaRPr lang="en-US"/>
           </a:p>
@@ -3571,7 +3513,6 @@
           <a:p>
             <a:fld id="{93AE1883-0942-4AA3-9DB2-9C7C3A0314B1}" type="slidenum">
               <a:rPr lang="en-US" smtClean="0"/>
-              <a:t>‹#›</a:t>
             </a:fld>
             <a:endParaRPr lang="en-US"/>
           </a:p>
@@ -3622,6 +3563,7 @@
               <a:rPr lang="en-US"/>
               <a:t>Click to edit Master title style</a:t>
             </a:r>
+            <a:endParaRPr lang="en-US"/>
           </a:p>
         </p:txBody>
       </p:sp>
@@ -3645,6 +3587,7 @@
               <a:rPr lang="en-US"/>
               <a:t>Click to edit Master text styles</a:t>
             </a:r>
+            <a:endParaRPr lang="en-US"/>
           </a:p>
           <a:p>
             <a:pPr lvl="1"/>
@@ -3652,6 +3595,7 @@
               <a:rPr lang="en-US"/>
               <a:t>Second level</a:t>
             </a:r>
+            <a:endParaRPr lang="en-US"/>
           </a:p>
           <a:p>
             <a:pPr lvl="2"/>
@@ -3659,6 +3603,7 @@
               <a:rPr lang="en-US"/>
               <a:t>Third level</a:t>
             </a:r>
+            <a:endParaRPr lang="en-US"/>
           </a:p>
           <a:p>
             <a:pPr lvl="3"/>
@@ -3666,6 +3611,7 @@
               <a:rPr lang="en-US"/>
               <a:t>Fourth level</a:t>
             </a:r>
+            <a:endParaRPr lang="en-US"/>
           </a:p>
           <a:p>
             <a:pPr lvl="4"/>
@@ -3673,6 +3619,7 @@
               <a:rPr lang="en-US"/>
               <a:t>Fifth level</a:t>
             </a:r>
+            <a:endParaRPr lang="en-US"/>
           </a:p>
         </p:txBody>
       </p:sp>
@@ -3693,7 +3640,6 @@
           <a:p>
             <a:fld id="{E8FD0B7A-F5DD-4F40-B4CB-3B2C354B893A}" type="datetimeFigureOut">
               <a:rPr lang="en-US" smtClean="0"/>
-              <a:t>4/12/2024</a:t>
             </a:fld>
             <a:endParaRPr lang="en-US"/>
           </a:p>
@@ -3735,7 +3681,6 @@
           <a:p>
             <a:fld id="{93AE1883-0942-4AA3-9DB2-9C7C3A0314B1}" type="slidenum">
               <a:rPr lang="en-US" smtClean="0"/>
-              <a:t>‹#›</a:t>
             </a:fld>
             <a:endParaRPr lang="en-US"/>
           </a:p>
@@ -3791,6 +3736,7 @@
               <a:rPr lang="en-US"/>
               <a:t>Click to edit Master title style</a:t>
             </a:r>
+            <a:endParaRPr lang="en-US"/>
           </a:p>
         </p:txBody>
       </p:sp>
@@ -3819,6 +3765,7 @@
               <a:rPr lang="en-US"/>
               <a:t>Click to edit Master text styles</a:t>
             </a:r>
+            <a:endParaRPr lang="en-US"/>
           </a:p>
           <a:p>
             <a:pPr lvl="1"/>
@@ -3826,6 +3773,7 @@
               <a:rPr lang="en-US"/>
               <a:t>Second level</a:t>
             </a:r>
+            <a:endParaRPr lang="en-US"/>
           </a:p>
           <a:p>
             <a:pPr lvl="2"/>
@@ -3833,6 +3781,7 @@
               <a:rPr lang="en-US"/>
               <a:t>Third level</a:t>
             </a:r>
+            <a:endParaRPr lang="en-US"/>
           </a:p>
           <a:p>
             <a:pPr lvl="3"/>
@@ -3840,6 +3789,7 @@
               <a:rPr lang="en-US"/>
               <a:t>Fourth level</a:t>
             </a:r>
+            <a:endParaRPr lang="en-US"/>
           </a:p>
           <a:p>
             <a:pPr lvl="4"/>
@@ -3847,6 +3797,7 @@
               <a:rPr lang="en-US"/>
               <a:t>Fifth level</a:t>
             </a:r>
+            <a:endParaRPr lang="en-US"/>
           </a:p>
         </p:txBody>
       </p:sp>
@@ -3867,7 +3818,6 @@
           <a:p>
             <a:fld id="{E8FD0B7A-F5DD-4F40-B4CB-3B2C354B893A}" type="datetimeFigureOut">
               <a:rPr lang="en-US" smtClean="0"/>
-              <a:t>4/12/2024</a:t>
             </a:fld>
             <a:endParaRPr lang="en-US"/>
           </a:p>
@@ -3909,7 +3859,6 @@
           <a:p>
             <a:fld id="{93AE1883-0942-4AA3-9DB2-9C7C3A0314B1}" type="slidenum">
               <a:rPr lang="en-US" smtClean="0"/>
-              <a:t>‹#›</a:t>
             </a:fld>
             <a:endParaRPr lang="en-US"/>
           </a:p>
@@ -3960,6 +3909,7 @@
               <a:rPr lang="en-US"/>
               <a:t>Click to edit Master title style</a:t>
             </a:r>
+            <a:endParaRPr lang="en-US"/>
           </a:p>
         </p:txBody>
       </p:sp>
@@ -3983,6 +3933,7 @@
               <a:rPr lang="en-US"/>
               <a:t>Click to edit Master text styles</a:t>
             </a:r>
+            <a:endParaRPr lang="en-US"/>
           </a:p>
           <a:p>
             <a:pPr lvl="1"/>
@@ -3990,6 +3941,7 @@
               <a:rPr lang="en-US"/>
               <a:t>Second level</a:t>
             </a:r>
+            <a:endParaRPr lang="en-US"/>
           </a:p>
           <a:p>
             <a:pPr lvl="2"/>
@@ -3997,6 +3949,7 @@
               <a:rPr lang="en-US"/>
               <a:t>Third level</a:t>
             </a:r>
+            <a:endParaRPr lang="en-US"/>
           </a:p>
           <a:p>
             <a:pPr lvl="3"/>
@@ -4004,6 +3957,7 @@
               <a:rPr lang="en-US"/>
               <a:t>Fourth level</a:t>
             </a:r>
+            <a:endParaRPr lang="en-US"/>
           </a:p>
           <a:p>
             <a:pPr lvl="4"/>
@@ -4011,6 +3965,7 @@
               <a:rPr lang="en-US"/>
               <a:t>Fifth level</a:t>
             </a:r>
+            <a:endParaRPr lang="en-US"/>
           </a:p>
         </p:txBody>
       </p:sp>
@@ -4031,7 +3986,6 @@
           <a:p>
             <a:fld id="{E8FD0B7A-F5DD-4F40-B4CB-3B2C354B893A}" type="datetimeFigureOut">
               <a:rPr lang="en-US" smtClean="0"/>
-              <a:t>4/12/2024</a:t>
             </a:fld>
             <a:endParaRPr lang="en-US"/>
           </a:p>
@@ -4073,7 +4027,6 @@
           <a:p>
             <a:fld id="{93AE1883-0942-4AA3-9DB2-9C7C3A0314B1}" type="slidenum">
               <a:rPr lang="en-US" smtClean="0"/>
-              <a:t>‹#›</a:t>
             </a:fld>
             <a:endParaRPr lang="en-US"/>
           </a:p>
@@ -4133,6 +4086,7 @@
               <a:rPr lang="en-US"/>
               <a:t>Click to edit Master title style</a:t>
             </a:r>
+            <a:endParaRPr lang="en-US"/>
           </a:p>
         </p:txBody>
       </p:sp>
@@ -4252,6 +4206,7 @@
               <a:rPr lang="en-US"/>
               <a:t>Click to edit Master text styles</a:t>
             </a:r>
+            <a:endParaRPr lang="en-US"/>
           </a:p>
         </p:txBody>
       </p:sp>
@@ -4272,7 +4227,6 @@
           <a:p>
             <a:fld id="{E8FD0B7A-F5DD-4F40-B4CB-3B2C354B893A}" type="datetimeFigureOut">
               <a:rPr lang="en-US" smtClean="0"/>
-              <a:t>4/12/2024</a:t>
             </a:fld>
             <a:endParaRPr lang="en-US"/>
           </a:p>
@@ -4314,7 +4268,6 @@
           <a:p>
             <a:fld id="{93AE1883-0942-4AA3-9DB2-9C7C3A0314B1}" type="slidenum">
               <a:rPr lang="en-US" smtClean="0"/>
-              <a:t>‹#›</a:t>
             </a:fld>
             <a:endParaRPr lang="en-US"/>
           </a:p>
@@ -4365,6 +4318,7 @@
               <a:rPr lang="en-US"/>
               <a:t>Click to edit Master title style</a:t>
             </a:r>
+            <a:endParaRPr lang="en-US"/>
           </a:p>
         </p:txBody>
       </p:sp>
@@ -4421,6 +4375,7 @@
               <a:rPr lang="en-US"/>
               <a:t>Click to edit Master text styles</a:t>
             </a:r>
+            <a:endParaRPr lang="en-US"/>
           </a:p>
           <a:p>
             <a:pPr lvl="1"/>
@@ -4428,6 +4383,7 @@
               <a:rPr lang="en-US"/>
               <a:t>Second level</a:t>
             </a:r>
+            <a:endParaRPr lang="en-US"/>
           </a:p>
           <a:p>
             <a:pPr lvl="2"/>
@@ -4435,6 +4391,7 @@
               <a:rPr lang="en-US"/>
               <a:t>Third level</a:t>
             </a:r>
+            <a:endParaRPr lang="en-US"/>
           </a:p>
           <a:p>
             <a:pPr lvl="3"/>
@@ -4442,6 +4399,7 @@
               <a:rPr lang="en-US"/>
               <a:t>Fourth level</a:t>
             </a:r>
+            <a:endParaRPr lang="en-US"/>
           </a:p>
           <a:p>
             <a:pPr lvl="4"/>
@@ -4449,6 +4407,7 @@
               <a:rPr lang="en-US"/>
               <a:t>Fifth level</a:t>
             </a:r>
+            <a:endParaRPr lang="en-US"/>
           </a:p>
         </p:txBody>
       </p:sp>
@@ -4505,6 +4464,7 @@
               <a:rPr lang="en-US"/>
               <a:t>Click to edit Master text styles</a:t>
             </a:r>
+            <a:endParaRPr lang="en-US"/>
           </a:p>
           <a:p>
             <a:pPr lvl="1"/>
@@ -4512,6 +4472,7 @@
               <a:rPr lang="en-US"/>
               <a:t>Second level</a:t>
             </a:r>
+            <a:endParaRPr lang="en-US"/>
           </a:p>
           <a:p>
             <a:pPr lvl="2"/>
@@ -4519,6 +4480,7 @@
               <a:rPr lang="en-US"/>
               <a:t>Third level</a:t>
             </a:r>
+            <a:endParaRPr lang="en-US"/>
           </a:p>
           <a:p>
             <a:pPr lvl="3"/>
@@ -4526,6 +4488,7 @@
               <a:rPr lang="en-US"/>
               <a:t>Fourth level</a:t>
             </a:r>
+            <a:endParaRPr lang="en-US"/>
           </a:p>
           <a:p>
             <a:pPr lvl="4"/>
@@ -4533,6 +4496,7 @@
               <a:rPr lang="en-US"/>
               <a:t>Fifth level</a:t>
             </a:r>
+            <a:endParaRPr lang="en-US"/>
           </a:p>
         </p:txBody>
       </p:sp>
@@ -4553,7 +4517,6 @@
           <a:p>
             <a:fld id="{E8FD0B7A-F5DD-4F40-B4CB-3B2C354B893A}" type="datetimeFigureOut">
               <a:rPr lang="en-US" smtClean="0"/>
-              <a:t>4/12/2024</a:t>
             </a:fld>
             <a:endParaRPr lang="en-US"/>
           </a:p>
@@ -4595,7 +4558,6 @@
           <a:p>
             <a:fld id="{93AE1883-0942-4AA3-9DB2-9C7C3A0314B1}" type="slidenum">
               <a:rPr lang="en-US" smtClean="0"/>
-              <a:t>‹#›</a:t>
             </a:fld>
             <a:endParaRPr lang="en-US"/>
           </a:p>
@@ -4650,6 +4612,7 @@
               <a:rPr lang="en-US"/>
               <a:t>Click to edit Master title style</a:t>
             </a:r>
+            <a:endParaRPr lang="en-US"/>
           </a:p>
         </p:txBody>
       </p:sp>
@@ -4715,6 +4678,7 @@
               <a:rPr lang="en-US"/>
               <a:t>Click to edit Master text styles</a:t>
             </a:r>
+            <a:endParaRPr lang="en-US"/>
           </a:p>
         </p:txBody>
       </p:sp>
@@ -4771,6 +4735,7 @@
               <a:rPr lang="en-US"/>
               <a:t>Click to edit Master text styles</a:t>
             </a:r>
+            <a:endParaRPr lang="en-US"/>
           </a:p>
           <a:p>
             <a:pPr lvl="1"/>
@@ -4778,6 +4743,7 @@
               <a:rPr lang="en-US"/>
               <a:t>Second level</a:t>
             </a:r>
+            <a:endParaRPr lang="en-US"/>
           </a:p>
           <a:p>
             <a:pPr lvl="2"/>
@@ -4785,6 +4751,7 @@
               <a:rPr lang="en-US"/>
               <a:t>Third level</a:t>
             </a:r>
+            <a:endParaRPr lang="en-US"/>
           </a:p>
           <a:p>
             <a:pPr lvl="3"/>
@@ -4792,6 +4759,7 @@
               <a:rPr lang="en-US"/>
               <a:t>Fourth level</a:t>
             </a:r>
+            <a:endParaRPr lang="en-US"/>
           </a:p>
           <a:p>
             <a:pPr lvl="4"/>
@@ -4799,6 +4767,7 @@
               <a:rPr lang="en-US"/>
               <a:t>Fifth level</a:t>
             </a:r>
+            <a:endParaRPr lang="en-US"/>
           </a:p>
         </p:txBody>
       </p:sp>
@@ -4864,6 +4833,7 @@
               <a:rPr lang="en-US"/>
               <a:t>Click to edit Master text styles</a:t>
             </a:r>
+            <a:endParaRPr lang="en-US"/>
           </a:p>
         </p:txBody>
       </p:sp>
@@ -4920,6 +4890,7 @@
               <a:rPr lang="en-US"/>
               <a:t>Click to edit Master text styles</a:t>
             </a:r>
+            <a:endParaRPr lang="en-US"/>
           </a:p>
           <a:p>
             <a:pPr lvl="1"/>
@@ -4927,6 +4898,7 @@
               <a:rPr lang="en-US"/>
               <a:t>Second level</a:t>
             </a:r>
+            <a:endParaRPr lang="en-US"/>
           </a:p>
           <a:p>
             <a:pPr lvl="2"/>
@@ -4934,6 +4906,7 @@
               <a:rPr lang="en-US"/>
               <a:t>Third level</a:t>
             </a:r>
+            <a:endParaRPr lang="en-US"/>
           </a:p>
           <a:p>
             <a:pPr lvl="3"/>
@@ -4941,6 +4914,7 @@
               <a:rPr lang="en-US"/>
               <a:t>Fourth level</a:t>
             </a:r>
+            <a:endParaRPr lang="en-US"/>
           </a:p>
           <a:p>
             <a:pPr lvl="4"/>
@@ -4948,6 +4922,7 @@
               <a:rPr lang="en-US"/>
               <a:t>Fifth level</a:t>
             </a:r>
+            <a:endParaRPr lang="en-US"/>
           </a:p>
         </p:txBody>
       </p:sp>
@@ -4968,7 +4943,6 @@
           <a:p>
             <a:fld id="{E8FD0B7A-F5DD-4F40-B4CB-3B2C354B893A}" type="datetimeFigureOut">
               <a:rPr lang="en-US" smtClean="0"/>
-              <a:t>4/12/2024</a:t>
             </a:fld>
             <a:endParaRPr lang="en-US"/>
           </a:p>
@@ -5010,7 +4984,6 @@
           <a:p>
             <a:fld id="{93AE1883-0942-4AA3-9DB2-9C7C3A0314B1}" type="slidenum">
               <a:rPr lang="en-US" smtClean="0"/>
-              <a:t>‹#›</a:t>
             </a:fld>
             <a:endParaRPr lang="en-US"/>
           </a:p>
@@ -5061,6 +5034,7 @@
               <a:rPr lang="en-US"/>
               <a:t>Click to edit Master title style</a:t>
             </a:r>
+            <a:endParaRPr lang="en-US"/>
           </a:p>
         </p:txBody>
       </p:sp>
@@ -5081,7 +5055,6 @@
           <a:p>
             <a:fld id="{E8FD0B7A-F5DD-4F40-B4CB-3B2C354B893A}" type="datetimeFigureOut">
               <a:rPr lang="en-US" smtClean="0"/>
-              <a:t>4/12/2024</a:t>
             </a:fld>
             <a:endParaRPr lang="en-US"/>
           </a:p>
@@ -5123,7 +5096,6 @@
           <a:p>
             <a:fld id="{93AE1883-0942-4AA3-9DB2-9C7C3A0314B1}" type="slidenum">
               <a:rPr lang="en-US" smtClean="0"/>
-              <a:t>‹#›</a:t>
             </a:fld>
             <a:endParaRPr lang="en-US"/>
           </a:p>
@@ -5177,7 +5149,6 @@
           <a:p>
             <a:fld id="{E8FD0B7A-F5DD-4F40-B4CB-3B2C354B893A}" type="datetimeFigureOut">
               <a:rPr lang="en-US" smtClean="0"/>
-              <a:t>4/12/2024</a:t>
             </a:fld>
             <a:endParaRPr lang="en-US"/>
           </a:p>
@@ -5229,7 +5200,6 @@
           <a:p>
             <a:fld id="{93AE1883-0942-4AA3-9DB2-9C7C3A0314B1}" type="slidenum">
               <a:rPr lang="en-US" smtClean="0"/>
-              <a:t>‹#›</a:t>
             </a:fld>
             <a:endParaRPr lang="en-US"/>
           </a:p>
@@ -5289,6 +5259,7 @@
               <a:rPr lang="en-US"/>
               <a:t>Click to edit Master title style</a:t>
             </a:r>
+            <a:endParaRPr lang="en-US"/>
           </a:p>
         </p:txBody>
       </p:sp>
@@ -5345,6 +5316,7 @@
               <a:rPr lang="en-US"/>
               <a:t>Click to edit Master text styles</a:t>
             </a:r>
+            <a:endParaRPr lang="en-US"/>
           </a:p>
           <a:p>
             <a:pPr lvl="1"/>
@@ -5352,6 +5324,7 @@
               <a:rPr lang="en-US"/>
               <a:t>Second level</a:t>
             </a:r>
+            <a:endParaRPr lang="en-US"/>
           </a:p>
           <a:p>
             <a:pPr lvl="2"/>
@@ -5359,6 +5332,7 @@
               <a:rPr lang="en-US"/>
               <a:t>Third level</a:t>
             </a:r>
+            <a:endParaRPr lang="en-US"/>
           </a:p>
           <a:p>
             <a:pPr lvl="3"/>
@@ -5366,6 +5340,7 @@
               <a:rPr lang="en-US"/>
               <a:t>Fourth level</a:t>
             </a:r>
+            <a:endParaRPr lang="en-US"/>
           </a:p>
           <a:p>
             <a:pPr lvl="4"/>
@@ -5373,6 +5348,7 @@
               <a:rPr lang="en-US"/>
               <a:t>Fifth level</a:t>
             </a:r>
+            <a:endParaRPr lang="en-US"/>
           </a:p>
         </p:txBody>
       </p:sp>
@@ -5438,6 +5414,7 @@
               <a:rPr lang="en-US"/>
               <a:t>Click to edit Master text styles</a:t>
             </a:r>
+            <a:endParaRPr lang="en-US"/>
           </a:p>
         </p:txBody>
       </p:sp>
@@ -5458,7 +5435,6 @@
           <a:p>
             <a:fld id="{E8FD0B7A-F5DD-4F40-B4CB-3B2C354B893A}" type="datetimeFigureOut">
               <a:rPr lang="en-US" smtClean="0"/>
-              <a:t>4/12/2024</a:t>
             </a:fld>
             <a:endParaRPr lang="en-US"/>
           </a:p>
@@ -5500,7 +5476,6 @@
           <a:p>
             <a:fld id="{93AE1883-0942-4AA3-9DB2-9C7C3A0314B1}" type="slidenum">
               <a:rPr lang="en-US" smtClean="0"/>
-              <a:t>‹#›</a:t>
             </a:fld>
             <a:endParaRPr lang="en-US"/>
           </a:p>
@@ -5560,6 +5535,7 @@
               <a:rPr lang="en-US"/>
               <a:t>Click to edit Master title style</a:t>
             </a:r>
+            <a:endParaRPr lang="en-US"/>
           </a:p>
         </p:txBody>
       </p:sp>
@@ -5686,6 +5662,7 @@
               <a:rPr lang="en-US"/>
               <a:t>Click to edit Master text styles</a:t>
             </a:r>
+            <a:endParaRPr lang="en-US"/>
           </a:p>
         </p:txBody>
       </p:sp>
@@ -5706,7 +5683,6 @@
           <a:p>
             <a:fld id="{E8FD0B7A-F5DD-4F40-B4CB-3B2C354B893A}" type="datetimeFigureOut">
               <a:rPr lang="en-US" smtClean="0"/>
-              <a:t>4/12/2024</a:t>
             </a:fld>
             <a:endParaRPr lang="en-US"/>
           </a:p>
@@ -5748,7 +5724,6 @@
           <a:p>
             <a:fld id="{93AE1883-0942-4AA3-9DB2-9C7C3A0314B1}" type="slidenum">
               <a:rPr lang="en-US" smtClean="0"/>
-              <a:t>‹#›</a:t>
             </a:fld>
             <a:endParaRPr lang="en-US"/>
           </a:p>
@@ -5814,6 +5789,7 @@
               <a:rPr lang="en-US"/>
               <a:t>Click to edit Master title style</a:t>
             </a:r>
+            <a:endParaRPr lang="en-US"/>
           </a:p>
         </p:txBody>
       </p:sp>
@@ -5847,6 +5823,7 @@
               <a:rPr lang="en-US"/>
               <a:t>Click to edit Master text styles</a:t>
             </a:r>
+            <a:endParaRPr lang="en-US"/>
           </a:p>
           <a:p>
             <a:pPr lvl="1"/>
@@ -5854,6 +5831,7 @@
               <a:rPr lang="en-US"/>
               <a:t>Second level</a:t>
             </a:r>
+            <a:endParaRPr lang="en-US"/>
           </a:p>
           <a:p>
             <a:pPr lvl="2"/>
@@ -5861,6 +5839,7 @@
               <a:rPr lang="en-US"/>
               <a:t>Third level</a:t>
             </a:r>
+            <a:endParaRPr lang="en-US"/>
           </a:p>
           <a:p>
             <a:pPr lvl="3"/>
@@ -5868,6 +5847,7 @@
               <a:rPr lang="en-US"/>
               <a:t>Fourth level</a:t>
             </a:r>
+            <a:endParaRPr lang="en-US"/>
           </a:p>
           <a:p>
             <a:pPr lvl="4"/>
@@ -5875,6 +5855,7 @@
               <a:rPr lang="en-US"/>
               <a:t>Fifth level</a:t>
             </a:r>
+            <a:endParaRPr lang="en-US"/>
           </a:p>
         </p:txBody>
       </p:sp>
@@ -5913,7 +5894,6 @@
           <a:p>
             <a:fld id="{E8FD0B7A-F5DD-4F40-B4CB-3B2C354B893A}" type="datetimeFigureOut">
               <a:rPr lang="en-US" smtClean="0"/>
-              <a:t>4/12/2024</a:t>
             </a:fld>
             <a:endParaRPr lang="en-US"/>
           </a:p>
@@ -5991,7 +5971,6 @@
           <a:p>
             <a:fld id="{93AE1883-0942-4AA3-9DB2-9C7C3A0314B1}" type="slidenum">
               <a:rPr lang="en-US" smtClean="0"/>
-              <a:t>‹#›</a:t>
             </a:fld>
             <a:endParaRPr lang="en-US"/>
           </a:p>
@@ -6036,7 +6015,7 @@
         <a:spcBef>
           <a:spcPct val="20000"/>
         </a:spcBef>
-        <a:buFont typeface="Arial" pitchFamily="34" charset="0"/>
+        <a:buFont typeface="Arial" panose="020B0604020202020204" pitchFamily="34" charset="0"/>
         <a:buChar char="•"/>
         <a:defRPr sz="3200" kern="1200">
           <a:solidFill>
@@ -6051,7 +6030,7 @@
         <a:spcBef>
           <a:spcPct val="20000"/>
         </a:spcBef>
-        <a:buFont typeface="Arial" pitchFamily="34" charset="0"/>
+        <a:buFont typeface="Arial" panose="020B0604020202020204" pitchFamily="34" charset="0"/>
         <a:buChar char="–"/>
         <a:defRPr sz="2800" kern="1200">
           <a:solidFill>
@@ -6066,7 +6045,7 @@
         <a:spcBef>
           <a:spcPct val="20000"/>
         </a:spcBef>
-        <a:buFont typeface="Arial" pitchFamily="34" charset="0"/>
+        <a:buFont typeface="Arial" panose="020B0604020202020204" pitchFamily="34" charset="0"/>
         <a:buChar char="•"/>
         <a:defRPr sz="2400" kern="1200">
           <a:solidFill>
@@ -6081,7 +6060,7 @@
         <a:spcBef>
           <a:spcPct val="20000"/>
         </a:spcBef>
-        <a:buFont typeface="Arial" pitchFamily="34" charset="0"/>
+        <a:buFont typeface="Arial" panose="020B0604020202020204" pitchFamily="34" charset="0"/>
         <a:buChar char="–"/>
         <a:defRPr sz="2000" kern="1200">
           <a:solidFill>
@@ -6096,7 +6075,7 @@
         <a:spcBef>
           <a:spcPct val="20000"/>
         </a:spcBef>
-        <a:buFont typeface="Arial" pitchFamily="34" charset="0"/>
+        <a:buFont typeface="Arial" panose="020B0604020202020204" pitchFamily="34" charset="0"/>
         <a:buChar char="»"/>
         <a:defRPr sz="2000" kern="1200">
           <a:solidFill>
@@ -6111,7 +6090,7 @@
         <a:spcBef>
           <a:spcPct val="20000"/>
         </a:spcBef>
-        <a:buFont typeface="Arial" pitchFamily="34" charset="0"/>
+        <a:buFont typeface="Arial" panose="020B0604020202020204" pitchFamily="34" charset="0"/>
         <a:buChar char="•"/>
         <a:defRPr sz="2000" kern="1200">
           <a:solidFill>
@@ -6126,7 +6105,7 @@
         <a:spcBef>
           <a:spcPct val="20000"/>
         </a:spcBef>
-        <a:buFont typeface="Arial" pitchFamily="34" charset="0"/>
+        <a:buFont typeface="Arial" panose="020B0604020202020204" pitchFamily="34" charset="0"/>
         <a:buChar char="•"/>
         <a:defRPr sz="2000" kern="1200">
           <a:solidFill>
@@ -6141,7 +6120,7 @@
         <a:spcBef>
           <a:spcPct val="20000"/>
         </a:spcBef>
-        <a:buFont typeface="Arial" pitchFamily="34" charset="0"/>
+        <a:buFont typeface="Arial" panose="020B0604020202020204" pitchFamily="34" charset="0"/>
         <a:buChar char="•"/>
         <a:defRPr sz="2000" kern="1200">
           <a:solidFill>
@@ -6156,7 +6135,7 @@
         <a:spcBef>
           <a:spcPct val="20000"/>
         </a:spcBef>
-        <a:buFont typeface="Arial" pitchFamily="34" charset="0"/>
+        <a:buFont typeface="Arial" panose="020B0604020202020204" pitchFamily="34" charset="0"/>
         <a:buChar char="•"/>
         <a:defRPr sz="2000" kern="1200">
           <a:solidFill>
@@ -6273,7 +6252,7 @@
     <p:bg>
       <p:bgPr>
         <a:blipFill dpi="0">
-          <a:blip r:embed="rId3"/>
+          <a:blip r:embed="rId1"/>
           <a:srcRect/>
           <a:stretch>
             <a:fillRect/>
@@ -6352,7 +6331,7 @@
                     <a:alpha val="0"/>
                   </a:srgbClr>
                 </a:highlight>
-                <a:latin typeface="微软雅黑"/>
+                <a:latin typeface="微软雅黑" panose="020B0503020204020204" charset="-122"/>
               </a:rPr>
               <a:t>"</a:t>
             </a:r>
@@ -6366,7 +6345,7 @@
                     <a:alpha val="0"/>
                   </a:srgbClr>
                 </a:highlight>
-                <a:latin typeface="微软雅黑"/>
+                <a:latin typeface="微软雅黑" panose="020B0503020204020204" charset="-122"/>
               </a:rPr>
               <a:t>XD嘻搭</a:t>
             </a:r>
@@ -6380,7 +6359,7 @@
                     <a:alpha val="0"/>
                   </a:srgbClr>
                 </a:highlight>
-                <a:latin typeface="微软雅黑"/>
+                <a:latin typeface="微软雅黑" panose="020B0503020204020204" charset="-122"/>
               </a:rPr>
               <a:t>——</a:t>
             </a:r>
@@ -6394,7 +6373,7 @@
                     <a:alpha val="0"/>
                   </a:srgbClr>
                 </a:highlight>
-                <a:latin typeface="微软雅黑"/>
+                <a:latin typeface="微软雅黑" panose="020B0503020204020204" charset="-122"/>
               </a:rPr>
               <a:t>大学生创新社交平台项目</a:t>
             </a:r>
@@ -6408,10 +6387,21 @@
                     <a:alpha val="0"/>
                   </a:srgbClr>
                 </a:highlight>
-                <a:latin typeface="微软雅黑"/>
+                <a:latin typeface="微软雅黑" panose="020B0503020204020204" charset="-122"/>
               </a:rPr>
               <a:t>"</a:t>
             </a:r>
+            <a:endParaRPr sz="4800" b="1" i="0" dirty="0">
+              <a:solidFill>
+                <a:srgbClr val="FFFFFF"/>
+              </a:solidFill>
+              <a:highlight>
+                <a:srgbClr val="FFFFFF">
+                  <a:alpha val="0"/>
+                </a:srgbClr>
+              </a:highlight>
+              <a:latin typeface="微软雅黑" panose="020B0503020204020204" charset="-122"/>
+            </a:endParaRPr>
           </a:p>
         </p:txBody>
       </p:sp>
@@ -6455,9 +6445,7 @@
             <a:spAutoFit/>
           </a:bodyPr>
           <a:lstStyle/>
-          <a:p>
-            <a:endParaRPr/>
-          </a:p>
+          <a:p/>
         </p:txBody>
       </p:sp>
       <p:sp>
@@ -6516,7 +6504,7 @@
                     <a:alpha val="0"/>
                   </a:srgbClr>
                 </a:highlight>
-                <a:latin typeface="微软雅黑"/>
+                <a:latin typeface="微软雅黑" panose="020B0503020204020204" charset="-122"/>
               </a:rPr>
               <a:t>"</a:t>
             </a:r>
@@ -6530,7 +6518,7 @@
                     <a:alpha val="0"/>
                   </a:srgbClr>
                 </a:highlight>
-                <a:latin typeface="微软雅黑"/>
+                <a:latin typeface="微软雅黑" panose="020B0503020204020204" charset="-122"/>
               </a:rPr>
               <a:t>精准匹配，共享快乐，满足你的社交新需求</a:t>
             </a:r>
@@ -6544,10 +6532,21 @@
                     <a:alpha val="0"/>
                   </a:srgbClr>
                 </a:highlight>
-                <a:latin typeface="微软雅黑"/>
+                <a:latin typeface="微软雅黑" panose="020B0503020204020204" charset="-122"/>
               </a:rPr>
               <a:t>"</a:t>
             </a:r>
+            <a:endParaRPr sz="3000" b="1" i="0" dirty="0">
+              <a:solidFill>
+                <a:srgbClr val="FFD8AE"/>
+              </a:solidFill>
+              <a:highlight>
+                <a:srgbClr val="FFFFFF">
+                  <a:alpha val="0"/>
+                </a:srgbClr>
+              </a:highlight>
+              <a:latin typeface="微软雅黑" panose="020B0503020204020204" charset="-122"/>
+            </a:endParaRPr>
           </a:p>
         </p:txBody>
       </p:sp>
@@ -6591,9 +6590,7 @@
             <a:spAutoFit/>
           </a:bodyPr>
           <a:lstStyle/>
-          <a:p>
-            <a:endParaRPr/>
-          </a:p>
+          <a:p/>
         </p:txBody>
       </p:sp>
       <p:sp>
@@ -6636,9 +6633,7 @@
             <a:spAutoFit/>
           </a:bodyPr>
           <a:lstStyle/>
-          <a:p>
-            <a:endParaRPr/>
-          </a:p>
+          <a:p/>
         </p:txBody>
       </p:sp>
       <p:sp>
@@ -6681,9 +6676,7 @@
             <a:spAutoFit/>
           </a:bodyPr>
           <a:lstStyle/>
-          <a:p>
-            <a:endParaRPr/>
-          </a:p>
+          <a:p/>
         </p:txBody>
       </p:sp>
       <p:sp>
@@ -6742,8 +6735,8 @@
                     <a:alpha val="0"/>
                   </a:srgbClr>
                 </a:highlight>
-                <a:latin typeface="微软雅黑" panose="020B0503020204020204" pitchFamily="34" charset="-122"/>
-                <a:ea typeface="微软雅黑" panose="020B0503020204020204" pitchFamily="34" charset="-122"/>
+                <a:latin typeface="微软雅黑" panose="020B0503020204020204" charset="-122"/>
+                <a:ea typeface="微软雅黑" panose="020B0503020204020204" charset="-122"/>
               </a:rPr>
               <a:t>Web</a:t>
             </a:r>
@@ -6757,8 +6750,8 @@
                     <a:alpha val="0"/>
                   </a:srgbClr>
                 </a:highlight>
-                <a:latin typeface="微软雅黑" panose="020B0503020204020204" pitchFamily="34" charset="-122"/>
-                <a:ea typeface="微软雅黑" panose="020B0503020204020204" pitchFamily="34" charset="-122"/>
+                <a:latin typeface="微软雅黑" panose="020B0503020204020204" charset="-122"/>
+                <a:ea typeface="微软雅黑" panose="020B0503020204020204" charset="-122"/>
               </a:rPr>
               <a:t>工程</a:t>
             </a:r>
@@ -6772,8 +6765,8 @@
                     <a:alpha val="0"/>
                   </a:srgbClr>
                 </a:highlight>
-                <a:latin typeface="微软雅黑" panose="020B0503020204020204" pitchFamily="34" charset="-122"/>
-                <a:ea typeface="微软雅黑" panose="020B0503020204020204" pitchFamily="34" charset="-122"/>
+                <a:latin typeface="微软雅黑" panose="020B0503020204020204" charset="-122"/>
+                <a:ea typeface="微软雅黑" panose="020B0503020204020204" charset="-122"/>
               </a:rPr>
               <a:t>第</a:t>
             </a:r>
@@ -6787,8 +6780,8 @@
                     <a:alpha val="0"/>
                   </a:srgbClr>
                 </a:highlight>
-                <a:latin typeface="微软雅黑" panose="020B0503020204020204" pitchFamily="34" charset="-122"/>
-                <a:ea typeface="微软雅黑" panose="020B0503020204020204" pitchFamily="34" charset="-122"/>
+                <a:latin typeface="微软雅黑" panose="020B0503020204020204" charset="-122"/>
+                <a:ea typeface="微软雅黑" panose="020B0503020204020204" charset="-122"/>
               </a:rPr>
               <a:t>8</a:t>
             </a:r>
@@ -6802,8 +6795,8 @@
                     <a:alpha val="0"/>
                   </a:srgbClr>
                 </a:highlight>
-                <a:latin typeface="微软雅黑" panose="020B0503020204020204" pitchFamily="34" charset="-122"/>
-                <a:ea typeface="微软雅黑" panose="020B0503020204020204" pitchFamily="34" charset="-122"/>
+                <a:latin typeface="微软雅黑" panose="020B0503020204020204" charset="-122"/>
+                <a:ea typeface="微软雅黑" panose="020B0503020204020204" charset="-122"/>
               </a:rPr>
               <a:t>组</a:t>
             </a:r>
@@ -6816,8 +6809,8 @@
                   <a:alpha val="0"/>
                 </a:srgbClr>
               </a:highlight>
-              <a:latin typeface="微软雅黑" panose="020B0503020204020204" pitchFamily="34" charset="-122"/>
-              <a:ea typeface="微软雅黑" panose="020B0503020204020204" pitchFamily="34" charset="-122"/>
+              <a:latin typeface="微软雅黑" panose="020B0503020204020204" charset="-122"/>
+              <a:ea typeface="微软雅黑" panose="020B0503020204020204" charset="-122"/>
             </a:endParaRPr>
           </a:p>
         </p:txBody>
@@ -6878,7 +6871,7 @@
                     <a:alpha val="0"/>
                   </a:srgbClr>
                 </a:highlight>
-                <a:latin typeface="微软雅黑"/>
+                <a:latin typeface="微软雅黑" panose="020B0503020204020204" charset="-122"/>
               </a:rPr>
               <a:t>汇报时间</a:t>
             </a:r>
@@ -6892,7 +6885,7 @@
                     <a:alpha val="0"/>
                   </a:srgbClr>
                 </a:highlight>
-                <a:latin typeface="微软雅黑"/>
+                <a:latin typeface="微软雅黑" panose="020B0503020204020204" charset="-122"/>
               </a:rPr>
               <a:t>: 2024/04/1</a:t>
             </a:r>
@@ -6906,7 +6899,7 @@
                     <a:alpha val="0"/>
                   </a:srgbClr>
                 </a:highlight>
-                <a:latin typeface="微软雅黑"/>
+                <a:latin typeface="微软雅黑" panose="020B0503020204020204" charset="-122"/>
               </a:rPr>
               <a:t>2</a:t>
             </a:r>
@@ -6919,7 +6912,7 @@
                   <a:alpha val="0"/>
                 </a:srgbClr>
               </a:highlight>
-              <a:latin typeface="微软雅黑"/>
+              <a:latin typeface="微软雅黑" panose="020B0503020204020204" charset="-122"/>
             </a:endParaRPr>
           </a:p>
         </p:txBody>
@@ -6939,7 +6932,7 @@
     <p:bg>
       <p:bgPr>
         <a:blipFill dpi="0">
-          <a:blip r:embed="rId3"/>
+          <a:blip r:embed="rId1"/>
           <a:srcRect/>
           <a:stretch>
             <a:fillRect/>
@@ -6969,7 +6962,7 @@
           <p:nvPr/>
         </p:nvPicPr>
         <p:blipFill>
-          <a:blip r:embed="rId4"/>
+          <a:blip r:embed="rId2"/>
           <a:srcRect/>
           <a:stretch>
             <a:fillRect/>
@@ -7044,10 +7037,21 @@
                     <a:alpha val="0"/>
                   </a:srgbClr>
                 </a:highlight>
-                <a:latin typeface="微软雅黑"/>
+                <a:latin typeface="微软雅黑" panose="020B0503020204020204" charset="-122"/>
               </a:rPr>
               <a:t>强大组队功能</a:t>
             </a:r>
+            <a:endParaRPr sz="3000" b="1" i="0">
+              <a:solidFill>
+                <a:srgbClr val="FFFFFF"/>
+              </a:solidFill>
+              <a:highlight>
+                <a:srgbClr val="FFFFFF">
+                  <a:alpha val="0"/>
+                </a:srgbClr>
+              </a:highlight>
+              <a:latin typeface="微软雅黑" panose="020B0503020204020204" charset="-122"/>
+            </a:endParaRPr>
           </a:p>
         </p:txBody>
       </p:sp>
@@ -7107,10 +7111,21 @@
                     <a:alpha val="0"/>
                   </a:srgbClr>
                 </a:highlight>
-                <a:latin typeface="微软雅黑"/>
+                <a:latin typeface="微软雅黑" panose="020B0503020204020204" charset="-122"/>
               </a:rPr>
               <a:t>XD嘻搭的一键发起组队功能，让用户可以快速方便地邀请他人加入自己的队伍。无论是学术研讨，竞赛备战，还是文艺演出，户外郊游，都能瞬间集结理想团队。</a:t>
             </a:r>
+            <a:endParaRPr sz="1575" b="0" i="0">
+              <a:solidFill>
+                <a:srgbClr val="FFFFFF"/>
+              </a:solidFill>
+              <a:highlight>
+                <a:srgbClr val="FFFFFF">
+                  <a:alpha val="0"/>
+                </a:srgbClr>
+              </a:highlight>
+              <a:latin typeface="微软雅黑" panose="020B0503020204020204" charset="-122"/>
+            </a:endParaRPr>
           </a:p>
         </p:txBody>
       </p:sp>
@@ -7176,7 +7191,7 @@
                     <a:alpha val="0"/>
                   </a:srgbClr>
                 </a:highlight>
-                <a:latin typeface="微软雅黑"/>
+                <a:latin typeface="微软雅黑" panose="020B0503020204020204" charset="-122"/>
               </a:rPr>
               <a:t>一键发起组队</a:t>
             </a:r>
@@ -7189,7 +7204,7 @@
                   <a:alpha val="0"/>
                 </a:srgbClr>
               </a:highlight>
-              <a:latin typeface="微软雅黑"/>
+              <a:latin typeface="微软雅黑" panose="020B0503020204020204" charset="-122"/>
             </a:endParaRPr>
           </a:p>
         </p:txBody>
@@ -7250,10 +7265,21 @@
                     <a:alpha val="0"/>
                   </a:srgbClr>
                 </a:highlight>
-                <a:latin typeface="微软雅黑"/>
+                <a:latin typeface="微软雅黑" panose="020B0503020204020204" charset="-122"/>
               </a:rPr>
               <a:t>用户可以通过XD嘻搭的强大组队功能，轻松找寻到与自己兴趣相投，目标一致的队友。让每一次的团队活动都能充满乐趣，共同进步。</a:t>
             </a:r>
+            <a:endParaRPr sz="1575" b="0" i="0">
+              <a:solidFill>
+                <a:srgbClr val="FFFFFF"/>
+              </a:solidFill>
+              <a:highlight>
+                <a:srgbClr val="FFFFFF">
+                  <a:alpha val="0"/>
+                </a:srgbClr>
+              </a:highlight>
+              <a:latin typeface="微软雅黑" panose="020B0503020204020204" charset="-122"/>
+            </a:endParaRPr>
           </a:p>
         </p:txBody>
       </p:sp>
@@ -7319,10 +7345,21 @@
                     <a:alpha val="0"/>
                   </a:srgbClr>
                 </a:highlight>
-                <a:latin typeface="微软雅黑"/>
+                <a:latin typeface="微软雅黑" panose="020B0503020204020204" charset="-122"/>
               </a:rPr>
               <a:t>寻找理想队友</a:t>
             </a:r>
+            <a:endParaRPr sz="2100" b="1" i="0">
+              <a:solidFill>
+                <a:srgbClr val="FFD8AE"/>
+              </a:solidFill>
+              <a:highlight>
+                <a:srgbClr val="FFFFFF">
+                  <a:alpha val="0"/>
+                </a:srgbClr>
+              </a:highlight>
+              <a:latin typeface="微软雅黑" panose="020B0503020204020204" charset="-122"/>
+            </a:endParaRPr>
           </a:p>
         </p:txBody>
       </p:sp>
@@ -7382,10 +7419,21 @@
                     <a:alpha val="0"/>
                   </a:srgbClr>
                 </a:highlight>
-                <a:latin typeface="微软雅黑"/>
+                <a:latin typeface="微软雅黑" panose="020B0503020204020204" charset="-122"/>
               </a:rPr>
               <a:t>XD嘻搭的强大组队功能，让用户在集结理想团队的同时，也能享受到团队活动带来的乐趣。无论是一起研讨学习，还是一起户外郊游，都能感受到团队的力量和温暖。</a:t>
             </a:r>
+            <a:endParaRPr sz="1575" b="0" i="0">
+              <a:solidFill>
+                <a:srgbClr val="FFFFFF"/>
+              </a:solidFill>
+              <a:highlight>
+                <a:srgbClr val="FFFFFF">
+                  <a:alpha val="0"/>
+                </a:srgbClr>
+              </a:highlight>
+              <a:latin typeface="微软雅黑" panose="020B0503020204020204" charset="-122"/>
+            </a:endParaRPr>
           </a:p>
         </p:txBody>
       </p:sp>
@@ -7451,10 +7499,21 @@
                     <a:alpha val="0"/>
                   </a:srgbClr>
                 </a:highlight>
-                <a:latin typeface="微软雅黑"/>
+                <a:latin typeface="微软雅黑" panose="020B0503020204020204" charset="-122"/>
               </a:rPr>
               <a:t>乐享团队时光</a:t>
             </a:r>
+            <a:endParaRPr sz="2100" b="1" i="0">
+              <a:solidFill>
+                <a:srgbClr val="FFD8AE"/>
+              </a:solidFill>
+              <a:highlight>
+                <a:srgbClr val="FFFFFF">
+                  <a:alpha val="0"/>
+                </a:srgbClr>
+              </a:highlight>
+              <a:latin typeface="微软雅黑" panose="020B0503020204020204" charset="-122"/>
+            </a:endParaRPr>
           </a:p>
         </p:txBody>
       </p:sp>
@@ -7473,7 +7532,7 @@
     <p:bg>
       <p:bgPr>
         <a:blipFill dpi="0">
-          <a:blip r:embed="rId3"/>
+          <a:blip r:embed="rId1"/>
           <a:srcRect/>
           <a:stretch>
             <a:fillRect/>
@@ -7503,7 +7562,7 @@
           <p:nvPr/>
         </p:nvPicPr>
         <p:blipFill>
-          <a:blip r:embed="rId4"/>
+          <a:blip r:embed="rId2"/>
           <a:srcRect/>
           <a:stretch>
             <a:fillRect/>
@@ -7578,10 +7637,21 @@
                     <a:alpha val="0"/>
                   </a:srgbClr>
                 </a:highlight>
-                <a:latin typeface="微软雅黑"/>
+                <a:latin typeface="微软雅黑" panose="020B0503020204020204" charset="-122"/>
               </a:rPr>
               <a:t>社区互动分享</a:t>
             </a:r>
+            <a:endParaRPr sz="3000" b="1" i="0">
+              <a:solidFill>
+                <a:srgbClr val="FFFFFF"/>
+              </a:solidFill>
+              <a:highlight>
+                <a:srgbClr val="FFFFFF">
+                  <a:alpha val="0"/>
+                </a:srgbClr>
+              </a:highlight>
+              <a:latin typeface="微软雅黑" panose="020B0503020204020204" charset="-122"/>
+            </a:endParaRPr>
           </a:p>
         </p:txBody>
       </p:sp>
@@ -7637,17 +7707,17 @@
                     <a:alpha val="0"/>
                   </a:srgbClr>
                 </a:highlight>
-                <a:latin typeface="微软雅黑"/>
+                <a:latin typeface="微软雅黑" panose="020B0503020204020204" charset="-122"/>
               </a:rPr>
               <a:t>自由发布动态</a:t>
             </a:r>
             <a:br>
               <a:rPr sz="1800" dirty="0">
-                <a:latin typeface="微软雅黑"/>
+                <a:latin typeface="微软雅黑" panose="020B0503020204020204" charset="-122"/>
               </a:rPr>
             </a:br>
             <a:endParaRPr sz="1800" dirty="0">
-              <a:latin typeface="微软雅黑"/>
+              <a:latin typeface="微软雅黑" panose="020B0503020204020204" charset="-122"/>
             </a:endParaRPr>
           </a:p>
           <a:p>
@@ -7666,7 +7736,7 @@
                     <a:alpha val="0"/>
                   </a:srgbClr>
                 </a:highlight>
-                <a:latin typeface="微软雅黑"/>
+                <a:latin typeface="微软雅黑" panose="020B0503020204020204" charset="-122"/>
               </a:rPr>
               <a:t>在这个社区，每位用户都可以自由地发布自己的动态，无论是展示个人风采，还是分享生活感悟。这是一个展现自我，记录生活的舞台</a:t>
             </a:r>
@@ -7680,10 +7750,21 @@
                     <a:alpha val="0"/>
                   </a:srgbClr>
                 </a:highlight>
-                <a:latin typeface="微软雅黑"/>
+                <a:latin typeface="微软雅黑" panose="020B0503020204020204" charset="-122"/>
               </a:rPr>
               <a:t>。</a:t>
             </a:r>
+            <a:endParaRPr sz="1575" b="0" i="0" dirty="0">
+              <a:solidFill>
+                <a:srgbClr val="FFFFFF"/>
+              </a:solidFill>
+              <a:highlight>
+                <a:srgbClr val="FFFFFF">
+                  <a:alpha val="0"/>
+                </a:srgbClr>
+              </a:highlight>
+              <a:latin typeface="微软雅黑" panose="020B0503020204020204" charset="-122"/>
+            </a:endParaRPr>
           </a:p>
         </p:txBody>
       </p:sp>
@@ -7739,17 +7820,17 @@
                     <a:alpha val="0"/>
                   </a:srgbClr>
                 </a:highlight>
-                <a:latin typeface="微软雅黑"/>
+                <a:latin typeface="微软雅黑" panose="020B0503020204020204" charset="-122"/>
               </a:rPr>
               <a:t>点赞与关注</a:t>
             </a:r>
             <a:br>
               <a:rPr sz="1800">
-                <a:latin typeface="微软雅黑"/>
+                <a:latin typeface="微软雅黑" panose="020B0503020204020204" charset="-122"/>
               </a:rPr>
             </a:br>
             <a:endParaRPr sz="1800">
-              <a:latin typeface="微软雅黑"/>
+              <a:latin typeface="微软雅黑" panose="020B0503020204020204" charset="-122"/>
             </a:endParaRPr>
           </a:p>
           <a:p>
@@ -7768,10 +7849,21 @@
                     <a:alpha val="0"/>
                   </a:srgbClr>
                 </a:highlight>
-                <a:latin typeface="微软雅黑"/>
+                <a:latin typeface="微软雅黑" panose="020B0503020204020204" charset="-122"/>
               </a:rPr>
               <a:t>用户可以对他人发布的精彩内容进行点赞，这不仅是对他人的一种肯定，也是对优质内容的传播。同时，也可以关注感兴趣的同学，建立更深入的社交关系。</a:t>
             </a:r>
+            <a:endParaRPr sz="1575" b="0" i="0">
+              <a:solidFill>
+                <a:srgbClr val="FFFFFF"/>
+              </a:solidFill>
+              <a:highlight>
+                <a:srgbClr val="FFFFFF">
+                  <a:alpha val="0"/>
+                </a:srgbClr>
+              </a:highlight>
+              <a:latin typeface="微软雅黑" panose="020B0503020204020204" charset="-122"/>
+            </a:endParaRPr>
           </a:p>
         </p:txBody>
       </p:sp>
@@ -7827,17 +7919,17 @@
                     <a:alpha val="0"/>
                   </a:srgbClr>
                 </a:highlight>
-                <a:latin typeface="微软雅黑"/>
+                <a:latin typeface="微软雅黑" panose="020B0503020204020204" charset="-122"/>
               </a:rPr>
               <a:t>拓宽人脉圈</a:t>
             </a:r>
             <a:br>
               <a:rPr sz="1800">
-                <a:latin typeface="微软雅黑"/>
+                <a:latin typeface="微软雅黑" panose="020B0503020204020204" charset="-122"/>
               </a:rPr>
             </a:br>
             <a:endParaRPr sz="1800">
-              <a:latin typeface="微软雅黑"/>
+              <a:latin typeface="微软雅黑" panose="020B0503020204020204" charset="-122"/>
             </a:endParaRPr>
           </a:p>
           <a:p>
@@ -7856,10 +7948,21 @@
                     <a:alpha val="0"/>
                   </a:srgbClr>
                 </a:highlight>
-                <a:latin typeface="微软雅黑"/>
+                <a:latin typeface="微软雅黑" panose="020B0503020204020204" charset="-122"/>
               </a:rPr>
               <a:t>通过在社区中的互动，用户不仅可以找到志同道合的朋友，还可以拓宽自己的人脉圈，这对于提升个人的社交能力和拓展视野都具有重要的意义。</a:t>
             </a:r>
+            <a:endParaRPr sz="1575" b="0" i="0">
+              <a:solidFill>
+                <a:srgbClr val="FFFFFF"/>
+              </a:solidFill>
+              <a:highlight>
+                <a:srgbClr val="FFFFFF">
+                  <a:alpha val="0"/>
+                </a:srgbClr>
+              </a:highlight>
+              <a:latin typeface="微软雅黑" panose="020B0503020204020204" charset="-122"/>
+            </a:endParaRPr>
           </a:p>
         </p:txBody>
       </p:sp>
@@ -7915,6 +8018,11 @@
               </a:rPr>
               <a:t>1</a:t>
             </a:r>
+            <a:endParaRPr lang="en-US">
+              <a:solidFill>
+                <a:srgbClr val="FFFFFF"/>
+              </a:solidFill>
+            </a:endParaRPr>
           </a:p>
         </p:txBody>
       </p:sp>
@@ -7970,6 +8078,11 @@
               </a:rPr>
               <a:t>2</a:t>
             </a:r>
+            <a:endParaRPr lang="en-US">
+              <a:solidFill>
+                <a:srgbClr val="FFFFFF"/>
+              </a:solidFill>
+            </a:endParaRPr>
           </a:p>
         </p:txBody>
       </p:sp>
@@ -8025,6 +8138,11 @@
               </a:rPr>
               <a:t>3</a:t>
             </a:r>
+            <a:endParaRPr lang="en-US">
+              <a:solidFill>
+                <a:srgbClr val="FFFFFF"/>
+              </a:solidFill>
+            </a:endParaRPr>
           </a:p>
         </p:txBody>
       </p:sp>
@@ -8043,7 +8161,7 @@
     <p:bg>
       <p:bgPr>
         <a:blipFill dpi="0">
-          <a:blip r:embed="rId3"/>
+          <a:blip r:embed="rId1"/>
           <a:srcRect/>
           <a:stretch>
             <a:fillRect/>
@@ -8073,7 +8191,7 @@
           <p:nvPr/>
         </p:nvPicPr>
         <p:blipFill>
-          <a:blip r:embed="rId4"/>
+          <a:blip r:embed="rId2"/>
           <a:srcRect/>
           <a:stretch>
             <a:fillRect/>
@@ -8148,7 +8266,7 @@
                     <a:alpha val="0"/>
                   </a:srgbClr>
                 </a:highlight>
-                <a:latin typeface="微软雅黑"/>
+                <a:latin typeface="微软雅黑" panose="020B0503020204020204" charset="-122"/>
               </a:rPr>
               <a:t>实时在线沟通</a:t>
             </a:r>
@@ -8161,7 +8279,7 @@
                   <a:alpha val="0"/>
                 </a:srgbClr>
               </a:highlight>
-              <a:latin typeface="微软雅黑"/>
+              <a:latin typeface="微软雅黑" panose="020B0503020204020204" charset="-122"/>
             </a:endParaRPr>
           </a:p>
         </p:txBody>
@@ -8218,17 +8336,17 @@
                     <a:alpha val="0"/>
                   </a:srgbClr>
                 </a:highlight>
-                <a:latin typeface="微软雅黑"/>
+                <a:latin typeface="微软雅黑" panose="020B0503020204020204" charset="-122"/>
               </a:rPr>
               <a:t>即时通讯工具的作用</a:t>
             </a:r>
             <a:br>
               <a:rPr sz="1800">
-                <a:latin typeface="微软雅黑"/>
+                <a:latin typeface="微软雅黑" panose="020B0503020204020204" charset="-122"/>
               </a:rPr>
             </a:br>
             <a:endParaRPr sz="1800">
-              <a:latin typeface="微软雅黑"/>
+              <a:latin typeface="微软雅黑" panose="020B0503020204020204" charset="-122"/>
             </a:endParaRPr>
           </a:p>
           <a:p>
@@ -8247,10 +8365,21 @@
                     <a:alpha val="0"/>
                   </a:srgbClr>
                 </a:highlight>
-                <a:latin typeface="微软雅黑"/>
+                <a:latin typeface="微软雅黑" panose="020B0503020204020204" charset="-122"/>
               </a:rPr>
               <a:t>即时通讯工具在实时在线沟通中扮演着关键角色，它让团队成员能够及时分享信息、交流意见，并迅速响应，从而提高工作效率和团队协作的流畅性。</a:t>
             </a:r>
+            <a:endParaRPr sz="1575" b="0" i="0">
+              <a:solidFill>
+                <a:srgbClr val="FFFFFF"/>
+              </a:solidFill>
+              <a:highlight>
+                <a:srgbClr val="FFFFFF">
+                  <a:alpha val="0"/>
+                </a:srgbClr>
+              </a:highlight>
+              <a:latin typeface="微软雅黑" panose="020B0503020204020204" charset="-122"/>
+            </a:endParaRPr>
           </a:p>
         </p:txBody>
       </p:sp>
@@ -8306,17 +8435,17 @@
                     <a:alpha val="0"/>
                   </a:srgbClr>
                 </a:highlight>
-                <a:latin typeface="微软雅黑"/>
+                <a:latin typeface="微软雅黑" panose="020B0503020204020204" charset="-122"/>
               </a:rPr>
               <a:t>高效沟通的重要性</a:t>
             </a:r>
             <a:br>
               <a:rPr sz="1800">
-                <a:latin typeface="微软雅黑"/>
+                <a:latin typeface="微软雅黑" panose="020B0503020204020204" charset="-122"/>
               </a:rPr>
             </a:br>
             <a:endParaRPr sz="1800">
-              <a:latin typeface="微软雅黑"/>
+              <a:latin typeface="微软雅黑" panose="020B0503020204020204" charset="-122"/>
             </a:endParaRPr>
           </a:p>
           <a:p>
@@ -8335,10 +8464,21 @@
                     <a:alpha val="0"/>
                   </a:srgbClr>
                 </a:highlight>
-                <a:latin typeface="微软雅黑"/>
+                <a:latin typeface="微软雅黑" panose="020B0503020204020204" charset="-122"/>
               </a:rPr>
               <a:t>高效的在线沟通确保了每个团队成员都在同一页上，有助于避免误解和冲突，同时促进共享资源和知识，使项目能够顺利进行。</a:t>
             </a:r>
+            <a:endParaRPr sz="1575" b="0" i="0">
+              <a:solidFill>
+                <a:srgbClr val="FFFFFF"/>
+              </a:solidFill>
+              <a:highlight>
+                <a:srgbClr val="FFFFFF">
+                  <a:alpha val="0"/>
+                </a:srgbClr>
+              </a:highlight>
+              <a:latin typeface="微软雅黑" panose="020B0503020204020204" charset="-122"/>
+            </a:endParaRPr>
           </a:p>
         </p:txBody>
       </p:sp>
@@ -8394,17 +8534,17 @@
                     <a:alpha val="0"/>
                   </a:srgbClr>
                 </a:highlight>
-                <a:latin typeface="微软雅黑"/>
+                <a:latin typeface="微软雅黑" panose="020B0503020204020204" charset="-122"/>
               </a:rPr>
               <a:t>协同合作的实现</a:t>
             </a:r>
             <a:br>
               <a:rPr sz="1800">
-                <a:latin typeface="微软雅黑"/>
+                <a:latin typeface="微软雅黑" panose="020B0503020204020204" charset="-122"/>
               </a:rPr>
             </a:br>
             <a:endParaRPr sz="1800">
-              <a:latin typeface="微软雅黑"/>
+              <a:latin typeface="微软雅黑" panose="020B0503020204020204" charset="-122"/>
             </a:endParaRPr>
           </a:p>
           <a:p>
@@ -8423,10 +8563,21 @@
                     <a:alpha val="0"/>
                   </a:srgbClr>
                 </a:highlight>
-                <a:latin typeface="微软雅黑"/>
+                <a:latin typeface="微软雅黑" panose="020B0503020204020204" charset="-122"/>
               </a:rPr>
               <a:t>实时在线沟通工具不仅提供了沟通平台，还支持文件共享、任务管理等功能，这些功能是实现有效协同合作的关键，帮助团队更好地协调工作和分工。</a:t>
             </a:r>
+            <a:endParaRPr sz="1575" b="0" i="0">
+              <a:solidFill>
+                <a:srgbClr val="FFFFFF"/>
+              </a:solidFill>
+              <a:highlight>
+                <a:srgbClr val="FFFFFF">
+                  <a:alpha val="0"/>
+                </a:srgbClr>
+              </a:highlight>
+              <a:latin typeface="微软雅黑" panose="020B0503020204020204" charset="-122"/>
+            </a:endParaRPr>
           </a:p>
         </p:txBody>
       </p:sp>
@@ -8437,7 +8588,7 @@
           <p:nvPr/>
         </p:nvPicPr>
         <p:blipFill>
-          <a:blip r:embed="rId5"/>
+          <a:blip r:embed="rId3"/>
           <a:srcRect/>
           <a:stretch>
             <a:fillRect/>
@@ -8463,7 +8614,7 @@
           <p:nvPr/>
         </p:nvPicPr>
         <p:blipFill>
-          <a:blip r:embed="rId6"/>
+          <a:blip r:embed="rId4"/>
           <a:srcRect/>
           <a:stretch>
             <a:fillRect/>
@@ -8489,7 +8640,7 @@
           <p:nvPr/>
         </p:nvPicPr>
         <p:blipFill>
-          <a:blip r:embed="rId7"/>
+          <a:blip r:embed="rId5"/>
           <a:srcRect/>
           <a:stretch>
             <a:fillRect/>
@@ -8523,7 +8674,7 @@
     <p:bg>
       <p:bgPr>
         <a:blipFill dpi="0">
-          <a:blip r:embed="rId3"/>
+          <a:blip r:embed="rId1"/>
           <a:srcRect/>
           <a:stretch>
             <a:fillRect/>
@@ -8553,7 +8704,7 @@
           <p:nvPr/>
         </p:nvPicPr>
         <p:blipFill>
-          <a:blip r:embed="rId4"/>
+          <a:blip r:embed="rId2"/>
           <a:srcRect/>
           <a:stretch>
             <a:fillRect/>
@@ -8628,10 +8779,21 @@
                     <a:alpha val="0"/>
                   </a:srgbClr>
                 </a:highlight>
-                <a:latin typeface="微软雅黑"/>
+                <a:latin typeface="微软雅黑" panose="020B0503020204020204" charset="-122"/>
               </a:rPr>
               <a:t>安全有序的用户环境</a:t>
             </a:r>
+            <a:endParaRPr sz="3000" b="1" i="0">
+              <a:solidFill>
+                <a:srgbClr val="FFFFFF"/>
+              </a:solidFill>
+              <a:highlight>
+                <a:srgbClr val="FFFFFF">
+                  <a:alpha val="0"/>
+                </a:srgbClr>
+              </a:highlight>
+              <a:latin typeface="微软雅黑" panose="020B0503020204020204" charset="-122"/>
+            </a:endParaRPr>
           </a:p>
         </p:txBody>
       </p:sp>
@@ -8684,11 +8846,11 @@
           <a:p>
             <a:br>
               <a:rPr sz="1800">
-                <a:latin typeface="微软雅黑"/>
+                <a:latin typeface="微软雅黑" panose="020B0503020204020204" charset="-122"/>
               </a:rPr>
             </a:br>
             <a:endParaRPr sz="1800">
-              <a:latin typeface="微软雅黑"/>
+              <a:latin typeface="微软雅黑" panose="020B0503020204020204" charset="-122"/>
             </a:endParaRPr>
           </a:p>
           <a:p>
@@ -8703,17 +8865,17 @@
                     <a:alpha val="0"/>
                   </a:srgbClr>
                 </a:highlight>
-                <a:latin typeface="微软雅黑"/>
+                <a:latin typeface="微软雅黑" panose="020B0503020204020204" charset="-122"/>
               </a:rPr>
               <a:t>用户信息审核</a:t>
             </a:r>
             <a:br>
               <a:rPr sz="1800">
-                <a:latin typeface="微软雅黑"/>
+                <a:latin typeface="微软雅黑" panose="020B0503020204020204" charset="-122"/>
               </a:rPr>
             </a:br>
             <a:endParaRPr sz="1800">
-              <a:latin typeface="微软雅黑"/>
+              <a:latin typeface="微软雅黑" panose="020B0503020204020204" charset="-122"/>
             </a:endParaRPr>
           </a:p>
           <a:p>
@@ -8732,17 +8894,17 @@
                     <a:alpha val="0"/>
                   </a:srgbClr>
                 </a:highlight>
-                <a:latin typeface="微软雅黑"/>
+                <a:latin typeface="微软雅黑" panose="020B0503020204020204" charset="-122"/>
               </a:rPr>
               <a:t>XD嘻搭平台通过专职管理员进行严格的用户信息审核，确保每个用户的身份真实有效，为所有用户提供一个可信赖的社交环境。</a:t>
             </a:r>
             <a:br>
               <a:rPr sz="1800">
-                <a:latin typeface="微软雅黑"/>
+                <a:latin typeface="微软雅黑" panose="020B0503020204020204" charset="-122"/>
               </a:rPr>
             </a:br>
             <a:endParaRPr sz="1800">
-              <a:latin typeface="微软雅黑"/>
+              <a:latin typeface="微软雅黑" panose="020B0503020204020204" charset="-122"/>
             </a:endParaRPr>
           </a:p>
         </p:txBody>
@@ -8796,11 +8958,11 @@
           <a:p>
             <a:br>
               <a:rPr sz="1800">
-                <a:latin typeface="微软雅黑"/>
+                <a:latin typeface="微软雅黑" panose="020B0503020204020204" charset="-122"/>
               </a:rPr>
             </a:br>
             <a:endParaRPr sz="1800">
-              <a:latin typeface="微软雅黑"/>
+              <a:latin typeface="微软雅黑" panose="020B0503020204020204" charset="-122"/>
             </a:endParaRPr>
           </a:p>
           <a:p>
@@ -8815,17 +8977,17 @@
                     <a:alpha val="0"/>
                   </a:srgbClr>
                 </a:highlight>
-                <a:latin typeface="微软雅黑"/>
+                <a:latin typeface="微软雅黑" panose="020B0503020204020204" charset="-122"/>
               </a:rPr>
               <a:t>实时问题处理</a:t>
             </a:r>
             <a:br>
               <a:rPr sz="1800">
-                <a:latin typeface="微软雅黑"/>
+                <a:latin typeface="微软雅黑" panose="020B0503020204020204" charset="-122"/>
               </a:rPr>
             </a:br>
             <a:endParaRPr sz="1800">
-              <a:latin typeface="微软雅黑"/>
+              <a:latin typeface="微软雅黑" panose="020B0503020204020204" charset="-122"/>
             </a:endParaRPr>
           </a:p>
           <a:p>
@@ -8844,17 +9006,17 @@
                     <a:alpha val="0"/>
                   </a:srgbClr>
                 </a:highlight>
-                <a:latin typeface="微软雅黑"/>
+                <a:latin typeface="微软雅黑" panose="020B0503020204020204" charset="-122"/>
               </a:rPr>
               <a:t>一旦在XD嘻搭上出现任何问题或投诉，管理员会立即介入进行处理，保障用户的权益不受侵犯，确保用户能在一个安全有序的环境中交流。</a:t>
             </a:r>
             <a:br>
               <a:rPr sz="1800">
-                <a:latin typeface="微软雅黑"/>
+                <a:latin typeface="微软雅黑" panose="020B0503020204020204" charset="-122"/>
               </a:rPr>
             </a:br>
             <a:endParaRPr sz="1800">
-              <a:latin typeface="微软雅黑"/>
+              <a:latin typeface="微软雅黑" panose="020B0503020204020204" charset="-122"/>
             </a:endParaRPr>
           </a:p>
         </p:txBody>
@@ -8908,11 +9070,11 @@
           <a:p>
             <a:br>
               <a:rPr sz="1800">
-                <a:latin typeface="微软雅黑"/>
+                <a:latin typeface="微软雅黑" panose="020B0503020204020204" charset="-122"/>
               </a:rPr>
             </a:br>
             <a:endParaRPr sz="1800">
-              <a:latin typeface="微软雅黑"/>
+              <a:latin typeface="微软雅黑" panose="020B0503020204020204" charset="-122"/>
             </a:endParaRPr>
           </a:p>
           <a:p>
@@ -8927,17 +9089,17 @@
                     <a:alpha val="0"/>
                   </a:srgbClr>
                 </a:highlight>
-                <a:latin typeface="微软雅黑"/>
+                <a:latin typeface="微软雅黑" panose="020B0503020204020204" charset="-122"/>
               </a:rPr>
               <a:t>维护社交秩序</a:t>
             </a:r>
             <a:br>
               <a:rPr sz="1800">
-                <a:latin typeface="微软雅黑"/>
+                <a:latin typeface="微软雅黑" panose="020B0503020204020204" charset="-122"/>
               </a:rPr>
             </a:br>
             <a:endParaRPr sz="1800">
-              <a:latin typeface="微软雅黑"/>
+              <a:latin typeface="微软雅黑" panose="020B0503020204020204" charset="-122"/>
             </a:endParaRPr>
           </a:p>
           <a:p>
@@ -8956,17 +9118,17 @@
                     <a:alpha val="0"/>
                   </a:srgbClr>
                 </a:highlight>
-                <a:latin typeface="微软雅黑"/>
+                <a:latin typeface="微软雅黑" panose="020B0503020204020204" charset="-122"/>
               </a:rPr>
               <a:t>XD嘻搭平台高度重视维护社交秩序，通过严格的管理和监控，防止任何形式的不良行为，确保用户能在一个健康和谐的社区中互动。</a:t>
             </a:r>
             <a:br>
               <a:rPr sz="1800">
-                <a:latin typeface="微软雅黑"/>
+                <a:latin typeface="微软雅黑" panose="020B0503020204020204" charset="-122"/>
               </a:rPr>
             </a:br>
             <a:endParaRPr sz="1800">
-              <a:latin typeface="微软雅黑"/>
+              <a:latin typeface="微软雅黑" panose="020B0503020204020204" charset="-122"/>
             </a:endParaRPr>
           </a:p>
         </p:txBody>
@@ -8986,7 +9148,7 @@
     <p:bg>
       <p:bgPr>
         <a:blipFill dpi="0">
-          <a:blip r:embed="rId3"/>
+          <a:blip r:embed="rId1"/>
           <a:srcRect/>
           <a:stretch>
             <a:fillRect/>
@@ -9016,7 +9178,7 @@
           <p:nvPr/>
         </p:nvPicPr>
         <p:blipFill>
-          <a:blip r:embed="rId4"/>
+          <a:blip r:embed="rId2"/>
           <a:srcRect/>
           <a:stretch>
             <a:fillRect/>
@@ -9091,8 +9253,8 @@
                     <a:alpha val="0"/>
                   </a:srgbClr>
                 </a:highlight>
-                <a:latin typeface="微软雅黑" panose="020B0503020204020204" pitchFamily="34" charset="-122"/>
-                <a:ea typeface="微软雅黑" panose="020B0503020204020204" pitchFamily="34" charset="-122"/>
+                <a:latin typeface="微软雅黑" panose="020B0503020204020204" charset="-122"/>
+                <a:ea typeface="微软雅黑" panose="020B0503020204020204" charset="-122"/>
               </a:rPr>
               <a:t>功能需求</a:t>
             </a:r>
@@ -9105,36 +9267,30 @@
                   <a:alpha val="0"/>
                 </a:srgbClr>
               </a:highlight>
-              <a:latin typeface="微软雅黑" panose="020B0503020204020204" pitchFamily="34" charset="-122"/>
-              <a:ea typeface="微软雅黑" panose="020B0503020204020204" pitchFamily="34" charset="-122"/>
+              <a:latin typeface="微软雅黑" panose="020B0503020204020204" charset="-122"/>
+              <a:ea typeface="微软雅黑" panose="020B0503020204020204" charset="-122"/>
             </a:endParaRPr>
           </a:p>
         </p:txBody>
       </p:sp>
       <p:pic>
         <p:nvPicPr>
-          <p:cNvPr id="10" name="图片 9" descr="功能需求">
-            <a:extLst>
-              <a:ext uri="{FF2B5EF4-FFF2-40B4-BE49-F238E27FC236}">
-                <a16:creationId xmlns:a16="http://schemas.microsoft.com/office/drawing/2014/main" id="{53D4E23E-1A34-4870-575A-50D89F9716E0}"/>
-              </a:ext>
-            </a:extLst>
-          </p:cNvPr>
+          <p:cNvPr id="4" name="图片 3"/>
           <p:cNvPicPr>
             <a:picLocks noChangeAspect="1"/>
           </p:cNvPicPr>
           <p:nvPr/>
         </p:nvPicPr>
         <p:blipFill>
-          <a:blip r:embed="rId5"/>
+          <a:blip r:embed="rId3"/>
           <a:stretch>
             <a:fillRect/>
           </a:stretch>
         </p:blipFill>
         <p:spPr>
           <a:xfrm>
-            <a:off x="2279576" y="142126"/>
-            <a:ext cx="6048672" cy="6283197"/>
+            <a:off x="3935730" y="692785"/>
+            <a:ext cx="3946525" cy="5621020"/>
           </a:xfrm>
           <a:prstGeom prst="rect">
             <a:avLst/>
@@ -9142,11 +9298,6 @@
         </p:spPr>
       </p:pic>
     </p:spTree>
-    <p:extLst>
-      <p:ext uri="{BB962C8B-B14F-4D97-AF65-F5344CB8AC3E}">
-        <p14:creationId xmlns:p14="http://schemas.microsoft.com/office/powerpoint/2010/main" val="3661250906"/>
-      </p:ext>
-    </p:extLst>
   </p:cSld>
   <p:clrMapOvr>
     <a:masterClrMapping/>
@@ -9187,7 +9338,7 @@
           <p:nvPr/>
         </p:nvPicPr>
         <p:blipFill>
-          <a:blip r:embed="rId3"/>
+          <a:blip r:embed="rId1"/>
           <a:srcRect/>
           <a:stretch>
             <a:fillRect/>
@@ -9213,7 +9364,7 @@
           <p:nvPr/>
         </p:nvPicPr>
         <p:blipFill>
-          <a:blip r:embed="rId4"/>
+          <a:blip r:embed="rId2"/>
           <a:srcRect/>
           <a:stretch>
             <a:fillRect/>
@@ -9288,7 +9439,7 @@
                     <a:alpha val="0"/>
                   </a:srgbClr>
                 </a:highlight>
-                <a:latin typeface="微软雅黑"/>
+                <a:latin typeface="微软雅黑" panose="020B0503020204020204" charset="-122"/>
               </a:rPr>
               <a:t>0</a:t>
             </a:r>
@@ -9302,7 +9453,7 @@
                     <a:alpha val="0"/>
                   </a:srgbClr>
                 </a:highlight>
-                <a:latin typeface="微软雅黑"/>
+                <a:latin typeface="微软雅黑" panose="020B0503020204020204" charset="-122"/>
               </a:rPr>
               <a:t>3</a:t>
             </a:r>
@@ -9315,7 +9466,7 @@
                   <a:alpha val="0"/>
                 </a:srgbClr>
               </a:highlight>
-              <a:latin typeface="微软雅黑"/>
+              <a:latin typeface="微软雅黑" panose="020B0503020204020204" charset="-122"/>
             </a:endParaRPr>
           </a:p>
         </p:txBody>
@@ -9376,10 +9527,21 @@
                     <a:alpha val="0"/>
                   </a:srgbClr>
                 </a:highlight>
-                <a:latin typeface="微软雅黑"/>
+                <a:latin typeface="微软雅黑" panose="020B0503020204020204" charset="-122"/>
               </a:rPr>
               <a:t>web应用建模</a:t>
             </a:r>
+            <a:endParaRPr sz="4800" b="1" i="0">
+              <a:solidFill>
+                <a:srgbClr val="00FFE9"/>
+              </a:solidFill>
+              <a:highlight>
+                <a:srgbClr val="FFFFFF">
+                  <a:alpha val="0"/>
+                </a:srgbClr>
+              </a:highlight>
+              <a:latin typeface="微软雅黑" panose="020B0503020204020204" charset="-122"/>
+            </a:endParaRPr>
           </a:p>
         </p:txBody>
       </p:sp>
@@ -9398,7 +9560,7 @@
     <p:bg>
       <p:bgPr>
         <a:blipFill dpi="0">
-          <a:blip r:embed="rId3"/>
+          <a:blip r:embed="rId1"/>
           <a:srcRect/>
           <a:stretch>
             <a:fillRect/>
@@ -9428,7 +9590,7 @@
           <p:nvPr/>
         </p:nvPicPr>
         <p:blipFill>
-          <a:blip r:embed="rId4"/>
+          <a:blip r:embed="rId2"/>
           <a:srcRect/>
           <a:stretch>
             <a:fillRect/>
@@ -9503,29 +9665,34 @@
                     <a:alpha val="0"/>
                   </a:srgbClr>
                 </a:highlight>
-                <a:latin typeface="微软雅黑"/>
+                <a:latin typeface="微软雅黑" panose="020B0503020204020204" charset="-122"/>
               </a:rPr>
               <a:t>功能需求建模</a:t>
             </a:r>
+            <a:endParaRPr sz="3000" b="1" i="0">
+              <a:solidFill>
+                <a:srgbClr val="FFFFFF"/>
+              </a:solidFill>
+              <a:highlight>
+                <a:srgbClr val="FFFFFF">
+                  <a:alpha val="0"/>
+                </a:srgbClr>
+              </a:highlight>
+              <a:latin typeface="微软雅黑" panose="020B0503020204020204" charset="-122"/>
+            </a:endParaRPr>
           </a:p>
         </p:txBody>
       </p:sp>
       <p:pic>
         <p:nvPicPr>
-          <p:cNvPr id="11" name="图片 10">
-            <a:extLst>
-              <a:ext uri="{FF2B5EF4-FFF2-40B4-BE49-F238E27FC236}">
-                <a16:creationId xmlns:a16="http://schemas.microsoft.com/office/drawing/2014/main" id="{F54B53D3-2AD4-7731-C07D-5C207FF5F4B7}"/>
-              </a:ext>
-            </a:extLst>
-          </p:cNvPr>
+          <p:cNvPr id="11" name="图片 10"/>
           <p:cNvPicPr>
             <a:picLocks noChangeAspect="1"/>
           </p:cNvPicPr>
           <p:nvPr/>
         </p:nvPicPr>
         <p:blipFill>
-          <a:blip r:embed="rId5">
+          <a:blip r:embed="rId3">
             <a:extLst>
               <a:ext uri="{28A0092B-C50C-407E-A947-70E740481C1C}">
                 <a14:useLocalDpi xmlns:a14="http://schemas.microsoft.com/office/drawing/2010/main" val="0"/>
@@ -9548,13 +9715,7 @@
       </p:pic>
       <p:sp>
         <p:nvSpPr>
-          <p:cNvPr id="12" name="文本框 11">
-            <a:extLst>
-              <a:ext uri="{FF2B5EF4-FFF2-40B4-BE49-F238E27FC236}">
-                <a16:creationId xmlns:a16="http://schemas.microsoft.com/office/drawing/2014/main" id="{E1D683BF-C6A0-42CE-CC73-9E6B69D05E43}"/>
-              </a:ext>
-            </a:extLst>
-          </p:cNvPr>
+          <p:cNvPr id="12" name="文本框 11"/>
           <p:cNvSpPr txBox="1"/>
           <p:nvPr/>
         </p:nvSpPr>
@@ -9582,6 +9743,11 @@
               </a:rPr>
               <a:t>用例图</a:t>
             </a:r>
+            <a:endParaRPr lang="zh-CN" altLang="en-US" sz="4800" b="1" dirty="0">
+              <a:solidFill>
+                <a:schemeClr val="bg1"/>
+              </a:solidFill>
+            </a:endParaRPr>
           </a:p>
         </p:txBody>
       </p:sp>
@@ -9600,7 +9766,7 @@
     <p:bg>
       <p:bgPr>
         <a:blipFill dpi="0">
-          <a:blip r:embed="rId3"/>
+          <a:blip r:embed="rId1"/>
           <a:srcRect/>
           <a:stretch>
             <a:fillRect/>
@@ -9630,7 +9796,7 @@
           <p:nvPr/>
         </p:nvPicPr>
         <p:blipFill>
-          <a:blip r:embed="rId4"/>
+          <a:blip r:embed="rId2"/>
           <a:srcRect/>
           <a:stretch>
             <a:fillRect/>
@@ -9705,29 +9871,34 @@
                     <a:alpha val="0"/>
                   </a:srgbClr>
                 </a:highlight>
-                <a:latin typeface="微软雅黑"/>
+                <a:latin typeface="微软雅黑" panose="020B0503020204020204" charset="-122"/>
               </a:rPr>
               <a:t>内容建模</a:t>
             </a:r>
+            <a:endParaRPr sz="3000" b="1" i="0">
+              <a:solidFill>
+                <a:srgbClr val="FFFFFF"/>
+              </a:solidFill>
+              <a:highlight>
+                <a:srgbClr val="FFFFFF">
+                  <a:alpha val="0"/>
+                </a:srgbClr>
+              </a:highlight>
+              <a:latin typeface="微软雅黑" panose="020B0503020204020204" charset="-122"/>
+            </a:endParaRPr>
           </a:p>
         </p:txBody>
       </p:sp>
       <p:pic>
         <p:nvPicPr>
-          <p:cNvPr id="8" name="图片 7">
-            <a:extLst>
-              <a:ext uri="{FF2B5EF4-FFF2-40B4-BE49-F238E27FC236}">
-                <a16:creationId xmlns:a16="http://schemas.microsoft.com/office/drawing/2014/main" id="{8740FDAA-0849-B965-95D5-F768FE1DB497}"/>
-              </a:ext>
-            </a:extLst>
-          </p:cNvPr>
+          <p:cNvPr id="8" name="图片 7"/>
           <p:cNvPicPr>
             <a:picLocks noChangeAspect="1"/>
           </p:cNvPicPr>
           <p:nvPr/>
         </p:nvPicPr>
         <p:blipFill>
-          <a:blip r:embed="rId5">
+          <a:blip r:embed="rId3">
             <a:extLst>
               <a:ext uri="{28A0092B-C50C-407E-A947-70E740481C1C}">
                 <a14:useLocalDpi xmlns:a14="http://schemas.microsoft.com/office/drawing/2010/main" val="0"/>
@@ -9763,7 +9934,7 @@
     <p:bg>
       <p:bgPr>
         <a:blipFill dpi="0">
-          <a:blip r:embed="rId3"/>
+          <a:blip r:embed="rId1"/>
           <a:srcRect/>
           <a:stretch>
             <a:fillRect/>
@@ -9793,7 +9964,7 @@
           <p:nvPr/>
         </p:nvPicPr>
         <p:blipFill>
-          <a:blip r:embed="rId4"/>
+          <a:blip r:embed="rId2"/>
           <a:srcRect/>
           <a:stretch>
             <a:fillRect/>
@@ -9868,29 +10039,34 @@
                     <a:alpha val="0"/>
                   </a:srgbClr>
                 </a:highlight>
-                <a:latin typeface="微软雅黑"/>
+                <a:latin typeface="微软雅黑" panose="020B0503020204020204" charset="-122"/>
               </a:rPr>
               <a:t>超文本建模</a:t>
             </a:r>
+            <a:endParaRPr sz="3000" b="1" i="0">
+              <a:solidFill>
+                <a:srgbClr val="FFFFFF"/>
+              </a:solidFill>
+              <a:highlight>
+                <a:srgbClr val="FFFFFF">
+                  <a:alpha val="0"/>
+                </a:srgbClr>
+              </a:highlight>
+              <a:latin typeface="微软雅黑" panose="020B0503020204020204" charset="-122"/>
+            </a:endParaRPr>
           </a:p>
         </p:txBody>
       </p:sp>
       <p:pic>
         <p:nvPicPr>
-          <p:cNvPr id="8" name="图片 7">
-            <a:extLst>
-              <a:ext uri="{FF2B5EF4-FFF2-40B4-BE49-F238E27FC236}">
-                <a16:creationId xmlns:a16="http://schemas.microsoft.com/office/drawing/2014/main" id="{86139A54-56F8-8080-FCE1-45DCE6A95FAD}"/>
-              </a:ext>
-            </a:extLst>
-          </p:cNvPr>
+          <p:cNvPr id="8" name="图片 7"/>
           <p:cNvPicPr>
             <a:picLocks noChangeAspect="1"/>
           </p:cNvPicPr>
           <p:nvPr/>
         </p:nvPicPr>
         <p:blipFill>
-          <a:blip r:embed="rId5"/>
+          <a:blip r:embed="rId3"/>
           <a:stretch>
             <a:fillRect/>
           </a:stretch>
@@ -9920,7 +10096,7 @@
     <p:bg>
       <p:bgPr>
         <a:blipFill dpi="0">
-          <a:blip r:embed="rId3"/>
+          <a:blip r:embed="rId1"/>
           <a:srcRect/>
           <a:stretch>
             <a:fillRect/>
@@ -9950,7 +10126,7 @@
           <p:nvPr/>
         </p:nvPicPr>
         <p:blipFill>
-          <a:blip r:embed="rId4"/>
+          <a:blip r:embed="rId2"/>
           <a:srcRect/>
           <a:stretch>
             <a:fillRect/>
@@ -10025,13 +10201,48 @@
                     <a:alpha val="0"/>
                   </a:srgbClr>
                 </a:highlight>
-                <a:latin typeface="微软雅黑"/>
+                <a:latin typeface="微软雅黑" panose="020B0503020204020204" charset="-122"/>
               </a:rPr>
               <a:t>适应性建模</a:t>
             </a:r>
-          </a:p>
-        </p:txBody>
-      </p:sp>
+            <a:endParaRPr sz="3000" b="1" i="0">
+              <a:solidFill>
+                <a:srgbClr val="FFFFFF"/>
+              </a:solidFill>
+              <a:highlight>
+                <a:srgbClr val="FFFFFF">
+                  <a:alpha val="0"/>
+                </a:srgbClr>
+              </a:highlight>
+              <a:latin typeface="微软雅黑" panose="020B0503020204020204" charset="-122"/>
+            </a:endParaRPr>
+          </a:p>
+        </p:txBody>
+      </p:sp>
+      <p:pic>
+        <p:nvPicPr>
+          <p:cNvPr id="5" name="图片 4"/>
+          <p:cNvPicPr>
+            <a:picLocks noChangeAspect="1"/>
+          </p:cNvPicPr>
+          <p:nvPr/>
+        </p:nvPicPr>
+        <p:blipFill>
+          <a:blip r:embed="rId3"/>
+          <a:stretch>
+            <a:fillRect/>
+          </a:stretch>
+        </p:blipFill>
+        <p:spPr>
+          <a:xfrm>
+            <a:off x="2423160" y="1196975"/>
+            <a:ext cx="6757670" cy="5222240"/>
+          </a:xfrm>
+          <a:prstGeom prst="rect">
+            <a:avLst/>
+          </a:prstGeom>
+        </p:spPr>
+      </p:pic>
     </p:spTree>
   </p:cSld>
   <p:clrMapOvr>
@@ -10047,7 +10258,7 @@
     <p:bg>
       <p:bgPr>
         <a:blipFill dpi="0">
-          <a:blip r:embed="rId3"/>
+          <a:blip r:embed="rId1"/>
           <a:srcRect/>
           <a:stretch>
             <a:fillRect/>
@@ -10077,7 +10288,7 @@
           <p:nvPr/>
         </p:nvPicPr>
         <p:blipFill>
-          <a:blip r:embed="rId4"/>
+          <a:blip r:embed="rId2"/>
           <a:srcRect/>
           <a:stretch>
             <a:fillRect/>
@@ -10152,10 +10363,21 @@
                     <a:alpha val="0"/>
                   </a:srgbClr>
                 </a:highlight>
-                <a:latin typeface="微软雅黑"/>
+                <a:latin typeface="微软雅黑" panose="020B0503020204020204" charset="-122"/>
               </a:rPr>
               <a:t>目录</a:t>
             </a:r>
+            <a:endParaRPr sz="4800" b="1" i="0">
+              <a:solidFill>
+                <a:srgbClr val="00FFE9"/>
+              </a:solidFill>
+              <a:highlight>
+                <a:srgbClr val="FFFFFF">
+                  <a:alpha val="0"/>
+                </a:srgbClr>
+              </a:highlight>
+              <a:latin typeface="微软雅黑" panose="020B0503020204020204" charset="-122"/>
+            </a:endParaRPr>
           </a:p>
         </p:txBody>
       </p:sp>
@@ -10167,8 +10389,8 @@
         </p:nvSpPr>
         <p:spPr>
           <a:xfrm>
-            <a:off x="1271464" y="2607703"/>
-            <a:ext cx="1841514" cy="950388"/>
+            <a:off x="1271464" y="2575532"/>
+            <a:ext cx="1841514" cy="1014730"/>
           </a:xfrm>
           <a:prstGeom prst="rect">
             <a:avLst/>
@@ -10205,10 +10427,16 @@
                 <a:solidFill>
                   <a:srgbClr val="FFD8AE"/>
                 </a:solidFill>
-                <a:latin typeface="微软雅黑"/>
+                <a:latin typeface="微软雅黑" panose="020B0503020204020204" charset="-122"/>
               </a:rPr>
               <a:t>01</a:t>
             </a:r>
+            <a:endParaRPr sz="2400" b="1" dirty="0">
+              <a:solidFill>
+                <a:srgbClr val="FFD8AE"/>
+              </a:solidFill>
+              <a:latin typeface="微软雅黑" panose="020B0503020204020204" charset="-122"/>
+            </a:endParaRPr>
           </a:p>
           <a:p>
             <a:pPr>
@@ -10226,7 +10454,8 @@
                     <a:alpha val="0"/>
                   </a:srgbClr>
                 </a:highlight>
-                <a:latin typeface="微软雅黑"/>
+                <a:latin typeface="微软雅黑" panose="020B0503020204020204" charset="-122"/>
+                <a:ea typeface="微软雅黑" panose="020B0503020204020204" charset="-122"/>
               </a:rPr>
               <a:t>项目背景</a:t>
             </a:r>
@@ -10239,7 +10468,8 @@
                   <a:alpha val="0"/>
                 </a:srgbClr>
               </a:highlight>
-              <a:latin typeface="微软雅黑"/>
+              <a:latin typeface="微软雅黑" panose="020B0503020204020204" charset="-122"/>
+              <a:ea typeface="微软雅黑" panose="020B0503020204020204" charset="-122"/>
             </a:endParaRPr>
           </a:p>
         </p:txBody>
@@ -10252,8 +10482,8 @@
         </p:nvSpPr>
         <p:spPr>
           <a:xfrm>
-            <a:off x="4799856" y="2645075"/>
-            <a:ext cx="1841514" cy="950388"/>
+            <a:off x="4799856" y="2612904"/>
+            <a:ext cx="1841514" cy="1014730"/>
           </a:xfrm>
           <a:prstGeom prst="rect">
             <a:avLst/>
@@ -10290,10 +10520,16 @@
                 <a:solidFill>
                   <a:srgbClr val="FFD8AE"/>
                 </a:solidFill>
-                <a:latin typeface="微软雅黑"/>
+                <a:latin typeface="微软雅黑" panose="020B0503020204020204" charset="-122"/>
               </a:rPr>
               <a:t>02</a:t>
             </a:r>
+            <a:endParaRPr sz="2400" b="1" dirty="0">
+              <a:solidFill>
+                <a:srgbClr val="FFD8AE"/>
+              </a:solidFill>
+              <a:latin typeface="微软雅黑" panose="020B0503020204020204" charset="-122"/>
+            </a:endParaRPr>
           </a:p>
           <a:p>
             <a:pPr>
@@ -10311,7 +10547,8 @@
                     <a:alpha val="0"/>
                   </a:srgbClr>
                 </a:highlight>
-                <a:latin typeface="微软雅黑"/>
+                <a:latin typeface="微软雅黑" panose="020B0503020204020204" charset="-122"/>
+                <a:ea typeface="微软雅黑" panose="020B0503020204020204" charset="-122"/>
               </a:rPr>
               <a:t>项目</a:t>
             </a:r>
@@ -10325,12 +10562,12 @@
                     <a:alpha val="0"/>
                   </a:srgbClr>
                 </a:highlight>
-                <a:latin typeface="微软雅黑" panose="020B0503020204020204" pitchFamily="34" charset="-122"/>
-                <a:ea typeface="微软雅黑" panose="020B0503020204020204" pitchFamily="34" charset="-122"/>
+                <a:latin typeface="微软雅黑" panose="020B0503020204020204" charset="-122"/>
+                <a:ea typeface="微软雅黑" panose="020B0503020204020204" charset="-122"/>
               </a:rPr>
               <a:t>需求</a:t>
             </a:r>
-            <a:endParaRPr lang="en-US" altLang="zh-CN" sz="2400" dirty="0">
+            <a:endParaRPr lang="zh-CN" altLang="en-US" sz="2400" dirty="0">
               <a:solidFill>
                 <a:srgbClr val="FFFFFF"/>
               </a:solidFill>
@@ -10339,8 +10576,8 @@
                   <a:alpha val="0"/>
                 </a:srgbClr>
               </a:highlight>
-              <a:latin typeface="微软雅黑" panose="020B0503020204020204" pitchFamily="34" charset="-122"/>
-              <a:ea typeface="微软雅黑" panose="020B0503020204020204" pitchFamily="34" charset="-122"/>
+              <a:latin typeface="微软雅黑" panose="020B0503020204020204" charset="-122"/>
+              <a:ea typeface="微软雅黑" panose="020B0503020204020204" charset="-122"/>
             </a:endParaRPr>
           </a:p>
         </p:txBody>
@@ -10353,8 +10590,8 @@
         </p:nvSpPr>
         <p:spPr>
           <a:xfrm>
-            <a:off x="8760296" y="2643761"/>
-            <a:ext cx="2016224" cy="950388"/>
+            <a:off x="8760296" y="2611590"/>
+            <a:ext cx="2016224" cy="1014730"/>
           </a:xfrm>
           <a:prstGeom prst="rect">
             <a:avLst/>
@@ -10391,7 +10628,7 @@
                 <a:solidFill>
                   <a:srgbClr val="FFD8AE"/>
                 </a:solidFill>
-                <a:latin typeface="微软雅黑"/>
+                <a:latin typeface="微软雅黑" panose="020B0503020204020204" charset="-122"/>
               </a:rPr>
               <a:t>0</a:t>
             </a:r>
@@ -10400,7 +10637,7 @@
                 <a:solidFill>
                   <a:srgbClr val="FFD8AE"/>
                 </a:solidFill>
-                <a:latin typeface="微软雅黑"/>
+                <a:latin typeface="微软雅黑" panose="020B0503020204020204" charset="-122"/>
               </a:rPr>
               <a:t>3</a:t>
             </a:r>
@@ -10408,7 +10645,7 @@
               <a:solidFill>
                 <a:srgbClr val="FFD8AE"/>
               </a:solidFill>
-              <a:latin typeface="微软雅黑"/>
+              <a:latin typeface="微软雅黑" panose="020B0503020204020204" charset="-122"/>
             </a:endParaRPr>
           </a:p>
           <a:p>
@@ -10427,11 +10664,13 @@
                     <a:alpha val="0"/>
                   </a:srgbClr>
                 </a:highlight>
-                <a:latin typeface="微软雅黑"/>
+                <a:latin typeface="微软雅黑" panose="020B0503020204020204" charset="-122"/>
+                <a:ea typeface="微软雅黑" panose="020B0503020204020204" charset="-122"/>
+                <a:cs typeface="微软雅黑" panose="020B0503020204020204" charset="-122"/>
               </a:rPr>
               <a:t>web应用建模</a:t>
             </a:r>
-            <a:endParaRPr sz="2400" b="0" i="0" dirty="0">
+            <a:endParaRPr sz="2400" b="0" i="0" dirty="0" err="1">
               <a:solidFill>
                 <a:srgbClr val="FFFFFF"/>
               </a:solidFill>
@@ -10440,7 +10679,9 @@
                   <a:alpha val="0"/>
                 </a:srgbClr>
               </a:highlight>
-              <a:latin typeface="微软雅黑"/>
+              <a:latin typeface="微软雅黑" panose="020B0503020204020204" charset="-122"/>
+              <a:ea typeface="微软雅黑" panose="020B0503020204020204" charset="-122"/>
+              <a:cs typeface="微软雅黑" panose="020B0503020204020204" charset="-122"/>
             </a:endParaRPr>
           </a:p>
         </p:txBody>
@@ -10453,8 +10694,8 @@
         </p:nvSpPr>
         <p:spPr>
           <a:xfrm>
-            <a:off x="2705444" y="3803966"/>
-            <a:ext cx="2094411" cy="950388"/>
+            <a:off x="2705444" y="3771795"/>
+            <a:ext cx="2094411" cy="1014730"/>
           </a:xfrm>
           <a:prstGeom prst="rect">
             <a:avLst/>
@@ -10491,7 +10732,7 @@
                 <a:solidFill>
                   <a:srgbClr val="FFD8AE"/>
                 </a:solidFill>
-                <a:latin typeface="微软雅黑"/>
+                <a:latin typeface="微软雅黑" panose="020B0503020204020204" charset="-122"/>
               </a:rPr>
               <a:t>0</a:t>
             </a:r>
@@ -10500,7 +10741,7 @@
                 <a:solidFill>
                   <a:srgbClr val="FFD8AE"/>
                 </a:solidFill>
-                <a:latin typeface="微软雅黑"/>
+                <a:latin typeface="微软雅黑" panose="020B0503020204020204" charset="-122"/>
               </a:rPr>
               <a:t>4</a:t>
             </a:r>
@@ -10508,7 +10749,7 @@
               <a:solidFill>
                 <a:srgbClr val="FFD8AE"/>
               </a:solidFill>
-              <a:latin typeface="微软雅黑"/>
+              <a:latin typeface="微软雅黑" panose="020B0503020204020204" charset="-122"/>
             </a:endParaRPr>
           </a:p>
           <a:p>
@@ -10527,11 +10768,12 @@
                     <a:alpha val="0"/>
                   </a:srgbClr>
                 </a:highlight>
-                <a:latin typeface="微软雅黑"/>
+                <a:latin typeface="微软雅黑" panose="020B0503020204020204" charset="-122"/>
+                <a:ea typeface="微软雅黑" panose="020B0503020204020204" charset="-122"/>
               </a:rPr>
               <a:t>应用架构设计</a:t>
             </a:r>
-            <a:endParaRPr sz="2400" b="0" i="0" dirty="0">
+            <a:endParaRPr sz="2400" b="0" i="0" dirty="0" err="1">
               <a:solidFill>
                 <a:srgbClr val="FFFFFF"/>
               </a:solidFill>
@@ -10540,7 +10782,8 @@
                   <a:alpha val="0"/>
                 </a:srgbClr>
               </a:highlight>
-              <a:latin typeface="微软雅黑"/>
+              <a:latin typeface="微软雅黑" panose="020B0503020204020204" charset="-122"/>
+              <a:ea typeface="微软雅黑" panose="020B0503020204020204" charset="-122"/>
             </a:endParaRPr>
           </a:p>
         </p:txBody>
@@ -10553,8 +10796,8 @@
         </p:nvSpPr>
         <p:spPr>
           <a:xfrm>
-            <a:off x="6918782" y="3803966"/>
-            <a:ext cx="2094410" cy="950388"/>
+            <a:off x="6918782" y="3771795"/>
+            <a:ext cx="2094410" cy="1014730"/>
           </a:xfrm>
           <a:prstGeom prst="rect">
             <a:avLst/>
@@ -10591,7 +10834,7 @@
                 <a:solidFill>
                   <a:srgbClr val="FFD8AE"/>
                 </a:solidFill>
-                <a:latin typeface="微软雅黑"/>
+                <a:latin typeface="微软雅黑" panose="020B0503020204020204" charset="-122"/>
               </a:rPr>
               <a:t>0</a:t>
             </a:r>
@@ -10600,7 +10843,7 @@
                 <a:solidFill>
                   <a:srgbClr val="FFD8AE"/>
                 </a:solidFill>
-                <a:latin typeface="微软雅黑"/>
+                <a:latin typeface="微软雅黑" panose="020B0503020204020204" charset="-122"/>
               </a:rPr>
               <a:t>5</a:t>
             </a:r>
@@ -10608,7 +10851,7 @@
               <a:solidFill>
                 <a:srgbClr val="FFD8AE"/>
               </a:solidFill>
-              <a:latin typeface="微软雅黑"/>
+              <a:latin typeface="微软雅黑" panose="020B0503020204020204" charset="-122"/>
             </a:endParaRPr>
           </a:p>
           <a:p>
@@ -10627,11 +10870,13 @@
                     <a:alpha val="0"/>
                   </a:srgbClr>
                 </a:highlight>
-                <a:latin typeface="微软雅黑"/>
+                <a:latin typeface="微软雅黑" panose="020B0503020204020204" charset="-122"/>
+                <a:ea typeface="微软雅黑" panose="020B0503020204020204" charset="-122"/>
+                <a:cs typeface="微软雅黑" panose="020B0503020204020204" charset="-122"/>
               </a:rPr>
               <a:t>web应用设计</a:t>
             </a:r>
-            <a:endParaRPr sz="2400" b="0" i="0" dirty="0">
+            <a:endParaRPr sz="2400" b="0" i="0" dirty="0" err="1">
               <a:solidFill>
                 <a:srgbClr val="FFFFFF"/>
               </a:solidFill>
@@ -10640,7 +10885,9 @@
                   <a:alpha val="0"/>
                 </a:srgbClr>
               </a:highlight>
-              <a:latin typeface="微软雅黑"/>
+              <a:latin typeface="微软雅黑" panose="020B0503020204020204" charset="-122"/>
+              <a:ea typeface="微软雅黑" panose="020B0503020204020204" charset="-122"/>
+              <a:cs typeface="微软雅黑" panose="020B0503020204020204" charset="-122"/>
             </a:endParaRPr>
           </a:p>
         </p:txBody>
@@ -10686,7 +10933,7 @@
           <p:nvPr/>
         </p:nvPicPr>
         <p:blipFill>
-          <a:blip r:embed="rId3"/>
+          <a:blip r:embed="rId1"/>
           <a:srcRect/>
           <a:stretch>
             <a:fillRect/>
@@ -10712,7 +10959,7 @@
           <p:nvPr/>
         </p:nvPicPr>
         <p:blipFill>
-          <a:blip r:embed="rId4"/>
+          <a:blip r:embed="rId2"/>
           <a:srcRect/>
           <a:stretch>
             <a:fillRect/>
@@ -10787,7 +11034,7 @@
                     <a:alpha val="0"/>
                   </a:srgbClr>
                 </a:highlight>
-                <a:latin typeface="微软雅黑"/>
+                <a:latin typeface="微软雅黑" panose="020B0503020204020204" charset="-122"/>
               </a:rPr>
               <a:t>0</a:t>
             </a:r>
@@ -10801,7 +11048,7 @@
                     <a:alpha val="0"/>
                   </a:srgbClr>
                 </a:highlight>
-                <a:latin typeface="微软雅黑"/>
+                <a:latin typeface="微软雅黑" panose="020B0503020204020204" charset="-122"/>
               </a:rPr>
               <a:t>4</a:t>
             </a:r>
@@ -10814,7 +11061,7 @@
                   <a:alpha val="0"/>
                 </a:srgbClr>
               </a:highlight>
-              <a:latin typeface="微软雅黑"/>
+              <a:latin typeface="微软雅黑" panose="020B0503020204020204" charset="-122"/>
             </a:endParaRPr>
           </a:p>
         </p:txBody>
@@ -10875,7 +11122,7 @@
                     <a:alpha val="0"/>
                   </a:srgbClr>
                 </a:highlight>
-                <a:latin typeface="微软雅黑"/>
+                <a:latin typeface="微软雅黑" panose="020B0503020204020204" charset="-122"/>
               </a:rPr>
               <a:t>应用架构设计</a:t>
             </a:r>
@@ -10888,7 +11135,7 @@
                   <a:alpha val="0"/>
                 </a:srgbClr>
               </a:highlight>
-              <a:latin typeface="微软雅黑"/>
+              <a:latin typeface="微软雅黑" panose="020B0503020204020204" charset="-122"/>
             </a:endParaRPr>
           </a:p>
         </p:txBody>
@@ -10908,7 +11155,7 @@
     <p:bg>
       <p:bgPr>
         <a:blipFill dpi="0">
-          <a:blip r:embed="rId3"/>
+          <a:blip r:embed="rId1"/>
           <a:srcRect/>
           <a:stretch>
             <a:fillRect/>
@@ -10938,7 +11185,7 @@
           <p:nvPr/>
         </p:nvPicPr>
         <p:blipFill>
-          <a:blip r:embed="rId4"/>
+          <a:blip r:embed="rId2"/>
           <a:srcRect/>
           <a:stretch>
             <a:fillRect/>
@@ -11013,10 +11260,21 @@
                     <a:alpha val="0"/>
                   </a:srgbClr>
                 </a:highlight>
-                <a:latin typeface="微软雅黑"/>
+                <a:latin typeface="微软雅黑" panose="020B0503020204020204" charset="-122"/>
               </a:rPr>
               <a:t>前端展示层设计</a:t>
             </a:r>
+            <a:endParaRPr sz="3000" b="1" i="0">
+              <a:solidFill>
+                <a:srgbClr val="FFFFFF"/>
+              </a:solidFill>
+              <a:highlight>
+                <a:srgbClr val="FFFFFF">
+                  <a:alpha val="0"/>
+                </a:srgbClr>
+              </a:highlight>
+              <a:latin typeface="微软雅黑" panose="020B0503020204020204" charset="-122"/>
+            </a:endParaRPr>
           </a:p>
         </p:txBody>
       </p:sp>
@@ -11072,17 +11330,17 @@
                     <a:alpha val="0"/>
                   </a:srgbClr>
                 </a:highlight>
-                <a:latin typeface="微软雅黑"/>
+                <a:latin typeface="微软雅黑" panose="020B0503020204020204" charset="-122"/>
               </a:rPr>
               <a:t>前端展示层的核心职能</a:t>
             </a:r>
             <a:br>
               <a:rPr sz="1800">
-                <a:latin typeface="微软雅黑"/>
+                <a:latin typeface="微软雅黑" panose="020B0503020204020204" charset="-122"/>
               </a:rPr>
             </a:br>
             <a:endParaRPr sz="1800">
-              <a:latin typeface="微软雅黑"/>
+              <a:latin typeface="微软雅黑" panose="020B0503020204020204" charset="-122"/>
             </a:endParaRPr>
           </a:p>
           <a:p>
@@ -11101,10 +11359,21 @@
                     <a:alpha val="0"/>
                   </a:srgbClr>
                 </a:highlight>
-                <a:latin typeface="微软雅黑"/>
+                <a:latin typeface="微软雅黑" panose="020B0503020204020204" charset="-122"/>
               </a:rPr>
               <a:t>前端展示层作为用户与系统交互的桥梁，不仅负责展现数据，还需确保用户操作的流畅性。采用Vue 3和Vite的组合能快速构建高效、响应式的界面。</a:t>
             </a:r>
+            <a:endParaRPr sz="1575" b="0" i="0">
+              <a:solidFill>
+                <a:srgbClr val="FFFFFF"/>
+              </a:solidFill>
+              <a:highlight>
+                <a:srgbClr val="FFFFFF">
+                  <a:alpha val="0"/>
+                </a:srgbClr>
+              </a:highlight>
+              <a:latin typeface="微软雅黑" panose="020B0503020204020204" charset="-122"/>
+            </a:endParaRPr>
           </a:p>
         </p:txBody>
       </p:sp>
@@ -11160,17 +11429,17 @@
                     <a:alpha val="0"/>
                   </a:srgbClr>
                 </a:highlight>
-                <a:latin typeface="微软雅黑"/>
+                <a:latin typeface="微软雅黑" panose="020B0503020204020204" charset="-122"/>
               </a:rPr>
               <a:t>组件化设计的优势</a:t>
             </a:r>
             <a:br>
               <a:rPr sz="1800">
-                <a:latin typeface="微软雅黑"/>
+                <a:latin typeface="微软雅黑" panose="020B0503020204020204" charset="-122"/>
               </a:rPr>
             </a:br>
             <a:endParaRPr sz="1800">
-              <a:latin typeface="微软雅黑"/>
+              <a:latin typeface="微软雅黑" panose="020B0503020204020204" charset="-122"/>
             </a:endParaRPr>
           </a:p>
           <a:p>
@@ -11189,10 +11458,21 @@
                     <a:alpha val="0"/>
                   </a:srgbClr>
                 </a:highlight>
-                <a:latin typeface="微软雅黑"/>
+                <a:latin typeface="微软雅黑" panose="020B0503020204020204" charset="-122"/>
               </a:rPr>
               <a:t>将前端页面拆分成独立组件，每个组件承担特定功能，这种组件化思想极大提升了代码的可维护性和复用性，同时优化了页面的渲染效率。</a:t>
             </a:r>
+            <a:endParaRPr sz="1575" b="0" i="0">
+              <a:solidFill>
+                <a:srgbClr val="FFFFFF"/>
+              </a:solidFill>
+              <a:highlight>
+                <a:srgbClr val="FFFFFF">
+                  <a:alpha val="0"/>
+                </a:srgbClr>
+              </a:highlight>
+              <a:latin typeface="微软雅黑" panose="020B0503020204020204" charset="-122"/>
+            </a:endParaRPr>
           </a:p>
         </p:txBody>
       </p:sp>
@@ -11248,17 +11528,17 @@
                     <a:alpha val="0"/>
                   </a:srgbClr>
                 </a:highlight>
-                <a:latin typeface="微软雅黑"/>
+                <a:latin typeface="微软雅黑" panose="020B0503020204020204" charset="-122"/>
               </a:rPr>
               <a:t>前后端通信的实现</a:t>
             </a:r>
             <a:br>
               <a:rPr sz="1800">
-                <a:latin typeface="微软雅黑"/>
+                <a:latin typeface="微软雅黑" panose="020B0503020204020204" charset="-122"/>
               </a:rPr>
             </a:br>
             <a:endParaRPr sz="1800">
-              <a:latin typeface="微软雅黑"/>
+              <a:latin typeface="微软雅黑" panose="020B0503020204020204" charset="-122"/>
             </a:endParaRPr>
           </a:p>
           <a:p>
@@ -11277,10 +11557,21 @@
                     <a:alpha val="0"/>
                   </a:srgbClr>
                 </a:highlight>
-                <a:latin typeface="微软雅黑"/>
+                <a:latin typeface="微软雅黑" panose="020B0503020204020204" charset="-122"/>
               </a:rPr>
               <a:t>通过Axios库，前端展示层能够与后端服务层进行有效通信，实现数据的动态获取和更新，其简洁的API设计使得数据交互过程既简单又稳定。</a:t>
             </a:r>
+            <a:endParaRPr sz="1575" b="0" i="0">
+              <a:solidFill>
+                <a:srgbClr val="FFFFFF"/>
+              </a:solidFill>
+              <a:highlight>
+                <a:srgbClr val="FFFFFF">
+                  <a:alpha val="0"/>
+                </a:srgbClr>
+              </a:highlight>
+              <a:latin typeface="微软雅黑" panose="020B0503020204020204" charset="-122"/>
+            </a:endParaRPr>
           </a:p>
         </p:txBody>
       </p:sp>
@@ -11336,6 +11627,11 @@
               </a:rPr>
               <a:t>1</a:t>
             </a:r>
+            <a:endParaRPr lang="en-US">
+              <a:solidFill>
+                <a:srgbClr val="FFFFFF"/>
+              </a:solidFill>
+            </a:endParaRPr>
           </a:p>
         </p:txBody>
       </p:sp>
@@ -11391,6 +11687,11 @@
               </a:rPr>
               <a:t>2</a:t>
             </a:r>
+            <a:endParaRPr lang="en-US">
+              <a:solidFill>
+                <a:srgbClr val="FFFFFF"/>
+              </a:solidFill>
+            </a:endParaRPr>
           </a:p>
         </p:txBody>
       </p:sp>
@@ -11446,6 +11747,11 @@
               </a:rPr>
               <a:t>3</a:t>
             </a:r>
+            <a:endParaRPr lang="en-US">
+              <a:solidFill>
+                <a:srgbClr val="FFFFFF"/>
+              </a:solidFill>
+            </a:endParaRPr>
           </a:p>
         </p:txBody>
       </p:sp>
@@ -11464,7 +11770,7 @@
     <p:bg>
       <p:bgPr>
         <a:blipFill dpi="0">
-          <a:blip r:embed="rId3"/>
+          <a:blip r:embed="rId1"/>
           <a:srcRect/>
           <a:stretch>
             <a:fillRect/>
@@ -11494,7 +11800,7 @@
           <p:nvPr/>
         </p:nvPicPr>
         <p:blipFill>
-          <a:blip r:embed="rId4"/>
+          <a:blip r:embed="rId2"/>
           <a:srcRect/>
           <a:stretch>
             <a:fillRect/>
@@ -11569,10 +11875,21 @@
                     <a:alpha val="0"/>
                   </a:srgbClr>
                 </a:highlight>
-                <a:latin typeface="微软雅黑"/>
+                <a:latin typeface="微软雅黑" panose="020B0503020204020204" charset="-122"/>
               </a:rPr>
               <a:t>后端服务层设计</a:t>
             </a:r>
+            <a:endParaRPr sz="3000" b="1" i="0">
+              <a:solidFill>
+                <a:srgbClr val="FFFFFF"/>
+              </a:solidFill>
+              <a:highlight>
+                <a:srgbClr val="FFFFFF">
+                  <a:alpha val="0"/>
+                </a:srgbClr>
+              </a:highlight>
+              <a:latin typeface="微软雅黑" panose="020B0503020204020204" charset="-122"/>
+            </a:endParaRPr>
           </a:p>
         </p:txBody>
       </p:sp>
@@ -11628,17 +11945,17 @@
                     <a:alpha val="0"/>
                   </a:srgbClr>
                 </a:highlight>
-                <a:latin typeface="微软雅黑"/>
+                <a:latin typeface="微软雅黑" panose="020B0503020204020204" charset="-122"/>
               </a:rPr>
               <a:t>后端服务层的核心职能</a:t>
             </a:r>
             <a:br>
               <a:rPr sz="1800">
-                <a:latin typeface="微软雅黑"/>
+                <a:latin typeface="微软雅黑" panose="020B0503020204020204" charset="-122"/>
               </a:rPr>
             </a:br>
             <a:endParaRPr sz="1800">
-              <a:latin typeface="微软雅黑"/>
+              <a:latin typeface="微软雅黑" panose="020B0503020204020204" charset="-122"/>
             </a:endParaRPr>
           </a:p>
           <a:p>
@@ -11657,10 +11974,21 @@
                     <a:alpha val="0"/>
                   </a:srgbClr>
                 </a:highlight>
-                <a:latin typeface="微软雅黑"/>
+                <a:latin typeface="微软雅黑" panose="020B0503020204020204" charset="-122"/>
               </a:rPr>
               <a:t>后端服务层是项目数据处理与逻辑运算的枢纽，它通过接收前端的请求、处理复杂的业务逻辑、访问数据库及返回结果来确保应用流畅运行。</a:t>
             </a:r>
+            <a:endParaRPr sz="1575" b="0" i="0">
+              <a:solidFill>
+                <a:srgbClr val="FFFFFF"/>
+              </a:solidFill>
+              <a:highlight>
+                <a:srgbClr val="FFFFFF">
+                  <a:alpha val="0"/>
+                </a:srgbClr>
+              </a:highlight>
+              <a:latin typeface="微软雅黑" panose="020B0503020204020204" charset="-122"/>
+            </a:endParaRPr>
           </a:p>
         </p:txBody>
       </p:sp>
@@ -11716,17 +12044,17 @@
                     <a:alpha val="0"/>
                   </a:srgbClr>
                 </a:highlight>
-                <a:latin typeface="微软雅黑"/>
+                <a:latin typeface="微软雅黑" panose="020B0503020204020204" charset="-122"/>
               </a:rPr>
               <a:t>分层架构设计的优势</a:t>
             </a:r>
             <a:br>
               <a:rPr sz="1800">
-                <a:latin typeface="微软雅黑"/>
+                <a:latin typeface="微软雅黑" panose="020B0503020204020204" charset="-122"/>
               </a:rPr>
             </a:br>
             <a:endParaRPr sz="1800">
-              <a:latin typeface="微软雅黑"/>
+              <a:latin typeface="微软雅黑" panose="020B0503020204020204" charset="-122"/>
             </a:endParaRPr>
           </a:p>
           <a:p>
@@ -11745,10 +12073,21 @@
                     <a:alpha val="0"/>
                   </a:srgbClr>
                 </a:highlight>
-                <a:latin typeface="微软雅黑"/>
+                <a:latin typeface="微软雅黑" panose="020B0503020204020204" charset="-122"/>
               </a:rPr>
               <a:t>本项目后端服务层采用分层设计，明晰地划分了控制层、服务层和数据访问层的职责，这种设计使得代码结构更为清晰，便于维护和未来的功能扩展。</a:t>
             </a:r>
+            <a:endParaRPr sz="1575" b="0" i="0">
+              <a:solidFill>
+                <a:srgbClr val="FFFFFF"/>
+              </a:solidFill>
+              <a:highlight>
+                <a:srgbClr val="FFFFFF">
+                  <a:alpha val="0"/>
+                </a:srgbClr>
+              </a:highlight>
+              <a:latin typeface="微软雅黑" panose="020B0503020204020204" charset="-122"/>
+            </a:endParaRPr>
           </a:p>
         </p:txBody>
       </p:sp>
@@ -11804,17 +12143,17 @@
                     <a:alpha val="0"/>
                   </a:srgbClr>
                 </a:highlight>
-                <a:latin typeface="微软雅黑"/>
+                <a:latin typeface="微软雅黑" panose="020B0503020204020204" charset="-122"/>
               </a:rPr>
               <a:t>性能优化与自动化</a:t>
             </a:r>
             <a:br>
               <a:rPr sz="1800">
-                <a:latin typeface="微软雅黑"/>
+                <a:latin typeface="微软雅黑" panose="020B0503020204020204" charset="-122"/>
               </a:rPr>
             </a:br>
             <a:endParaRPr sz="1800">
-              <a:latin typeface="微软雅黑"/>
+              <a:latin typeface="微软雅黑" panose="020B0503020204020204" charset="-122"/>
             </a:endParaRPr>
           </a:p>
           <a:p>
@@ -11833,10 +12172,21 @@
                     <a:alpha val="0"/>
                   </a:srgbClr>
                 </a:highlight>
-                <a:latin typeface="微软雅黑"/>
+                <a:latin typeface="微软雅黑" panose="020B0503020204020204" charset="-122"/>
               </a:rPr>
               <a:t>引入Redis缓存机制显著提升了系统性能，减少了数据库访问次数；同时，集成Quartz定时任务框架实现了后台任务的自动执行，提高了系统效率和自动化水平。</a:t>
             </a:r>
+            <a:endParaRPr sz="1575" b="0" i="0">
+              <a:solidFill>
+                <a:srgbClr val="FFFFFF"/>
+              </a:solidFill>
+              <a:highlight>
+                <a:srgbClr val="FFFFFF">
+                  <a:alpha val="0"/>
+                </a:srgbClr>
+              </a:highlight>
+              <a:latin typeface="微软雅黑" panose="020B0503020204020204" charset="-122"/>
+            </a:endParaRPr>
           </a:p>
         </p:txBody>
       </p:sp>
@@ -11855,7 +12205,7 @@
     <p:bg>
       <p:bgPr>
         <a:blipFill dpi="0">
-          <a:blip r:embed="rId3"/>
+          <a:blip r:embed="rId1"/>
           <a:srcRect/>
           <a:stretch>
             <a:fillRect/>
@@ -11885,7 +12235,7 @@
           <p:nvPr/>
         </p:nvPicPr>
         <p:blipFill>
-          <a:blip r:embed="rId4"/>
+          <a:blip r:embed="rId2"/>
           <a:srcRect/>
           <a:stretch>
             <a:fillRect/>
@@ -11960,10 +12310,21 @@
                     <a:alpha val="0"/>
                   </a:srgbClr>
                 </a:highlight>
-                <a:latin typeface="微软雅黑"/>
+                <a:latin typeface="微软雅黑" panose="020B0503020204020204" charset="-122"/>
               </a:rPr>
               <a:t>数据库层设计</a:t>
             </a:r>
+            <a:endParaRPr sz="3000" b="1" i="0">
+              <a:solidFill>
+                <a:srgbClr val="FFFFFF"/>
+              </a:solidFill>
+              <a:highlight>
+                <a:srgbClr val="FFFFFF">
+                  <a:alpha val="0"/>
+                </a:srgbClr>
+              </a:highlight>
+              <a:latin typeface="微软雅黑" panose="020B0503020204020204" charset="-122"/>
+            </a:endParaRPr>
           </a:p>
         </p:txBody>
       </p:sp>
@@ -12016,11 +12377,11 @@
           <a:p>
             <a:br>
               <a:rPr sz="1800">
-                <a:latin typeface="微软雅黑"/>
+                <a:latin typeface="微软雅黑" panose="020B0503020204020204" charset="-122"/>
               </a:rPr>
             </a:br>
             <a:endParaRPr sz="1800">
-              <a:latin typeface="微软雅黑"/>
+              <a:latin typeface="微软雅黑" panose="020B0503020204020204" charset="-122"/>
             </a:endParaRPr>
           </a:p>
           <a:p>
@@ -12035,17 +12396,17 @@
                     <a:alpha val="0"/>
                   </a:srgbClr>
                 </a:highlight>
-                <a:latin typeface="微软雅黑"/>
+                <a:latin typeface="微软雅黑" panose="020B0503020204020204" charset="-122"/>
               </a:rPr>
               <a:t>数据库层的核心作用</a:t>
             </a:r>
             <a:br>
               <a:rPr sz="1800">
-                <a:latin typeface="微软雅黑"/>
+                <a:latin typeface="微软雅黑" panose="020B0503020204020204" charset="-122"/>
               </a:rPr>
             </a:br>
             <a:endParaRPr sz="1800">
-              <a:latin typeface="微软雅黑"/>
+              <a:latin typeface="微软雅黑" panose="020B0503020204020204" charset="-122"/>
             </a:endParaRPr>
           </a:p>
           <a:p>
@@ -12064,17 +12425,17 @@
                     <a:alpha val="0"/>
                   </a:srgbClr>
                 </a:highlight>
-                <a:latin typeface="微软雅黑"/>
+                <a:latin typeface="微软雅黑" panose="020B0503020204020204" charset="-122"/>
               </a:rPr>
               <a:t>数据库层作为项目的数据心脏，负责关键数据的存储和管理。使用MySQL确保了数据的稳定性和可靠性，是信息与服务之间的桥梁。</a:t>
             </a:r>
             <a:br>
               <a:rPr sz="1800">
-                <a:latin typeface="微软雅黑"/>
+                <a:latin typeface="微软雅黑" panose="020B0503020204020204" charset="-122"/>
               </a:rPr>
             </a:br>
             <a:endParaRPr sz="1800">
-              <a:latin typeface="微软雅黑"/>
+              <a:latin typeface="微软雅黑" panose="020B0503020204020204" charset="-122"/>
             </a:endParaRPr>
           </a:p>
         </p:txBody>
@@ -12128,11 +12489,11 @@
           <a:p>
             <a:br>
               <a:rPr sz="1800">
-                <a:latin typeface="微软雅黑"/>
+                <a:latin typeface="微软雅黑" panose="020B0503020204020204" charset="-122"/>
               </a:rPr>
             </a:br>
             <a:endParaRPr sz="1800">
-              <a:latin typeface="微软雅黑"/>
+              <a:latin typeface="微软雅黑" panose="020B0503020204020204" charset="-122"/>
             </a:endParaRPr>
           </a:p>
           <a:p>
@@ -12147,17 +12508,17 @@
                     <a:alpha val="0"/>
                   </a:srgbClr>
                 </a:highlight>
-                <a:latin typeface="微软雅黑"/>
+                <a:latin typeface="微软雅黑" panose="020B0503020204020204" charset="-122"/>
               </a:rPr>
               <a:t>持久层框架的协同</a:t>
             </a:r>
             <a:br>
               <a:rPr sz="1800">
-                <a:latin typeface="微软雅黑"/>
+                <a:latin typeface="微软雅黑" panose="020B0503020204020204" charset="-122"/>
               </a:rPr>
             </a:br>
             <a:endParaRPr sz="1800">
-              <a:latin typeface="微软雅黑"/>
+              <a:latin typeface="微软雅黑" panose="020B0503020204020204" charset="-122"/>
             </a:endParaRPr>
           </a:p>
           <a:p>
@@ -12176,17 +12537,17 @@
                     <a:alpha val="0"/>
                   </a:srgbClr>
                 </a:highlight>
-                <a:latin typeface="微软雅黑"/>
+                <a:latin typeface="微软雅黑" panose="020B0503020204020204" charset="-122"/>
               </a:rPr>
               <a:t>Mybatis-Plus和Mybatis X框架联合使用，简化数据库操作并提升开发效率。它们使得后端服务与数据库层的交互更加流畅，保障了快速迭代。</a:t>
             </a:r>
             <a:br>
               <a:rPr sz="1800">
-                <a:latin typeface="微软雅黑"/>
+                <a:latin typeface="微软雅黑" panose="020B0503020204020204" charset="-122"/>
               </a:rPr>
             </a:br>
             <a:endParaRPr sz="1800">
-              <a:latin typeface="微软雅黑"/>
+              <a:latin typeface="微软雅黑" panose="020B0503020204020204" charset="-122"/>
             </a:endParaRPr>
           </a:p>
         </p:txBody>
@@ -12240,11 +12601,11 @@
           <a:p>
             <a:br>
               <a:rPr sz="1800">
-                <a:latin typeface="微软雅黑"/>
+                <a:latin typeface="微软雅黑" panose="020B0503020204020204" charset="-122"/>
               </a:rPr>
             </a:br>
             <a:endParaRPr sz="1800">
-              <a:latin typeface="微软雅黑"/>
+              <a:latin typeface="微软雅黑" panose="020B0503020204020204" charset="-122"/>
             </a:endParaRPr>
           </a:p>
           <a:p>
@@ -12259,17 +12620,17 @@
                     <a:alpha val="0"/>
                   </a:srgbClr>
                 </a:highlight>
-                <a:latin typeface="微软雅黑"/>
+                <a:latin typeface="微软雅黑" panose="020B0503020204020204" charset="-122"/>
               </a:rPr>
               <a:t>数据安全性策略</a:t>
             </a:r>
             <a:br>
               <a:rPr sz="1800">
-                <a:latin typeface="微软雅黑"/>
+                <a:latin typeface="微软雅黑" panose="020B0503020204020204" charset="-122"/>
               </a:rPr>
             </a:br>
             <a:endParaRPr sz="1800">
-              <a:latin typeface="微软雅黑"/>
+              <a:latin typeface="微软雅黑" panose="020B0503020204020204" charset="-122"/>
             </a:endParaRPr>
           </a:p>
           <a:p>
@@ -12288,17 +12649,17 @@
                     <a:alpha val="0"/>
                   </a:srgbClr>
                 </a:highlight>
-                <a:latin typeface="微软雅黑"/>
+                <a:latin typeface="微软雅黑" panose="020B0503020204020204" charset="-122"/>
               </a:rPr>
               <a:t>通过精心设计的索引、事务管理和权限控制机制，确保了数据不被非法访问、篡改或丢失。这些策略为数据的准确性和可靠性提供了强有力的保护。</a:t>
             </a:r>
             <a:br>
               <a:rPr sz="1800">
-                <a:latin typeface="微软雅黑"/>
+                <a:latin typeface="微软雅黑" panose="020B0503020204020204" charset="-122"/>
               </a:rPr>
             </a:br>
             <a:endParaRPr sz="1800">
-              <a:latin typeface="微软雅黑"/>
+              <a:latin typeface="微软雅黑" panose="020B0503020204020204" charset="-122"/>
             </a:endParaRPr>
           </a:p>
         </p:txBody>
@@ -12318,7 +12679,7 @@
     <p:bg>
       <p:bgPr>
         <a:blipFill dpi="0">
-          <a:blip r:embed="rId3"/>
+          <a:blip r:embed="rId1"/>
           <a:srcRect/>
           <a:stretch>
             <a:fillRect/>
@@ -12348,7 +12709,7 @@
           <p:nvPr/>
         </p:nvPicPr>
         <p:blipFill>
-          <a:blip r:embed="rId4"/>
+          <a:blip r:embed="rId2"/>
           <a:srcRect/>
           <a:stretch>
             <a:fillRect/>
@@ -12423,8 +12784,8 @@
                     <a:alpha val="0"/>
                   </a:srgbClr>
                 </a:highlight>
-                <a:latin typeface="微软雅黑" panose="020B0503020204020204" pitchFamily="34" charset="-122"/>
-                <a:ea typeface="微软雅黑" panose="020B0503020204020204" pitchFamily="34" charset="-122"/>
+                <a:latin typeface="微软雅黑" panose="020B0503020204020204" charset="-122"/>
+                <a:ea typeface="微软雅黑" panose="020B0503020204020204" charset="-122"/>
               </a:rPr>
               <a:t>架构</a:t>
             </a:r>
@@ -12438,8 +12799,8 @@
                     <a:alpha val="0"/>
                   </a:srgbClr>
                 </a:highlight>
-                <a:latin typeface="微软雅黑" panose="020B0503020204020204" pitchFamily="34" charset="-122"/>
-                <a:ea typeface="微软雅黑" panose="020B0503020204020204" pitchFamily="34" charset="-122"/>
+                <a:latin typeface="微软雅黑" panose="020B0503020204020204" charset="-122"/>
+                <a:ea typeface="微软雅黑" panose="020B0503020204020204" charset="-122"/>
               </a:rPr>
               <a:t>设计</a:t>
             </a:r>
@@ -12452,18 +12813,37 @@
                   <a:alpha val="0"/>
                 </a:srgbClr>
               </a:highlight>
-              <a:latin typeface="微软雅黑" panose="020B0503020204020204" pitchFamily="34" charset="-122"/>
-              <a:ea typeface="微软雅黑" panose="020B0503020204020204" pitchFamily="34" charset="-122"/>
+              <a:latin typeface="微软雅黑" panose="020B0503020204020204" charset="-122"/>
+              <a:ea typeface="微软雅黑" panose="020B0503020204020204" charset="-122"/>
             </a:endParaRPr>
           </a:p>
         </p:txBody>
       </p:sp>
+      <p:pic>
+        <p:nvPicPr>
+          <p:cNvPr id="4" name="图片 3" descr="xd.drawio"/>
+          <p:cNvPicPr>
+            <a:picLocks noChangeAspect="1"/>
+          </p:cNvPicPr>
+          <p:nvPr/>
+        </p:nvPicPr>
+        <p:blipFill>
+          <a:blip r:embed="rId3"/>
+          <a:stretch>
+            <a:fillRect/>
+          </a:stretch>
+        </p:blipFill>
+        <p:spPr>
+          <a:xfrm>
+            <a:off x="2639695" y="1412875"/>
+            <a:ext cx="7010400" cy="4505325"/>
+          </a:xfrm>
+          <a:prstGeom prst="rect">
+            <a:avLst/>
+          </a:prstGeom>
+        </p:spPr>
+      </p:pic>
     </p:spTree>
-    <p:extLst>
-      <p:ext uri="{BB962C8B-B14F-4D97-AF65-F5344CB8AC3E}">
-        <p14:creationId xmlns:p14="http://schemas.microsoft.com/office/powerpoint/2010/main" val="2545500471"/>
-      </p:ext>
-    </p:extLst>
   </p:cSld>
   <p:clrMapOvr>
     <a:masterClrMapping/>
@@ -12504,7 +12884,7 @@
           <p:nvPr/>
         </p:nvPicPr>
         <p:blipFill>
-          <a:blip r:embed="rId3"/>
+          <a:blip r:embed="rId1"/>
           <a:srcRect/>
           <a:stretch>
             <a:fillRect/>
@@ -12530,7 +12910,7 @@
           <p:nvPr/>
         </p:nvPicPr>
         <p:blipFill>
-          <a:blip r:embed="rId4"/>
+          <a:blip r:embed="rId2"/>
           <a:srcRect/>
           <a:stretch>
             <a:fillRect/>
@@ -12605,7 +12985,7 @@
                     <a:alpha val="0"/>
                   </a:srgbClr>
                 </a:highlight>
-                <a:latin typeface="微软雅黑"/>
+                <a:latin typeface="微软雅黑" panose="020B0503020204020204" charset="-122"/>
               </a:rPr>
               <a:t>0</a:t>
             </a:r>
@@ -12619,7 +12999,7 @@
                     <a:alpha val="0"/>
                   </a:srgbClr>
                 </a:highlight>
-                <a:latin typeface="微软雅黑"/>
+                <a:latin typeface="微软雅黑" panose="020B0503020204020204" charset="-122"/>
               </a:rPr>
               <a:t>5</a:t>
             </a:r>
@@ -12632,7 +13012,7 @@
                   <a:alpha val="0"/>
                 </a:srgbClr>
               </a:highlight>
-              <a:latin typeface="微软雅黑"/>
+              <a:latin typeface="微软雅黑" panose="020B0503020204020204" charset="-122"/>
             </a:endParaRPr>
           </a:p>
         </p:txBody>
@@ -12693,10 +13073,21 @@
                     <a:alpha val="0"/>
                   </a:srgbClr>
                 </a:highlight>
-                <a:latin typeface="微软雅黑"/>
+                <a:latin typeface="微软雅黑" panose="020B0503020204020204" charset="-122"/>
               </a:rPr>
               <a:t>web应用设计</a:t>
             </a:r>
+            <a:endParaRPr sz="4800" b="1" i="0">
+              <a:solidFill>
+                <a:srgbClr val="00FFE9"/>
+              </a:solidFill>
+              <a:highlight>
+                <a:srgbClr val="FFFFFF">
+                  <a:alpha val="0"/>
+                </a:srgbClr>
+              </a:highlight>
+              <a:latin typeface="微软雅黑" panose="020B0503020204020204" charset="-122"/>
+            </a:endParaRPr>
           </a:p>
         </p:txBody>
       </p:sp>
@@ -12715,7 +13106,7 @@
     <p:bg>
       <p:bgPr>
         <a:blipFill dpi="0">
-          <a:blip r:embed="rId3"/>
+          <a:blip r:embed="rId1"/>
           <a:srcRect/>
           <a:stretch>
             <a:fillRect/>
@@ -12745,7 +13136,7 @@
           <p:nvPr/>
         </p:nvPicPr>
         <p:blipFill>
-          <a:blip r:embed="rId4"/>
+          <a:blip r:embed="rId2"/>
           <a:srcRect/>
           <a:stretch>
             <a:fillRect/>
@@ -12820,10 +13211,21 @@
                     <a:alpha val="0"/>
                   </a:srgbClr>
                 </a:highlight>
-                <a:latin typeface="微软雅黑"/>
+                <a:latin typeface="微软雅黑" panose="020B0503020204020204" charset="-122"/>
               </a:rPr>
               <a:t>交互设计</a:t>
             </a:r>
+            <a:endParaRPr sz="3000" b="1" i="0">
+              <a:solidFill>
+                <a:srgbClr val="FFFFFF"/>
+              </a:solidFill>
+              <a:highlight>
+                <a:srgbClr val="FFFFFF">
+                  <a:alpha val="0"/>
+                </a:srgbClr>
+              </a:highlight>
+              <a:latin typeface="微软雅黑" panose="020B0503020204020204" charset="-122"/>
+            </a:endParaRPr>
           </a:p>
         </p:txBody>
       </p:sp>
@@ -12883,10 +13285,21 @@
                     <a:alpha val="0"/>
                   </a:srgbClr>
                 </a:highlight>
-                <a:latin typeface="微软雅黑"/>
+                <a:latin typeface="微软雅黑" panose="020B0503020204020204" charset="-122"/>
               </a:rPr>
               <a:t>用户登录和注册是交互设计的初始环节，它需要简洁易用并确保安全性。通过手机号验证加强账户安全，个性化标签则增加用户归属感与独特性。</a:t>
             </a:r>
+            <a:endParaRPr sz="1575" b="0" i="0" dirty="0">
+              <a:solidFill>
+                <a:srgbClr val="FFFFFF"/>
+              </a:solidFill>
+              <a:highlight>
+                <a:srgbClr val="FFFFFF">
+                  <a:alpha val="0"/>
+                </a:srgbClr>
+              </a:highlight>
+              <a:latin typeface="微软雅黑" panose="020B0503020204020204" charset="-122"/>
+            </a:endParaRPr>
           </a:p>
         </p:txBody>
       </p:sp>
@@ -12952,10 +13365,21 @@
                     <a:alpha val="0"/>
                   </a:srgbClr>
                 </a:highlight>
-                <a:latin typeface="微软雅黑"/>
+                <a:latin typeface="微软雅黑" panose="020B0503020204020204" charset="-122"/>
               </a:rPr>
               <a:t>用户登录与注册体验</a:t>
             </a:r>
+            <a:endParaRPr sz="2100" b="1" i="0">
+              <a:solidFill>
+                <a:srgbClr val="FFD8AE"/>
+              </a:solidFill>
+              <a:highlight>
+                <a:srgbClr val="FFFFFF">
+                  <a:alpha val="0"/>
+                </a:srgbClr>
+              </a:highlight>
+              <a:latin typeface="微软雅黑" panose="020B0503020204020204" charset="-122"/>
+            </a:endParaRPr>
           </a:p>
         </p:txBody>
       </p:sp>
@@ -13015,10 +13439,21 @@
                     <a:alpha val="0"/>
                   </a:srgbClr>
                 </a:highlight>
-                <a:latin typeface="微软雅黑"/>
+                <a:latin typeface="微软雅黑" panose="020B0503020204020204" charset="-122"/>
               </a:rPr>
               <a:t>个人主页是用户自我表达的平台，展示队伍、帖文等互动成果。同时提供个人信息修改功能，让用户能够随时更新自己的虚拟形象。</a:t>
             </a:r>
+            <a:endParaRPr sz="1575" b="0" i="0">
+              <a:solidFill>
+                <a:srgbClr val="FFFFFF"/>
+              </a:solidFill>
+              <a:highlight>
+                <a:srgbClr val="FFFFFF">
+                  <a:alpha val="0"/>
+                </a:srgbClr>
+              </a:highlight>
+              <a:latin typeface="微软雅黑" panose="020B0503020204020204" charset="-122"/>
+            </a:endParaRPr>
           </a:p>
         </p:txBody>
       </p:sp>
@@ -13084,10 +13519,21 @@
                     <a:alpha val="0"/>
                   </a:srgbClr>
                 </a:highlight>
-                <a:latin typeface="微软雅黑"/>
+                <a:latin typeface="微软雅黑" panose="020B0503020204020204" charset="-122"/>
               </a:rPr>
               <a:t>个人主页的个性化展示</a:t>
             </a:r>
+            <a:endParaRPr sz="2100" b="1" i="0">
+              <a:solidFill>
+                <a:srgbClr val="FFD8AE"/>
+              </a:solidFill>
+              <a:highlight>
+                <a:srgbClr val="FFFFFF">
+                  <a:alpha val="0"/>
+                </a:srgbClr>
+              </a:highlight>
+              <a:latin typeface="微软雅黑" panose="020B0503020204020204" charset="-122"/>
+            </a:endParaRPr>
           </a:p>
         </p:txBody>
       </p:sp>
@@ -13147,10 +13593,21 @@
                     <a:alpha val="0"/>
                   </a:srgbClr>
                 </a:highlight>
-                <a:latin typeface="微软雅黑"/>
+                <a:latin typeface="微软雅黑" panose="020B0503020204020204" charset="-122"/>
               </a:rPr>
               <a:t>强大的搜索功能可以让用户通过标签和队伍名快速找到感兴趣的内容或群体，促进用户间的互动，并增强平台的连接性。</a:t>
             </a:r>
+            <a:endParaRPr sz="1575" b="0" i="0">
+              <a:solidFill>
+                <a:srgbClr val="FFFFFF"/>
+              </a:solidFill>
+              <a:highlight>
+                <a:srgbClr val="FFFFFF">
+                  <a:alpha val="0"/>
+                </a:srgbClr>
+              </a:highlight>
+              <a:latin typeface="微软雅黑" panose="020B0503020204020204" charset="-122"/>
+            </a:endParaRPr>
           </a:p>
         </p:txBody>
       </p:sp>
@@ -13216,10 +13673,21 @@
                     <a:alpha val="0"/>
                   </a:srgbClr>
                 </a:highlight>
-                <a:latin typeface="微软雅黑"/>
+                <a:latin typeface="微软雅黑" panose="020B0503020204020204" charset="-122"/>
               </a:rPr>
               <a:t>搜索与发现机制</a:t>
             </a:r>
+            <a:endParaRPr sz="2100" b="1" i="0">
+              <a:solidFill>
+                <a:srgbClr val="FFD8AE"/>
+              </a:solidFill>
+              <a:highlight>
+                <a:srgbClr val="FFFFFF">
+                  <a:alpha val="0"/>
+                </a:srgbClr>
+              </a:highlight>
+              <a:latin typeface="微软雅黑" panose="020B0503020204020204" charset="-122"/>
+            </a:endParaRPr>
           </a:p>
         </p:txBody>
       </p:sp>
@@ -13238,7 +13706,7 @@
     <p:bg>
       <p:bgPr>
         <a:blipFill dpi="0">
-          <a:blip r:embed="rId3"/>
+          <a:blip r:embed="rId1"/>
           <a:srcRect/>
           <a:stretch>
             <a:fillRect/>
@@ -13268,7 +13736,7 @@
           <p:nvPr/>
         </p:nvPicPr>
         <p:blipFill>
-          <a:blip r:embed="rId4"/>
+          <a:blip r:embed="rId2"/>
           <a:srcRect/>
           <a:stretch>
             <a:fillRect/>
@@ -13343,10 +13811,21 @@
                     <a:alpha val="0"/>
                   </a:srgbClr>
                 </a:highlight>
-                <a:latin typeface="微软雅黑"/>
+                <a:latin typeface="微软雅黑" panose="020B0503020204020204" charset="-122"/>
               </a:rPr>
               <a:t>展示设计</a:t>
             </a:r>
+            <a:endParaRPr sz="3000" b="1" i="0">
+              <a:solidFill>
+                <a:srgbClr val="FFFFFF"/>
+              </a:solidFill>
+              <a:highlight>
+                <a:srgbClr val="FFFFFF">
+                  <a:alpha val="0"/>
+                </a:srgbClr>
+              </a:highlight>
+              <a:latin typeface="微软雅黑" panose="020B0503020204020204" charset="-122"/>
+            </a:endParaRPr>
           </a:p>
         </p:txBody>
       </p:sp>
@@ -13402,17 +13881,17 @@
                     <a:alpha val="0"/>
                   </a:srgbClr>
                 </a:highlight>
-                <a:latin typeface="微软雅黑"/>
+                <a:latin typeface="微软雅黑" panose="020B0503020204020204" charset="-122"/>
               </a:rPr>
               <a:t>线框设计基础</a:t>
             </a:r>
             <a:br>
               <a:rPr sz="1800" dirty="0">
-                <a:latin typeface="微软雅黑"/>
+                <a:latin typeface="微软雅黑" panose="020B0503020204020204" charset="-122"/>
               </a:rPr>
             </a:br>
             <a:endParaRPr sz="1800" dirty="0">
-              <a:latin typeface="微软雅黑"/>
+              <a:latin typeface="微软雅黑" panose="020B0503020204020204" charset="-122"/>
             </a:endParaRPr>
           </a:p>
           <a:p>
@@ -13431,7 +13910,7 @@
                     <a:alpha val="0"/>
                   </a:srgbClr>
                 </a:highlight>
-                <a:latin typeface="微软雅黑"/>
+                <a:latin typeface="微软雅黑" panose="020B0503020204020204" charset="-122"/>
               </a:rPr>
               <a:t>线框设计是构建网站或应用界面的初始步骤，它通过简单的线条和图形来展示页面元素的位置和布局，为后续设计提供结构和层次的基础</a:t>
             </a:r>
@@ -13445,10 +13924,21 @@
                     <a:alpha val="0"/>
                   </a:srgbClr>
                 </a:highlight>
-                <a:latin typeface="微软雅黑"/>
+                <a:latin typeface="微软雅黑" panose="020B0503020204020204" charset="-122"/>
               </a:rPr>
               <a:t>。</a:t>
             </a:r>
+            <a:endParaRPr sz="1575" b="0" i="0" dirty="0">
+              <a:solidFill>
+                <a:srgbClr val="FFFFFF"/>
+              </a:solidFill>
+              <a:highlight>
+                <a:srgbClr val="FFFFFF">
+                  <a:alpha val="0"/>
+                </a:srgbClr>
+              </a:highlight>
+              <a:latin typeface="微软雅黑" panose="020B0503020204020204" charset="-122"/>
+            </a:endParaRPr>
           </a:p>
         </p:txBody>
       </p:sp>
@@ -13504,25 +13994,24 @@
               </a:rPr>
               <a:t>1</a:t>
             </a:r>
+            <a:endParaRPr lang="en-US" dirty="0">
+              <a:solidFill>
+                <a:srgbClr val="FFFFFF"/>
+              </a:solidFill>
+            </a:endParaRPr>
           </a:p>
         </p:txBody>
       </p:sp>
       <p:pic>
         <p:nvPicPr>
-          <p:cNvPr id="11" name="图片 10">
-            <a:extLst>
-              <a:ext uri="{FF2B5EF4-FFF2-40B4-BE49-F238E27FC236}">
-                <a16:creationId xmlns:a16="http://schemas.microsoft.com/office/drawing/2014/main" id="{EDAD9E06-A6F1-A177-3E40-E2D28C8821F3}"/>
-              </a:ext>
-            </a:extLst>
-          </p:cNvPr>
+          <p:cNvPr id="11" name="图片 10"/>
           <p:cNvPicPr>
             <a:picLocks noChangeAspect="1"/>
           </p:cNvPicPr>
           <p:nvPr/>
         </p:nvPicPr>
         <p:blipFill>
-          <a:blip r:embed="rId5">
+          <a:blip r:embed="rId3">
             <a:extLst>
               <a:ext uri="{28A0092B-C50C-407E-A947-70E740481C1C}">
                 <a14:useLocalDpi xmlns:a14="http://schemas.microsoft.com/office/drawing/2010/main" val="0"/>
@@ -13558,7 +14047,7 @@
     <p:bg>
       <p:bgPr>
         <a:blipFill dpi="0">
-          <a:blip r:embed="rId3"/>
+          <a:blip r:embed="rId1"/>
           <a:srcRect/>
           <a:stretch>
             <a:fillRect/>
@@ -13588,7 +14077,7 @@
           <p:nvPr/>
         </p:nvPicPr>
         <p:blipFill>
-          <a:blip r:embed="rId4"/>
+          <a:blip r:embed="rId2"/>
           <a:srcRect/>
           <a:stretch>
             <a:fillRect/>
@@ -13663,10 +14152,21 @@
                     <a:alpha val="0"/>
                   </a:srgbClr>
                 </a:highlight>
-                <a:latin typeface="微软雅黑"/>
+                <a:latin typeface="微软雅黑" panose="020B0503020204020204" charset="-122"/>
               </a:rPr>
               <a:t>展示设计</a:t>
             </a:r>
+            <a:endParaRPr sz="3000" b="1" i="0">
+              <a:solidFill>
+                <a:srgbClr val="FFFFFF"/>
+              </a:solidFill>
+              <a:highlight>
+                <a:srgbClr val="FFFFFF">
+                  <a:alpha val="0"/>
+                </a:srgbClr>
+              </a:highlight>
+              <a:latin typeface="微软雅黑" panose="020B0503020204020204" charset="-122"/>
+            </a:endParaRPr>
           </a:p>
         </p:txBody>
       </p:sp>
@@ -13678,8 +14178,8 @@
         </p:nvSpPr>
         <p:spPr>
           <a:xfrm>
-            <a:off x="2260038" y="1988840"/>
-            <a:ext cx="3169072" cy="2467470"/>
+            <a:off x="2279650" y="1122045"/>
+            <a:ext cx="4055110" cy="5426075"/>
           </a:xfrm>
           <a:prstGeom prst="rect">
             <a:avLst/>
@@ -13722,17 +14222,17 @@
                     <a:alpha val="0"/>
                   </a:srgbClr>
                 </a:highlight>
-                <a:latin typeface="微软雅黑"/>
+                <a:latin typeface="微软雅黑" panose="020B0503020204020204" charset="-122"/>
               </a:rPr>
               <a:t>页面布局策略</a:t>
             </a:r>
             <a:br>
               <a:rPr sz="1800" dirty="0">
-                <a:latin typeface="微软雅黑"/>
+                <a:latin typeface="微软雅黑" panose="020B0503020204020204" charset="-122"/>
               </a:rPr>
             </a:br>
             <a:endParaRPr sz="1800" dirty="0">
-              <a:latin typeface="微软雅黑"/>
+              <a:latin typeface="微软雅黑" panose="020B0503020204020204" charset="-122"/>
             </a:endParaRPr>
           </a:p>
           <a:p>
@@ -13751,10 +14251,415 @@
                     <a:alpha val="0"/>
                   </a:srgbClr>
                 </a:highlight>
-                <a:latin typeface="微软雅黑"/>
-              </a:rPr>
-              <a:t>采用上下框架型布局是为了区分网站的功能区域，如顶部通常用于导航，而底部则放置版权信息或附加链接，这种布局有助于提升用户浏览体验。</a:t>
-            </a:r>
+                <a:latin typeface="微软雅黑" panose="020B0503020204020204" charset="-122"/>
+              </a:rPr>
+              <a:t>从上到下依次为：</a:t>
+            </a:r>
+            <a:endParaRPr sz="1575" b="0" i="0" dirty="0">
+              <a:solidFill>
+                <a:srgbClr val="FFFFFF"/>
+              </a:solidFill>
+              <a:highlight>
+                <a:srgbClr val="FFFFFF">
+                  <a:alpha val="0"/>
+                </a:srgbClr>
+              </a:highlight>
+              <a:latin typeface="微软雅黑" panose="020B0503020204020204" charset="-122"/>
+            </a:endParaRPr>
+          </a:p>
+          <a:p>
+            <a:pPr algn="l">
+              <a:lnSpc>
+                <a:spcPct val="150000"/>
+              </a:lnSpc>
+            </a:pPr>
+            <a:r>
+              <a:rPr sz="1575" b="0" i="0" dirty="0">
+                <a:solidFill>
+                  <a:srgbClr val="FFFFFF"/>
+                </a:solidFill>
+                <a:highlight>
+                  <a:srgbClr val="FFFFFF">
+                    <a:alpha val="0"/>
+                  </a:srgbClr>
+                </a:highlight>
+                <a:latin typeface="微软雅黑" panose="020B0503020204020204" charset="-122"/>
+              </a:rPr>
+              <a:t>1）导航条：展示当前页面名称</a:t>
+            </a:r>
+            <a:endParaRPr sz="1575" b="0" i="0" dirty="0">
+              <a:solidFill>
+                <a:srgbClr val="FFFFFF"/>
+              </a:solidFill>
+              <a:highlight>
+                <a:srgbClr val="FFFFFF">
+                  <a:alpha val="0"/>
+                </a:srgbClr>
+              </a:highlight>
+              <a:latin typeface="微软雅黑" panose="020B0503020204020204" charset="-122"/>
+            </a:endParaRPr>
+          </a:p>
+          <a:p>
+            <a:pPr algn="l">
+              <a:lnSpc>
+                <a:spcPct val="150000"/>
+              </a:lnSpc>
+            </a:pPr>
+            <a:r>
+              <a:rPr sz="1575" b="0" i="0" dirty="0">
+                <a:solidFill>
+                  <a:srgbClr val="FFFFFF"/>
+                </a:solidFill>
+                <a:highlight>
+                  <a:srgbClr val="FFFFFF">
+                    <a:alpha val="0"/>
+                  </a:srgbClr>
+                </a:highlight>
+                <a:latin typeface="微软雅黑" panose="020B0503020204020204" charset="-122"/>
+              </a:rPr>
+              <a:t>2）主页搜索框：点击跳转到搜索页 =&gt; 搜索结果页（标签筛选页）</a:t>
+            </a:r>
+            <a:endParaRPr sz="1575" b="0" i="0" dirty="0">
+              <a:solidFill>
+                <a:srgbClr val="FFFFFF"/>
+              </a:solidFill>
+              <a:highlight>
+                <a:srgbClr val="FFFFFF">
+                  <a:alpha val="0"/>
+                </a:srgbClr>
+              </a:highlight>
+              <a:latin typeface="微软雅黑" panose="020B0503020204020204" charset="-122"/>
+            </a:endParaRPr>
+          </a:p>
+          <a:p>
+            <a:pPr algn="l">
+              <a:lnSpc>
+                <a:spcPct val="150000"/>
+              </a:lnSpc>
+            </a:pPr>
+            <a:r>
+              <a:rPr sz="1575" b="0" i="0" dirty="0">
+                <a:solidFill>
+                  <a:srgbClr val="FFFFFF"/>
+                </a:solidFill>
+                <a:highlight>
+                  <a:srgbClr val="FFFFFF">
+                    <a:alpha val="0"/>
+                  </a:srgbClr>
+                </a:highlight>
+                <a:latin typeface="微软雅黑" panose="020B0503020204020204" charset="-122"/>
+              </a:rPr>
+              <a:t>3）内容展示</a:t>
+            </a:r>
+            <a:endParaRPr sz="1575" b="0" i="0" dirty="0">
+              <a:solidFill>
+                <a:srgbClr val="FFFFFF"/>
+              </a:solidFill>
+              <a:highlight>
+                <a:srgbClr val="FFFFFF">
+                  <a:alpha val="0"/>
+                </a:srgbClr>
+              </a:highlight>
+              <a:latin typeface="微软雅黑" panose="020B0503020204020204" charset="-122"/>
+            </a:endParaRPr>
+          </a:p>
+          <a:p>
+            <a:pPr algn="l">
+              <a:lnSpc>
+                <a:spcPct val="150000"/>
+              </a:lnSpc>
+            </a:pPr>
+            <a:r>
+              <a:rPr sz="1575" b="0" i="0" dirty="0">
+                <a:solidFill>
+                  <a:srgbClr val="FFFFFF"/>
+                </a:solidFill>
+                <a:highlight>
+                  <a:srgbClr val="FFFFFF">
+                    <a:alpha val="0"/>
+                  </a:srgbClr>
+                </a:highlight>
+                <a:latin typeface="微软雅黑" panose="020B0503020204020204" charset="-122"/>
+              </a:rPr>
+              <a:t>4）tab 栏：</a:t>
+            </a:r>
+            <a:endParaRPr sz="1575" b="0" i="0" dirty="0">
+              <a:solidFill>
+                <a:srgbClr val="FFFFFF"/>
+              </a:solidFill>
+              <a:highlight>
+                <a:srgbClr val="FFFFFF">
+                  <a:alpha val="0"/>
+                </a:srgbClr>
+              </a:highlight>
+              <a:latin typeface="微软雅黑" panose="020B0503020204020204" charset="-122"/>
+            </a:endParaRPr>
+          </a:p>
+          <a:p>
+            <a:pPr algn="l">
+              <a:lnSpc>
+                <a:spcPct val="150000"/>
+              </a:lnSpc>
+            </a:pPr>
+            <a:r>
+              <a:rPr sz="1575" b="0" i="0" dirty="0">
+                <a:solidFill>
+                  <a:srgbClr val="FFFFFF"/>
+                </a:solidFill>
+                <a:highlight>
+                  <a:srgbClr val="FFFFFF">
+                    <a:alpha val="0"/>
+                  </a:srgbClr>
+                </a:highlight>
+                <a:latin typeface="微软雅黑" panose="020B0503020204020204" charset="-122"/>
+              </a:rPr>
+              <a:t>主页（推荐页 + 广告） </a:t>
+            </a:r>
+            <a:endParaRPr sz="1575" b="0" i="0" dirty="0">
+              <a:solidFill>
+                <a:srgbClr val="FFFFFF"/>
+              </a:solidFill>
+              <a:highlight>
+                <a:srgbClr val="FFFFFF">
+                  <a:alpha val="0"/>
+                </a:srgbClr>
+              </a:highlight>
+              <a:latin typeface="微软雅黑" panose="020B0503020204020204" charset="-122"/>
+            </a:endParaRPr>
+          </a:p>
+          <a:p>
+            <a:pPr algn="l">
+              <a:lnSpc>
+                <a:spcPct val="150000"/>
+              </a:lnSpc>
+            </a:pPr>
+            <a:r>
+              <a:rPr lang="en-US" sz="1575" b="0" i="0" dirty="0">
+                <a:solidFill>
+                  <a:srgbClr val="FFFFFF"/>
+                </a:solidFill>
+                <a:highlight>
+                  <a:srgbClr val="FFFFFF">
+                    <a:alpha val="0"/>
+                  </a:srgbClr>
+                </a:highlight>
+                <a:latin typeface="微软雅黑" panose="020B0503020204020204" charset="-122"/>
+              </a:rPr>
+              <a:t>     </a:t>
+            </a:r>
+            <a:r>
+              <a:rPr sz="1575" b="0" i="0" dirty="0">
+                <a:solidFill>
+                  <a:srgbClr val="FFFFFF"/>
+                </a:solidFill>
+                <a:highlight>
+                  <a:srgbClr val="FFFFFF">
+                    <a:alpha val="0"/>
+                  </a:srgbClr>
+                </a:highlight>
+                <a:latin typeface="微软雅黑" panose="020B0503020204020204" charset="-122"/>
+              </a:rPr>
+              <a:t>搜索框</a:t>
+            </a:r>
+            <a:endParaRPr sz="1575" b="0" i="0" dirty="0">
+              <a:solidFill>
+                <a:srgbClr val="FFFFFF"/>
+              </a:solidFill>
+              <a:highlight>
+                <a:srgbClr val="FFFFFF">
+                  <a:alpha val="0"/>
+                </a:srgbClr>
+              </a:highlight>
+              <a:latin typeface="微软雅黑" panose="020B0503020204020204" charset="-122"/>
+            </a:endParaRPr>
+          </a:p>
+          <a:p>
+            <a:pPr algn="l">
+              <a:lnSpc>
+                <a:spcPct val="150000"/>
+              </a:lnSpc>
+            </a:pPr>
+            <a:r>
+              <a:rPr lang="en-US" sz="1575" b="0" i="0" dirty="0">
+                <a:solidFill>
+                  <a:srgbClr val="FFFFFF"/>
+                </a:solidFill>
+                <a:highlight>
+                  <a:srgbClr val="FFFFFF">
+                    <a:alpha val="0"/>
+                  </a:srgbClr>
+                </a:highlight>
+                <a:latin typeface="微软雅黑" panose="020B0503020204020204" charset="-122"/>
+              </a:rPr>
+              <a:t>     </a:t>
+            </a:r>
+            <a:r>
+              <a:rPr sz="1575" b="0" i="0" dirty="0">
+                <a:solidFill>
+                  <a:srgbClr val="FFFFFF"/>
+                </a:solidFill>
+                <a:highlight>
+                  <a:srgbClr val="FFFFFF">
+                    <a:alpha val="0"/>
+                  </a:srgbClr>
+                </a:highlight>
+                <a:latin typeface="微软雅黑" panose="020B0503020204020204" charset="-122"/>
+              </a:rPr>
+              <a:t>banner</a:t>
+            </a:r>
+            <a:endParaRPr sz="1575" b="0" i="0" dirty="0">
+              <a:solidFill>
+                <a:srgbClr val="FFFFFF"/>
+              </a:solidFill>
+              <a:highlight>
+                <a:srgbClr val="FFFFFF">
+                  <a:alpha val="0"/>
+                </a:srgbClr>
+              </a:highlight>
+              <a:latin typeface="微软雅黑" panose="020B0503020204020204" charset="-122"/>
+            </a:endParaRPr>
+          </a:p>
+          <a:p>
+            <a:pPr algn="l">
+              <a:lnSpc>
+                <a:spcPct val="150000"/>
+              </a:lnSpc>
+            </a:pPr>
+            <a:r>
+              <a:rPr lang="en-US" sz="1575" b="0" i="0" dirty="0">
+                <a:solidFill>
+                  <a:srgbClr val="FFFFFF"/>
+                </a:solidFill>
+                <a:highlight>
+                  <a:srgbClr val="FFFFFF">
+                    <a:alpha val="0"/>
+                  </a:srgbClr>
+                </a:highlight>
+                <a:latin typeface="微软雅黑" panose="020B0503020204020204" charset="-122"/>
+              </a:rPr>
+              <a:t>     </a:t>
+            </a:r>
+            <a:r>
+              <a:rPr sz="1575" b="0" i="0" dirty="0">
+                <a:solidFill>
+                  <a:srgbClr val="FFFFFF"/>
+                </a:solidFill>
+                <a:highlight>
+                  <a:srgbClr val="FFFFFF">
+                    <a:alpha val="0"/>
+                  </a:srgbClr>
+                </a:highlight>
+                <a:latin typeface="微软雅黑" panose="020B0503020204020204" charset="-122"/>
+              </a:rPr>
+              <a:t>推荐信息流</a:t>
+            </a:r>
+            <a:endParaRPr sz="1575" b="0" i="0" dirty="0">
+              <a:solidFill>
+                <a:srgbClr val="FFFFFF"/>
+              </a:solidFill>
+              <a:highlight>
+                <a:srgbClr val="FFFFFF">
+                  <a:alpha val="0"/>
+                </a:srgbClr>
+              </a:highlight>
+              <a:latin typeface="微软雅黑" panose="020B0503020204020204" charset="-122"/>
+            </a:endParaRPr>
+          </a:p>
+          <a:p>
+            <a:pPr algn="l">
+              <a:lnSpc>
+                <a:spcPct val="150000"/>
+              </a:lnSpc>
+            </a:pPr>
+            <a:r>
+              <a:rPr sz="1575" b="0" i="0" dirty="0">
+                <a:solidFill>
+                  <a:srgbClr val="FFFFFF"/>
+                </a:solidFill>
+                <a:highlight>
+                  <a:srgbClr val="FFFFFF">
+                    <a:alpha val="0"/>
+                  </a:srgbClr>
+                </a:highlight>
+                <a:latin typeface="微软雅黑" panose="020B0503020204020204" charset="-122"/>
+              </a:rPr>
+              <a:t>队伍页</a:t>
+            </a:r>
+            <a:endParaRPr sz="1575" b="0" i="0" dirty="0">
+              <a:solidFill>
+                <a:srgbClr val="FFFFFF"/>
+              </a:solidFill>
+              <a:highlight>
+                <a:srgbClr val="FFFFFF">
+                  <a:alpha val="0"/>
+                </a:srgbClr>
+              </a:highlight>
+              <a:latin typeface="微软雅黑" panose="020B0503020204020204" charset="-122"/>
+            </a:endParaRPr>
+          </a:p>
+          <a:p>
+            <a:pPr algn="l">
+              <a:lnSpc>
+                <a:spcPct val="150000"/>
+              </a:lnSpc>
+            </a:pPr>
+            <a:r>
+              <a:rPr lang="zh-CN" sz="1575" b="0" i="0" dirty="0">
+                <a:solidFill>
+                  <a:srgbClr val="FFFFFF"/>
+                </a:solidFill>
+                <a:highlight>
+                  <a:srgbClr val="FFFFFF">
+                    <a:alpha val="0"/>
+                  </a:srgbClr>
+                </a:highlight>
+                <a:latin typeface="微软雅黑" panose="020B0503020204020204" charset="-122"/>
+              </a:rPr>
+              <a:t>消息页</a:t>
+            </a:r>
+            <a:endParaRPr sz="1575" b="0" i="0" dirty="0">
+              <a:solidFill>
+                <a:srgbClr val="FFFFFF"/>
+              </a:solidFill>
+              <a:highlight>
+                <a:srgbClr val="FFFFFF">
+                  <a:alpha val="0"/>
+                </a:srgbClr>
+              </a:highlight>
+              <a:latin typeface="微软雅黑" panose="020B0503020204020204" charset="-122"/>
+            </a:endParaRPr>
+          </a:p>
+          <a:p>
+            <a:pPr algn="l">
+              <a:lnSpc>
+                <a:spcPct val="150000"/>
+              </a:lnSpc>
+            </a:pPr>
+            <a:r>
+              <a:rPr sz="1575" b="0" i="0" dirty="0">
+                <a:solidFill>
+                  <a:srgbClr val="FFFFFF"/>
+                </a:solidFill>
+                <a:highlight>
+                  <a:srgbClr val="FFFFFF">
+                    <a:alpha val="0"/>
+                  </a:srgbClr>
+                </a:highlight>
+                <a:latin typeface="微软雅黑" panose="020B0503020204020204" charset="-122"/>
+              </a:rPr>
+              <a:t>用户页</a:t>
+            </a:r>
+            <a:endParaRPr sz="1575" b="0" i="0" dirty="0">
+              <a:solidFill>
+                <a:srgbClr val="FFFFFF"/>
+              </a:solidFill>
+              <a:highlight>
+                <a:srgbClr val="FFFFFF">
+                  <a:alpha val="0"/>
+                </a:srgbClr>
+              </a:highlight>
+              <a:latin typeface="微软雅黑" panose="020B0503020204020204" charset="-122"/>
+            </a:endParaRPr>
           </a:p>
         </p:txBody>
       </p:sp>
@@ -13766,7 +14671,7 @@
         </p:nvSpPr>
         <p:spPr>
           <a:xfrm>
-            <a:off x="1664342" y="1988840"/>
+            <a:off x="1736732" y="1196995"/>
             <a:ext cx="360000" cy="370800"/>
           </a:xfrm>
           <a:prstGeom prst="roundRect">
@@ -13810,25 +14715,24 @@
               </a:rPr>
               <a:t>2</a:t>
             </a:r>
+            <a:endParaRPr lang="en-US" dirty="0">
+              <a:solidFill>
+                <a:srgbClr val="FFFFFF"/>
+              </a:solidFill>
+            </a:endParaRPr>
           </a:p>
         </p:txBody>
       </p:sp>
       <p:pic>
         <p:nvPicPr>
-          <p:cNvPr id="13" name="图片 12">
-            <a:extLst>
-              <a:ext uri="{FF2B5EF4-FFF2-40B4-BE49-F238E27FC236}">
-                <a16:creationId xmlns:a16="http://schemas.microsoft.com/office/drawing/2014/main" id="{7D5BDF4C-E600-BDA8-D350-E7F75EB5F936}"/>
-              </a:ext>
-            </a:extLst>
-          </p:cNvPr>
+          <p:cNvPr id="13" name="图片 12"/>
           <p:cNvPicPr>
             <a:picLocks noChangeAspect="1"/>
           </p:cNvPicPr>
           <p:nvPr/>
         </p:nvPicPr>
         <p:blipFill>
-          <a:blip r:embed="rId5">
+          <a:blip r:embed="rId3">
             <a:extLst>
               <a:ext uri="{28A0092B-C50C-407E-A947-70E740481C1C}">
                 <a14:useLocalDpi xmlns:a14="http://schemas.microsoft.com/office/drawing/2010/main" val="0"/>
@@ -13850,11 +14754,6 @@
         </p:spPr>
       </p:pic>
     </p:spTree>
-    <p:extLst>
-      <p:ext uri="{BB962C8B-B14F-4D97-AF65-F5344CB8AC3E}">
-        <p14:creationId xmlns:p14="http://schemas.microsoft.com/office/powerpoint/2010/main" val="2720635882"/>
-      </p:ext>
-    </p:extLst>
   </p:cSld>
   <p:clrMapOvr>
     <a:masterClrMapping/>
@@ -13869,7 +14768,7 @@
     <p:bg>
       <p:bgPr>
         <a:blipFill dpi="0">
-          <a:blip r:embed="rId3"/>
+          <a:blip r:embed="rId1"/>
           <a:srcRect/>
           <a:stretch>
             <a:fillRect/>
@@ -13899,7 +14798,7 @@
           <p:nvPr/>
         </p:nvPicPr>
         <p:blipFill>
-          <a:blip r:embed="rId4"/>
+          <a:blip r:embed="rId2"/>
           <a:srcRect/>
           <a:stretch>
             <a:fillRect/>
@@ -13974,10 +14873,21 @@
                     <a:alpha val="0"/>
                   </a:srgbClr>
                 </a:highlight>
-                <a:latin typeface="微软雅黑"/>
+                <a:latin typeface="微软雅黑" panose="020B0503020204020204" charset="-122"/>
               </a:rPr>
               <a:t>展示设计</a:t>
             </a:r>
+            <a:endParaRPr sz="3000" b="1" i="0">
+              <a:solidFill>
+                <a:srgbClr val="FFFFFF"/>
+              </a:solidFill>
+              <a:highlight>
+                <a:srgbClr val="FFFFFF">
+                  <a:alpha val="0"/>
+                </a:srgbClr>
+              </a:highlight>
+              <a:latin typeface="微软雅黑" panose="020B0503020204020204" charset="-122"/>
+            </a:endParaRPr>
           </a:p>
         </p:txBody>
       </p:sp>
@@ -13989,7 +14899,7 @@
         </p:nvSpPr>
         <p:spPr>
           <a:xfrm>
-            <a:off x="3575720" y="1556792"/>
+            <a:off x="3431575" y="1532027"/>
             <a:ext cx="3169072" cy="692497"/>
           </a:xfrm>
           <a:prstGeom prst="rect">
@@ -14033,7 +14943,7 @@
                     <a:alpha val="0"/>
                   </a:srgbClr>
                 </a:highlight>
-                <a:latin typeface="微软雅黑"/>
+                <a:latin typeface="微软雅黑" panose="020B0503020204020204" charset="-122"/>
               </a:rPr>
               <a:t>LOGO</a:t>
             </a:r>
@@ -14047,17 +14957,17 @@
                     <a:alpha val="0"/>
                   </a:srgbClr>
                 </a:highlight>
-                <a:latin typeface="微软雅黑"/>
+                <a:latin typeface="微软雅黑" panose="020B0503020204020204" charset="-122"/>
               </a:rPr>
               <a:t>设计</a:t>
             </a:r>
             <a:br>
               <a:rPr sz="1800" dirty="0">
-                <a:latin typeface="微软雅黑"/>
+                <a:latin typeface="微软雅黑" panose="020B0503020204020204" charset="-122"/>
               </a:rPr>
             </a:br>
             <a:endParaRPr sz="1800" dirty="0">
-              <a:latin typeface="微软雅黑"/>
+              <a:latin typeface="微软雅黑" panose="020B0503020204020204" charset="-122"/>
             </a:endParaRPr>
           </a:p>
         </p:txBody>
@@ -14114,25 +15024,24 @@
               </a:rPr>
               <a:t>3</a:t>
             </a:r>
+            <a:endParaRPr lang="en-US" dirty="0">
+              <a:solidFill>
+                <a:srgbClr val="FFFFFF"/>
+              </a:solidFill>
+            </a:endParaRPr>
           </a:p>
         </p:txBody>
       </p:sp>
       <p:pic>
         <p:nvPicPr>
-          <p:cNvPr id="6" name="图片 5">
-            <a:extLst>
-              <a:ext uri="{FF2B5EF4-FFF2-40B4-BE49-F238E27FC236}">
-                <a16:creationId xmlns:a16="http://schemas.microsoft.com/office/drawing/2014/main" id="{0B28E904-DAD0-F638-93DB-8B04CADB7B18}"/>
-              </a:ext>
-            </a:extLst>
-          </p:cNvPr>
+          <p:cNvPr id="6" name="图片 5"/>
           <p:cNvPicPr>
             <a:picLocks noChangeAspect="1"/>
           </p:cNvPicPr>
           <p:nvPr/>
         </p:nvPicPr>
         <p:blipFill>
-          <a:blip r:embed="rId5">
+          <a:blip r:embed="rId3">
             <a:extLst>
               <a:ext uri="{28A0092B-C50C-407E-A947-70E740481C1C}">
                 <a14:useLocalDpi xmlns:a14="http://schemas.microsoft.com/office/drawing/2010/main" val="0"/>
@@ -14161,6 +15070,8 @@
               <a:srgbClr val="FFFFFF"/>
             </a:solidFill>
             <a:miter lim="800000"/>
+            <a:headEnd/>
+            <a:tailEnd/>
           </a:ln>
           <a:effectLst>
             <a:outerShdw blurRad="55000" dist="18000" dir="5400000" algn="tl" rotWithShape="0">
@@ -14184,11 +15095,6 @@
         </p:spPr>
       </p:pic>
     </p:spTree>
-    <p:extLst>
-      <p:ext uri="{BB962C8B-B14F-4D97-AF65-F5344CB8AC3E}">
-        <p14:creationId xmlns:p14="http://schemas.microsoft.com/office/powerpoint/2010/main" val="1129406931"/>
-      </p:ext>
-    </p:extLst>
   </p:cSld>
   <p:clrMapOvr>
     <a:masterClrMapping/>
@@ -14229,7 +15135,7 @@
           <p:nvPr/>
         </p:nvPicPr>
         <p:blipFill>
-          <a:blip r:embed="rId3"/>
+          <a:blip r:embed="rId1"/>
           <a:srcRect/>
           <a:stretch>
             <a:fillRect/>
@@ -14255,7 +15161,7 @@
           <p:nvPr/>
         </p:nvPicPr>
         <p:blipFill>
-          <a:blip r:embed="rId4"/>
+          <a:blip r:embed="rId2"/>
           <a:srcRect/>
           <a:stretch>
             <a:fillRect/>
@@ -14330,10 +15236,21 @@
                     <a:alpha val="0"/>
                   </a:srgbClr>
                 </a:highlight>
-                <a:latin typeface="微软雅黑"/>
+                <a:latin typeface="微软雅黑" panose="020B0503020204020204" charset="-122"/>
               </a:rPr>
               <a:t>01</a:t>
             </a:r>
+            <a:endParaRPr sz="4800" b="1" i="0">
+              <a:solidFill>
+                <a:srgbClr val="FFD8AE"/>
+              </a:solidFill>
+              <a:highlight>
+                <a:srgbClr val="FFFFFF">
+                  <a:alpha val="0"/>
+                </a:srgbClr>
+              </a:highlight>
+              <a:latin typeface="微软雅黑" panose="020B0503020204020204" charset="-122"/>
+            </a:endParaRPr>
           </a:p>
         </p:txBody>
       </p:sp>
@@ -14393,10 +15310,21 @@
                     <a:alpha val="0"/>
                   </a:srgbClr>
                 </a:highlight>
-                <a:latin typeface="微软雅黑"/>
+                <a:latin typeface="微软雅黑" panose="020B0503020204020204" charset="-122"/>
               </a:rPr>
               <a:t>项目背景</a:t>
             </a:r>
+            <a:endParaRPr sz="4800" b="1" i="0">
+              <a:solidFill>
+                <a:srgbClr val="00FFE9"/>
+              </a:solidFill>
+              <a:highlight>
+                <a:srgbClr val="FFFFFF">
+                  <a:alpha val="0"/>
+                </a:srgbClr>
+              </a:highlight>
+              <a:latin typeface="微软雅黑" panose="020B0503020204020204" charset="-122"/>
+            </a:endParaRPr>
           </a:p>
         </p:txBody>
       </p:sp>
@@ -14415,7 +15343,7 @@
     <p:bg>
       <p:bgPr>
         <a:blipFill dpi="0">
-          <a:blip r:embed="rId3"/>
+          <a:blip r:embed="rId1"/>
           <a:srcRect/>
           <a:stretch>
             <a:fillRect/>
@@ -14445,7 +15373,7 @@
           <p:nvPr/>
         </p:nvPicPr>
         <p:blipFill>
-          <a:blip r:embed="rId4"/>
+          <a:blip r:embed="rId2"/>
           <a:srcRect/>
           <a:stretch>
             <a:fillRect/>
@@ -14520,10 +15448,21 @@
                     <a:alpha val="0"/>
                   </a:srgbClr>
                 </a:highlight>
-                <a:latin typeface="微软雅黑"/>
+                <a:latin typeface="微软雅黑" panose="020B0503020204020204" charset="-122"/>
               </a:rPr>
               <a:t>内容设计</a:t>
             </a:r>
+            <a:endParaRPr sz="3000" b="1" i="0">
+              <a:solidFill>
+                <a:srgbClr val="FFFFFF"/>
+              </a:solidFill>
+              <a:highlight>
+                <a:srgbClr val="FFFFFF">
+                  <a:alpha val="0"/>
+                </a:srgbClr>
+              </a:highlight>
+              <a:latin typeface="微软雅黑" panose="020B0503020204020204" charset="-122"/>
+            </a:endParaRPr>
           </a:p>
         </p:txBody>
       </p:sp>
@@ -14579,17 +15518,17 @@
                     <a:alpha val="0"/>
                   </a:srgbClr>
                 </a:highlight>
-                <a:latin typeface="微软雅黑"/>
+                <a:latin typeface="微软雅黑" panose="020B0503020204020204" charset="-122"/>
               </a:rPr>
               <a:t>架构方法</a:t>
             </a:r>
             <a:br>
               <a:rPr sz="1800" dirty="0">
-                <a:latin typeface="微软雅黑"/>
+                <a:latin typeface="微软雅黑" panose="020B0503020204020204" charset="-122"/>
               </a:rPr>
             </a:br>
             <a:endParaRPr sz="1800" dirty="0">
-              <a:latin typeface="微软雅黑"/>
+              <a:latin typeface="微软雅黑" panose="020B0503020204020204" charset="-122"/>
             </a:endParaRPr>
           </a:p>
           <a:p>
@@ -14608,10 +15547,21 @@
                     <a:alpha val="0"/>
                   </a:srgbClr>
                 </a:highlight>
-                <a:latin typeface="微软雅黑"/>
+                <a:latin typeface="微软雅黑" panose="020B0503020204020204" charset="-122"/>
               </a:rPr>
               <a:t>采用从上到下的架构方法，这是一种系统性的设计流程，首先确定整体框架，然后逐步细化到每个模块和功能，确保整个设计的连贯性和一致性。</a:t>
             </a:r>
+            <a:endParaRPr sz="1575" b="0" i="0" dirty="0">
+              <a:solidFill>
+                <a:srgbClr val="FFFFFF"/>
+              </a:solidFill>
+              <a:highlight>
+                <a:srgbClr val="FFFFFF">
+                  <a:alpha val="0"/>
+                </a:srgbClr>
+              </a:highlight>
+              <a:latin typeface="微软雅黑" panose="020B0503020204020204" charset="-122"/>
+            </a:endParaRPr>
           </a:p>
         </p:txBody>
       </p:sp>
@@ -14667,17 +15617,17 @@
                     <a:alpha val="0"/>
                   </a:srgbClr>
                 </a:highlight>
-                <a:latin typeface="微软雅黑"/>
+                <a:latin typeface="微软雅黑" panose="020B0503020204020204" charset="-122"/>
               </a:rPr>
               <a:t>组织机制</a:t>
             </a:r>
             <a:br>
               <a:rPr sz="1800" dirty="0">
-                <a:latin typeface="微软雅黑"/>
+                <a:latin typeface="微软雅黑" panose="020B0503020204020204" charset="-122"/>
               </a:rPr>
             </a:br>
             <a:endParaRPr sz="1800" dirty="0">
-              <a:latin typeface="微软雅黑"/>
+              <a:latin typeface="微软雅黑" panose="020B0503020204020204" charset="-122"/>
             </a:endParaRPr>
           </a:p>
           <a:p>
@@ -14696,10 +15646,21 @@
                     <a:alpha val="0"/>
                   </a:srgbClr>
                 </a:highlight>
-                <a:latin typeface="微软雅黑"/>
+                <a:latin typeface="微软雅黑" panose="020B0503020204020204" charset="-122"/>
               </a:rPr>
               <a:t>结合了线性结构、层次结构和矩阵结构，这三种结构各有特点，线性结构简化了添加博文的流程，层次结构明确了队伍和队伍成员的关系，而矩阵结构则提供了按队名搜索队伍的功能，增强了系统的灵活性和功能性。</a:t>
             </a:r>
+            <a:endParaRPr sz="1575" b="0" i="0" dirty="0">
+              <a:solidFill>
+                <a:srgbClr val="FFFFFF"/>
+              </a:solidFill>
+              <a:highlight>
+                <a:srgbClr val="FFFFFF">
+                  <a:alpha val="0"/>
+                </a:srgbClr>
+              </a:highlight>
+              <a:latin typeface="微软雅黑" panose="020B0503020204020204" charset="-122"/>
+            </a:endParaRPr>
           </a:p>
         </p:txBody>
       </p:sp>
@@ -14755,17 +15716,17 @@
                     <a:alpha val="0"/>
                   </a:srgbClr>
                 </a:highlight>
-                <a:latin typeface="微软雅黑"/>
+                <a:latin typeface="微软雅黑" panose="020B0503020204020204" charset="-122"/>
               </a:rPr>
               <a:t>导航与搜索机制</a:t>
             </a:r>
             <a:br>
               <a:rPr sz="1800" dirty="0">
-                <a:latin typeface="微软雅黑"/>
+                <a:latin typeface="微软雅黑" panose="020B0503020204020204" charset="-122"/>
               </a:rPr>
             </a:br>
             <a:endParaRPr sz="1800" dirty="0">
-              <a:latin typeface="微软雅黑"/>
+              <a:latin typeface="微软雅黑" panose="020B0503020204020204" charset="-122"/>
             </a:endParaRPr>
           </a:p>
           <a:p>
@@ -14784,10 +15745,21 @@
                     <a:alpha val="0"/>
                   </a:srgbClr>
                 </a:highlight>
-                <a:latin typeface="微软雅黑"/>
+                <a:latin typeface="微软雅黑" panose="020B0503020204020204" charset="-122"/>
               </a:rPr>
               <a:t>主要采用底部导航，包括主页、队伍、添加博文、消息和个人等选项，方便用户快速切换；同时在主页和队伍页面提供搜索功能，可以匹配用户，通过用户名或标签进行搜索，提高用户的使用效率。</a:t>
             </a:r>
+            <a:endParaRPr sz="1575" b="0" i="0" dirty="0">
+              <a:solidFill>
+                <a:srgbClr val="FFFFFF"/>
+              </a:solidFill>
+              <a:highlight>
+                <a:srgbClr val="FFFFFF">
+                  <a:alpha val="0"/>
+                </a:srgbClr>
+              </a:highlight>
+              <a:latin typeface="微软雅黑" panose="020B0503020204020204" charset="-122"/>
+            </a:endParaRPr>
           </a:p>
         </p:txBody>
       </p:sp>
@@ -14806,7 +15778,7 @@
     <p:bg>
       <p:bgPr>
         <a:blipFill dpi="0">
-          <a:blip r:embed="rId3"/>
+          <a:blip r:embed="rId1"/>
           <a:srcRect/>
           <a:stretch>
             <a:fillRect/>
@@ -14836,7 +15808,7 @@
           <p:nvPr/>
         </p:nvPicPr>
         <p:blipFill>
-          <a:blip r:embed="rId4"/>
+          <a:blip r:embed="rId2"/>
           <a:srcRect/>
           <a:stretch>
             <a:fillRect/>
@@ -14911,10 +15883,21 @@
                     <a:alpha val="0"/>
                   </a:srgbClr>
                 </a:highlight>
-                <a:latin typeface="微软雅黑"/>
+                <a:latin typeface="微软雅黑" panose="020B0503020204020204" charset="-122"/>
               </a:rPr>
               <a:t>功能设计</a:t>
             </a:r>
+            <a:endParaRPr sz="3000" b="1" i="0">
+              <a:solidFill>
+                <a:srgbClr val="FFFFFF"/>
+              </a:solidFill>
+              <a:highlight>
+                <a:srgbClr val="FFFFFF">
+                  <a:alpha val="0"/>
+                </a:srgbClr>
+              </a:highlight>
+              <a:latin typeface="微软雅黑" panose="020B0503020204020204" charset="-122"/>
+            </a:endParaRPr>
           </a:p>
         </p:txBody>
       </p:sp>
@@ -14967,11 +15950,11 @@
           <a:p>
             <a:br>
               <a:rPr sz="1800">
-                <a:latin typeface="微软雅黑"/>
+                <a:latin typeface="微软雅黑" panose="020B0503020204020204" charset="-122"/>
               </a:rPr>
             </a:br>
             <a:endParaRPr sz="1800">
-              <a:latin typeface="微软雅黑"/>
+              <a:latin typeface="微软雅黑" panose="020B0503020204020204" charset="-122"/>
             </a:endParaRPr>
           </a:p>
           <a:p>
@@ -14986,17 +15969,17 @@
                     <a:alpha val="0"/>
                   </a:srgbClr>
                 </a:highlight>
-                <a:latin typeface="微软雅黑"/>
+                <a:latin typeface="微软雅黑" panose="020B0503020204020204" charset="-122"/>
               </a:rPr>
               <a:t>用户注册和登录</a:t>
             </a:r>
             <a:br>
               <a:rPr sz="1800">
-                <a:latin typeface="微软雅黑"/>
+                <a:latin typeface="微软雅黑" panose="020B0503020204020204" charset="-122"/>
               </a:rPr>
             </a:br>
             <a:endParaRPr sz="1800">
-              <a:latin typeface="微软雅黑"/>
+              <a:latin typeface="微软雅黑" panose="020B0503020204020204" charset="-122"/>
             </a:endParaRPr>
           </a:p>
           <a:p>
@@ -15015,17 +15998,17 @@
                     <a:alpha val="0"/>
                   </a:srgbClr>
                 </a:highlight>
-                <a:latin typeface="微软雅黑"/>
+                <a:latin typeface="微软雅黑" panose="020B0503020204020204" charset="-122"/>
               </a:rPr>
               <a:t>该功能允许用户通过创建一个个人账号来访问网站，确保每个用户能拥有一个个人空间。在成功登录后，用户可以享受所有提供的服务，如发布帖文、组队等。</a:t>
             </a:r>
             <a:br>
               <a:rPr sz="1800">
-                <a:latin typeface="微软雅黑"/>
+                <a:latin typeface="微软雅黑" panose="020B0503020204020204" charset="-122"/>
               </a:rPr>
             </a:br>
             <a:endParaRPr sz="1800">
-              <a:latin typeface="微软雅黑"/>
+              <a:latin typeface="微软雅黑" panose="020B0503020204020204" charset="-122"/>
             </a:endParaRPr>
           </a:p>
         </p:txBody>
@@ -15079,11 +16062,11 @@
           <a:p>
             <a:br>
               <a:rPr sz="1800" dirty="0">
-                <a:latin typeface="微软雅黑"/>
+                <a:latin typeface="微软雅黑" panose="020B0503020204020204" charset="-122"/>
               </a:rPr>
             </a:br>
             <a:endParaRPr sz="1800" dirty="0">
-              <a:latin typeface="微软雅黑"/>
+              <a:latin typeface="微软雅黑" panose="020B0503020204020204" charset="-122"/>
             </a:endParaRPr>
           </a:p>
           <a:p>
@@ -15098,17 +16081,17 @@
                     <a:alpha val="0"/>
                   </a:srgbClr>
                 </a:highlight>
-                <a:latin typeface="微软雅黑"/>
+                <a:latin typeface="微软雅黑" panose="020B0503020204020204" charset="-122"/>
               </a:rPr>
               <a:t>标签匹配</a:t>
             </a:r>
             <a:br>
               <a:rPr sz="1800" dirty="0">
-                <a:latin typeface="微软雅黑"/>
+                <a:latin typeface="微软雅黑" panose="020B0503020204020204" charset="-122"/>
               </a:rPr>
             </a:br>
             <a:endParaRPr sz="1800" dirty="0">
-              <a:latin typeface="微软雅黑"/>
+              <a:latin typeface="微软雅黑" panose="020B0503020204020204" charset="-122"/>
             </a:endParaRPr>
           </a:p>
           <a:p>
@@ -15127,7 +16110,7 @@
                     <a:alpha val="0"/>
                   </a:srgbClr>
                 </a:highlight>
-                <a:latin typeface="微软雅黑"/>
+                <a:latin typeface="微软雅黑" panose="020B0503020204020204" charset="-122"/>
               </a:rPr>
               <a:t>用户可以选择与自己技能或需求相符的标签，系统将根据这些标签为用户匹配最适合的队友，从而帮助用户找到最符合自己需求的伙伴</a:t>
             </a:r>
@@ -15141,17 +16124,17 @@
                     <a:alpha val="0"/>
                   </a:srgbClr>
                 </a:highlight>
-                <a:latin typeface="微软雅黑"/>
+                <a:latin typeface="微软雅黑" panose="020B0503020204020204" charset="-122"/>
               </a:rPr>
               <a:t>。</a:t>
             </a:r>
             <a:br>
               <a:rPr sz="1800" dirty="0">
-                <a:latin typeface="微软雅黑"/>
+                <a:latin typeface="微软雅黑" panose="020B0503020204020204" charset="-122"/>
               </a:rPr>
             </a:br>
             <a:endParaRPr sz="1800" dirty="0">
-              <a:latin typeface="微软雅黑"/>
+              <a:latin typeface="微软雅黑" panose="020B0503020204020204" charset="-122"/>
             </a:endParaRPr>
           </a:p>
         </p:txBody>
@@ -15205,11 +16188,11 @@
           <a:p>
             <a:br>
               <a:rPr sz="1800">
-                <a:latin typeface="微软雅黑"/>
+                <a:latin typeface="微软雅黑" panose="020B0503020204020204" charset="-122"/>
               </a:rPr>
             </a:br>
             <a:endParaRPr sz="1800">
-              <a:latin typeface="微软雅黑"/>
+              <a:latin typeface="微软雅黑" panose="020B0503020204020204" charset="-122"/>
             </a:endParaRPr>
           </a:p>
           <a:p>
@@ -15224,17 +16207,17 @@
                     <a:alpha val="0"/>
                   </a:srgbClr>
                 </a:highlight>
-                <a:latin typeface="微软雅黑"/>
+                <a:latin typeface="微软雅黑" panose="020B0503020204020204" charset="-122"/>
               </a:rPr>
               <a:t>组队功能</a:t>
             </a:r>
             <a:br>
               <a:rPr sz="1800">
-                <a:latin typeface="微软雅黑"/>
+                <a:latin typeface="微软雅黑" panose="020B0503020204020204" charset="-122"/>
               </a:rPr>
             </a:br>
             <a:endParaRPr sz="1800">
-              <a:latin typeface="微软雅黑"/>
+              <a:latin typeface="微软雅黑" panose="020B0503020204020204" charset="-122"/>
             </a:endParaRPr>
           </a:p>
           <a:p>
@@ -15253,17 +16236,17 @@
                     <a:alpha val="0"/>
                   </a:srgbClr>
                 </a:highlight>
-                <a:latin typeface="微软雅黑"/>
+                <a:latin typeface="微软雅黑" panose="020B0503020204020204" charset="-122"/>
               </a:rPr>
               <a:t>用户可以通过组队功能与其他用户创建队伍，一起参与各种编程比赛。这不仅可以提高比赛效率，还可以增强团队协作能力，提升用户体验。</a:t>
             </a:r>
             <a:br>
               <a:rPr sz="1800">
-                <a:latin typeface="微软雅黑"/>
+                <a:latin typeface="微软雅黑" panose="020B0503020204020204" charset="-122"/>
               </a:rPr>
             </a:br>
             <a:endParaRPr sz="1800">
-              <a:latin typeface="微软雅黑"/>
+              <a:latin typeface="微软雅黑" panose="020B0503020204020204" charset="-122"/>
             </a:endParaRPr>
           </a:p>
         </p:txBody>
@@ -15283,7 +16266,7 @@
     <p:bg>
       <p:bgPr>
         <a:blipFill dpi="0">
-          <a:blip r:embed="rId3"/>
+          <a:blip r:embed="rId1"/>
           <a:srcRect/>
           <a:stretch>
             <a:fillRect/>
@@ -15362,10 +16345,21 @@
                     <a:alpha val="0"/>
                   </a:srgbClr>
                 </a:highlight>
-                <a:latin typeface="微软雅黑"/>
+                <a:latin typeface="微软雅黑" panose="020B0503020204020204" charset="-122"/>
               </a:rPr>
               <a:t>谢 谢 大 家</a:t>
             </a:r>
+            <a:endParaRPr sz="4800" b="1" i="0">
+              <a:solidFill>
+                <a:srgbClr val="FFFFFF"/>
+              </a:solidFill>
+              <a:highlight>
+                <a:srgbClr val="FFFFFF">
+                  <a:alpha val="0"/>
+                </a:srgbClr>
+              </a:highlight>
+              <a:latin typeface="微软雅黑" panose="020B0503020204020204" charset="-122"/>
+            </a:endParaRPr>
           </a:p>
         </p:txBody>
       </p:sp>
@@ -15384,7 +16378,7 @@
     <p:bg>
       <p:bgPr>
         <a:blipFill dpi="0">
-          <a:blip r:embed="rId3"/>
+          <a:blip r:embed="rId1"/>
           <a:srcRect/>
           <a:stretch>
             <a:fillRect/>
@@ -15414,7 +16408,7 @@
           <p:nvPr/>
         </p:nvPicPr>
         <p:blipFill>
-          <a:blip r:embed="rId4"/>
+          <a:blip r:embed="rId2"/>
           <a:srcRect/>
           <a:stretch>
             <a:fillRect/>
@@ -15489,10 +16483,21 @@
                     <a:alpha val="0"/>
                   </a:srgbClr>
                 </a:highlight>
-                <a:latin typeface="微软雅黑"/>
+                <a:latin typeface="微软雅黑" panose="020B0503020204020204" charset="-122"/>
               </a:rPr>
               <a:t>社交媒体发展背景</a:t>
             </a:r>
+            <a:endParaRPr sz="3000" b="1" i="0">
+              <a:solidFill>
+                <a:srgbClr val="FFFFFF"/>
+              </a:solidFill>
+              <a:highlight>
+                <a:srgbClr val="FFFFFF">
+                  <a:alpha val="0"/>
+                </a:srgbClr>
+              </a:highlight>
+              <a:latin typeface="微软雅黑" panose="020B0503020204020204" charset="-122"/>
+            </a:endParaRPr>
           </a:p>
         </p:txBody>
       </p:sp>
@@ -15548,10 +16553,21 @@
                     <a:alpha val="0"/>
                   </a:srgbClr>
                 </a:highlight>
-                <a:latin typeface="微软雅黑"/>
+                <a:latin typeface="微软雅黑" panose="020B0503020204020204" charset="-122"/>
               </a:rPr>
               <a:t>社交媒体的诞生</a:t>
             </a:r>
+            <a:endParaRPr sz="2100" b="1" i="0">
+              <a:solidFill>
+                <a:srgbClr val="FFD8AE"/>
+              </a:solidFill>
+              <a:highlight>
+                <a:srgbClr val="FFFFFF">
+                  <a:alpha val="0"/>
+                </a:srgbClr>
+              </a:highlight>
+              <a:latin typeface="微软雅黑" panose="020B0503020204020204" charset="-122"/>
+            </a:endParaRPr>
           </a:p>
           <a:p>
             <a:pPr algn="l">
@@ -15569,10 +16585,21 @@
                     <a:alpha val="0"/>
                   </a:srgbClr>
                 </a:highlight>
-                <a:latin typeface="微软雅黑"/>
+                <a:latin typeface="微软雅黑" panose="020B0503020204020204" charset="-122"/>
               </a:rPr>
               <a:t>社交媒体的出现标志着网络交流的新纪元，它起始于21世纪初的网络平台，如Friendster和MySpace，它们开启了人们在线互动分享的全新方式。</a:t>
             </a:r>
+            <a:endParaRPr sz="1575" b="0" i="0">
+              <a:solidFill>
+                <a:srgbClr val="FFFFFF"/>
+              </a:solidFill>
+              <a:highlight>
+                <a:srgbClr val="FFFFFF">
+                  <a:alpha val="0"/>
+                </a:srgbClr>
+              </a:highlight>
+              <a:latin typeface="微软雅黑" panose="020B0503020204020204" charset="-122"/>
+            </a:endParaRPr>
           </a:p>
         </p:txBody>
       </p:sp>
@@ -15628,10 +16655,21 @@
                     <a:alpha val="0"/>
                   </a:srgbClr>
                 </a:highlight>
-                <a:latin typeface="微软雅黑"/>
+                <a:latin typeface="微软雅黑" panose="020B0503020204020204" charset="-122"/>
               </a:rPr>
               <a:t>移动互联的推动力</a:t>
             </a:r>
+            <a:endParaRPr sz="2100" b="1" i="0">
+              <a:solidFill>
+                <a:srgbClr val="FFD8AE"/>
+              </a:solidFill>
+              <a:highlight>
+                <a:srgbClr val="FFFFFF">
+                  <a:alpha val="0"/>
+                </a:srgbClr>
+              </a:highlight>
+              <a:latin typeface="微软雅黑" panose="020B0503020204020204" charset="-122"/>
+            </a:endParaRPr>
           </a:p>
           <a:p>
             <a:pPr algn="r">
@@ -15649,10 +16687,21 @@
                     <a:alpha val="0"/>
                   </a:srgbClr>
                 </a:highlight>
-                <a:latin typeface="微软雅黑"/>
+                <a:latin typeface="微软雅黑" panose="020B0503020204020204" charset="-122"/>
               </a:rPr>
               <a:t>智能手机的普及和移动互联网技术的发展极大地推动了社交媒体的增长，使人们能随时随地访问社交网络，加速了信息的传播速度和范围。</a:t>
             </a:r>
+            <a:endParaRPr sz="1575" b="0" i="0">
+              <a:solidFill>
+                <a:srgbClr val="FFFFFF"/>
+              </a:solidFill>
+              <a:highlight>
+                <a:srgbClr val="FFFFFF">
+                  <a:alpha val="0"/>
+                </a:srgbClr>
+              </a:highlight>
+              <a:latin typeface="微软雅黑" panose="020B0503020204020204" charset="-122"/>
+            </a:endParaRPr>
           </a:p>
         </p:txBody>
       </p:sp>
@@ -15708,10 +16757,21 @@
                     <a:alpha val="0"/>
                   </a:srgbClr>
                 </a:highlight>
-                <a:latin typeface="微软雅黑"/>
+                <a:latin typeface="微软雅黑" panose="020B0503020204020204" charset="-122"/>
               </a:rPr>
               <a:t>社交媒体的商业化进程</a:t>
             </a:r>
+            <a:endParaRPr sz="2100" b="1" i="0">
+              <a:solidFill>
+                <a:srgbClr val="FFD8AE"/>
+              </a:solidFill>
+              <a:highlight>
+                <a:srgbClr val="FFFFFF">
+                  <a:alpha val="0"/>
+                </a:srgbClr>
+              </a:highlight>
+              <a:latin typeface="微软雅黑" panose="020B0503020204020204" charset="-122"/>
+            </a:endParaRPr>
           </a:p>
           <a:p>
             <a:pPr algn="l">
@@ -15729,10 +16789,21 @@
                     <a:alpha val="0"/>
                   </a:srgbClr>
                 </a:highlight>
-                <a:latin typeface="微软雅黑"/>
+                <a:latin typeface="微软雅黑" panose="020B0503020204020204" charset="-122"/>
               </a:rPr>
               <a:t>随着用户基数的扩大，社交媒体开始商业化运作，通过广告、数据分析等手段为企业提供价值，同时改变了传统的广告和市场营销策略。</a:t>
             </a:r>
+            <a:endParaRPr sz="1575" b="0" i="0">
+              <a:solidFill>
+                <a:srgbClr val="FFFFFF"/>
+              </a:solidFill>
+              <a:highlight>
+                <a:srgbClr val="FFFFFF">
+                  <a:alpha val="0"/>
+                </a:srgbClr>
+              </a:highlight>
+              <a:latin typeface="微软雅黑" panose="020B0503020204020204" charset="-122"/>
+            </a:endParaRPr>
           </a:p>
         </p:txBody>
       </p:sp>
@@ -15880,6 +16951,11 @@
               </a:rPr>
               <a:t>1</a:t>
             </a:r>
+            <a:endParaRPr lang="en-US">
+              <a:solidFill>
+                <a:srgbClr val="FFFFFF"/>
+              </a:solidFill>
+            </a:endParaRPr>
           </a:p>
         </p:txBody>
       </p:sp>
@@ -16027,6 +17103,11 @@
               </a:rPr>
               <a:t>2</a:t>
             </a:r>
+            <a:endParaRPr lang="en-US">
+              <a:solidFill>
+                <a:srgbClr val="FFFFFF"/>
+              </a:solidFill>
+            </a:endParaRPr>
           </a:p>
         </p:txBody>
       </p:sp>
@@ -16174,6 +17255,11 @@
               </a:rPr>
               <a:t>3</a:t>
             </a:r>
+            <a:endParaRPr lang="en-US">
+              <a:solidFill>
+                <a:srgbClr val="FFFFFF"/>
+              </a:solidFill>
+            </a:endParaRPr>
           </a:p>
         </p:txBody>
       </p:sp>
@@ -16192,7 +17278,7 @@
     <p:bg>
       <p:bgPr>
         <a:blipFill dpi="0">
-          <a:blip r:embed="rId3"/>
+          <a:blip r:embed="rId1"/>
           <a:srcRect/>
           <a:stretch>
             <a:fillRect/>
@@ -16222,7 +17308,7 @@
           <p:nvPr/>
         </p:nvPicPr>
         <p:blipFill>
-          <a:blip r:embed="rId4"/>
+          <a:blip r:embed="rId2"/>
           <a:srcRect/>
           <a:stretch>
             <a:fillRect/>
@@ -16297,10 +17383,21 @@
                     <a:alpha val="0"/>
                   </a:srgbClr>
                 </a:highlight>
-                <a:latin typeface="微软雅黑"/>
+                <a:latin typeface="微软雅黑" panose="020B0503020204020204" charset="-122"/>
               </a:rPr>
               <a:t>“找搭子”社交模式介绍</a:t>
             </a:r>
+            <a:endParaRPr sz="3000" b="1" i="0">
+              <a:solidFill>
+                <a:srgbClr val="FFFFFF"/>
+              </a:solidFill>
+              <a:highlight>
+                <a:srgbClr val="FFFFFF">
+                  <a:alpha val="0"/>
+                </a:srgbClr>
+              </a:highlight>
+              <a:latin typeface="微软雅黑" panose="020B0503020204020204" charset="-122"/>
+            </a:endParaRPr>
           </a:p>
         </p:txBody>
       </p:sp>
@@ -16360,10 +17457,21 @@
                     <a:alpha val="0"/>
                   </a:srgbClr>
                 </a:highlight>
-                <a:latin typeface="微软雅黑"/>
+                <a:latin typeface="微软雅黑" panose="020B0503020204020204" charset="-122"/>
               </a:rPr>
               <a:t>"找搭子"是一种新兴的社交模式，主要在中国年轻群体中流行。它基于特定共同兴趣或活动需求来寻找临时伙伴，强调共享乐趣和陪伴。</a:t>
             </a:r>
+            <a:endParaRPr sz="1575" b="0" i="0">
+              <a:solidFill>
+                <a:srgbClr val="FFFFFF"/>
+              </a:solidFill>
+              <a:highlight>
+                <a:srgbClr val="FFFFFF">
+                  <a:alpha val="0"/>
+                </a:srgbClr>
+              </a:highlight>
+              <a:latin typeface="微软雅黑" panose="020B0503020204020204" charset="-122"/>
+            </a:endParaRPr>
           </a:p>
         </p:txBody>
       </p:sp>
@@ -16429,10 +17537,21 @@
                     <a:alpha val="0"/>
                   </a:srgbClr>
                 </a:highlight>
-                <a:latin typeface="微软雅黑"/>
+                <a:latin typeface="微软雅黑" panose="020B0503020204020204" charset="-122"/>
               </a:rPr>
               <a:t>什么是"找搭子"社交模式</a:t>
             </a:r>
+            <a:endParaRPr sz="2100" b="1" i="0">
+              <a:solidFill>
+                <a:srgbClr val="FFD8AE"/>
+              </a:solidFill>
+              <a:highlight>
+                <a:srgbClr val="FFFFFF">
+                  <a:alpha val="0"/>
+                </a:srgbClr>
+              </a:highlight>
+              <a:latin typeface="微软雅黑" panose="020B0503020204020204" charset="-122"/>
+            </a:endParaRPr>
           </a:p>
         </p:txBody>
       </p:sp>
@@ -16492,7 +17611,7 @@
                     <a:alpha val="0"/>
                   </a:srgbClr>
                 </a:highlight>
-                <a:latin typeface="微软雅黑"/>
+                <a:latin typeface="微软雅黑" panose="020B0503020204020204" charset="-122"/>
               </a:rPr>
               <a:t>"</a:t>
             </a:r>
@@ -16506,7 +17625,7 @@
                     <a:alpha val="0"/>
                   </a:srgbClr>
                 </a:highlight>
-                <a:latin typeface="微软雅黑"/>
+                <a:latin typeface="微软雅黑" panose="020B0503020204020204" charset="-122"/>
               </a:rPr>
               <a:t>找搭子"可以应用于多种场合，如观看同一部电影、旅游、学习、共享美食、玩游戏或阅读等，满足不同人群的社交需求</a:t>
             </a:r>
@@ -16520,10 +17639,21 @@
                     <a:alpha val="0"/>
                   </a:srgbClr>
                 </a:highlight>
-                <a:latin typeface="微软雅黑"/>
+                <a:latin typeface="微软雅黑" panose="020B0503020204020204" charset="-122"/>
               </a:rPr>
               <a:t>。</a:t>
             </a:r>
+            <a:endParaRPr sz="1575" b="0" i="0" dirty="0">
+              <a:solidFill>
+                <a:srgbClr val="FFFFFF"/>
+              </a:solidFill>
+              <a:highlight>
+                <a:srgbClr val="FFFFFF">
+                  <a:alpha val="0"/>
+                </a:srgbClr>
+              </a:highlight>
+              <a:latin typeface="微软雅黑" panose="020B0503020204020204" charset="-122"/>
+            </a:endParaRPr>
           </a:p>
         </p:txBody>
       </p:sp>
@@ -16589,10 +17719,21 @@
                     <a:alpha val="0"/>
                   </a:srgbClr>
                 </a:highlight>
-                <a:latin typeface="微软雅黑"/>
+                <a:latin typeface="微软雅黑" panose="020B0503020204020204" charset="-122"/>
               </a:rPr>
               <a:t>"找搭子"的主要应用场景</a:t>
             </a:r>
+            <a:endParaRPr sz="2100" b="1" i="0">
+              <a:solidFill>
+                <a:srgbClr val="FFD8AE"/>
+              </a:solidFill>
+              <a:highlight>
+                <a:srgbClr val="FFFFFF">
+                  <a:alpha val="0"/>
+                </a:srgbClr>
+              </a:highlight>
+              <a:latin typeface="微软雅黑" panose="020B0503020204020204" charset="-122"/>
+            </a:endParaRPr>
           </a:p>
         </p:txBody>
       </p:sp>
@@ -16652,10 +17793,21 @@
                     <a:alpha val="0"/>
                   </a:srgbClr>
                 </a:highlight>
-                <a:latin typeface="微软雅黑"/>
+                <a:latin typeface="微软雅黑" panose="020B0503020204020204" charset="-122"/>
               </a:rPr>
               <a:t>大学生面临着丰富多彩的校园生活和学习任务，有着强烈的寻找志同道合伙伴的需求，而现有的社交平台往往难以满足这种需求，因此"找搭子"具有广阔的市场前景。</a:t>
             </a:r>
+            <a:endParaRPr sz="1575" b="0" i="0">
+              <a:solidFill>
+                <a:srgbClr val="FFFFFF"/>
+              </a:solidFill>
+              <a:highlight>
+                <a:srgbClr val="FFFFFF">
+                  <a:alpha val="0"/>
+                </a:srgbClr>
+              </a:highlight>
+              <a:latin typeface="微软雅黑" panose="020B0503020204020204" charset="-122"/>
+            </a:endParaRPr>
           </a:p>
         </p:txBody>
       </p:sp>
@@ -16721,10 +17873,21 @@
                     <a:alpha val="0"/>
                   </a:srgbClr>
                 </a:highlight>
-                <a:latin typeface="微软雅黑"/>
+                <a:latin typeface="微软雅黑" panose="020B0503020204020204" charset="-122"/>
               </a:rPr>
               <a:t>大学生对"找搭子"的需求</a:t>
             </a:r>
+            <a:endParaRPr sz="2100" b="1" i="0">
+              <a:solidFill>
+                <a:srgbClr val="FFD8AE"/>
+              </a:solidFill>
+              <a:highlight>
+                <a:srgbClr val="FFFFFF">
+                  <a:alpha val="0"/>
+                </a:srgbClr>
+              </a:highlight>
+              <a:latin typeface="微软雅黑" panose="020B0503020204020204" charset="-122"/>
+            </a:endParaRPr>
           </a:p>
         </p:txBody>
       </p:sp>
@@ -16743,7 +17906,7 @@
     <p:bg>
       <p:bgPr>
         <a:blipFill dpi="0">
-          <a:blip r:embed="rId3"/>
+          <a:blip r:embed="rId1"/>
           <a:srcRect/>
           <a:stretch>
             <a:fillRect/>
@@ -16773,7 +17936,7 @@
           <p:nvPr/>
         </p:nvPicPr>
         <p:blipFill>
-          <a:blip r:embed="rId4"/>
+          <a:blip r:embed="rId2"/>
           <a:srcRect/>
           <a:stretch>
             <a:fillRect/>
@@ -16848,8 +18011,8 @@
                     <a:alpha val="0"/>
                   </a:srgbClr>
                 </a:highlight>
-                <a:latin typeface="微软雅黑" panose="020B0503020204020204" pitchFamily="34" charset="-122"/>
-                <a:ea typeface="微软雅黑" panose="020B0503020204020204" pitchFamily="34" charset="-122"/>
+                <a:latin typeface="微软雅黑" panose="020B0503020204020204" charset="-122"/>
+                <a:ea typeface="微软雅黑" panose="020B0503020204020204" charset="-122"/>
               </a:rPr>
               <a:t>项目目标</a:t>
             </a:r>
@@ -16862,21 +18025,15 @@
                   <a:alpha val="0"/>
                 </a:srgbClr>
               </a:highlight>
-              <a:latin typeface="微软雅黑" panose="020B0503020204020204" pitchFamily="34" charset="-122"/>
-              <a:ea typeface="微软雅黑" panose="020B0503020204020204" pitchFamily="34" charset="-122"/>
+              <a:latin typeface="微软雅黑" panose="020B0503020204020204" charset="-122"/>
+              <a:ea typeface="微软雅黑" panose="020B0503020204020204" charset="-122"/>
             </a:endParaRPr>
           </a:p>
         </p:txBody>
       </p:sp>
       <p:sp>
         <p:nvSpPr>
-          <p:cNvPr id="10" name="文本框 9">
-            <a:extLst>
-              <a:ext uri="{FF2B5EF4-FFF2-40B4-BE49-F238E27FC236}">
-                <a16:creationId xmlns:a16="http://schemas.microsoft.com/office/drawing/2014/main" id="{D4649C0C-6043-9F3D-D7A5-10EA11EDA627}"/>
-              </a:ext>
-            </a:extLst>
-          </p:cNvPr>
+          <p:cNvPr id="10" name="文本框 9"/>
           <p:cNvSpPr txBox="1"/>
           <p:nvPr/>
         </p:nvSpPr>
@@ -16901,8 +18058,8 @@
                 <a:solidFill>
                   <a:schemeClr val="bg1"/>
                 </a:solidFill>
-                <a:latin typeface="微软雅黑" panose="020B0503020204020204" pitchFamily="34" charset="-122"/>
-                <a:ea typeface="微软雅黑" panose="020B0503020204020204" pitchFamily="34" charset="-122"/>
+                <a:latin typeface="微软雅黑" panose="020B0503020204020204" charset="-122"/>
+                <a:ea typeface="微软雅黑" panose="020B0503020204020204" charset="-122"/>
               </a:rPr>
               <a:t>“</a:t>
             </a:r>
@@ -16911,8 +18068,8 @@
                 <a:solidFill>
                   <a:schemeClr val="bg1"/>
                 </a:solidFill>
-                <a:latin typeface="微软雅黑" panose="020B0503020204020204" pitchFamily="34" charset="-122"/>
-                <a:ea typeface="微软雅黑" panose="020B0503020204020204" pitchFamily="34" charset="-122"/>
+                <a:latin typeface="微软雅黑" panose="020B0503020204020204" charset="-122"/>
+                <a:ea typeface="微软雅黑" panose="020B0503020204020204" charset="-122"/>
               </a:rPr>
               <a:t>XD</a:t>
             </a:r>
@@ -16921,23 +18078,24 @@
                 <a:solidFill>
                   <a:schemeClr val="bg1"/>
                 </a:solidFill>
-                <a:latin typeface="微软雅黑" panose="020B0503020204020204" pitchFamily="34" charset="-122"/>
-                <a:ea typeface="微软雅黑" panose="020B0503020204020204" pitchFamily="34" charset="-122"/>
+                <a:latin typeface="微软雅黑" panose="020B0503020204020204" charset="-122"/>
+                <a:ea typeface="微软雅黑" panose="020B0503020204020204" charset="-122"/>
               </a:rPr>
               <a:t>嘻搭”项目旨在打造一个专为大学生设计的创新社交平台，满足他们在各个领域寻找“搭子”的需求。通过精准匹配、组队功能、社区互动和实时沟通等核心功能，我们期望帮助大学生轻松找到志同道合的伙伴，共享丰富多彩的校园生活，促进彼此之间的深度交流与合作。</a:t>
             </a:r>
-          </a:p>
-        </p:txBody>
-      </p:sp>
-      <p:sp>
-        <p:nvSpPr>
-          <p:cNvPr id="11" name="文本框 10">
-            <a:extLst>
-              <a:ext uri="{FF2B5EF4-FFF2-40B4-BE49-F238E27FC236}">
-                <a16:creationId xmlns:a16="http://schemas.microsoft.com/office/drawing/2014/main" id="{AD71FC60-F1F7-968A-542C-2B6D4AC639AB}"/>
-              </a:ext>
-            </a:extLst>
-          </p:cNvPr>
+            <a:endParaRPr lang="zh-CN" altLang="en-US" sz="2000" dirty="0">
+              <a:solidFill>
+                <a:schemeClr val="bg1"/>
+              </a:solidFill>
+              <a:latin typeface="微软雅黑" panose="020B0503020204020204" charset="-122"/>
+              <a:ea typeface="微软雅黑" panose="020B0503020204020204" charset="-122"/>
+            </a:endParaRPr>
+          </a:p>
+        </p:txBody>
+      </p:sp>
+      <p:sp>
+        <p:nvSpPr>
+          <p:cNvPr id="11" name="文本框 10"/>
           <p:cNvSpPr txBox="1"/>
           <p:nvPr/>
         </p:nvSpPr>
@@ -16962,8 +18120,8 @@
                 <a:solidFill>
                   <a:schemeClr val="bg1"/>
                 </a:solidFill>
-                <a:latin typeface="微软雅黑" panose="020B0503020204020204" pitchFamily="34" charset="-122"/>
-                <a:ea typeface="微软雅黑" panose="020B0503020204020204" pitchFamily="34" charset="-122"/>
+                <a:latin typeface="微软雅黑" panose="020B0503020204020204" charset="-122"/>
+                <a:ea typeface="微软雅黑" panose="020B0503020204020204" charset="-122"/>
               </a:rPr>
               <a:t>通过实施“</a:t>
             </a:r>
@@ -16972,8 +18130,8 @@
                 <a:solidFill>
                   <a:schemeClr val="bg1"/>
                 </a:solidFill>
-                <a:latin typeface="微软雅黑" panose="020B0503020204020204" pitchFamily="34" charset="-122"/>
-                <a:ea typeface="微软雅黑" panose="020B0503020204020204" pitchFamily="34" charset="-122"/>
+                <a:latin typeface="微软雅黑" panose="020B0503020204020204" charset="-122"/>
+                <a:ea typeface="微软雅黑" panose="020B0503020204020204" charset="-122"/>
               </a:rPr>
               <a:t>XD</a:t>
             </a:r>
@@ -16982,29 +18140,36 @@
                 <a:solidFill>
                   <a:schemeClr val="bg1"/>
                 </a:solidFill>
-                <a:latin typeface="微软雅黑" panose="020B0503020204020204" pitchFamily="34" charset="-122"/>
-                <a:ea typeface="微软雅黑" panose="020B0503020204020204" pitchFamily="34" charset="-122"/>
+                <a:latin typeface="微软雅黑" panose="020B0503020204020204" charset="-122"/>
+                <a:ea typeface="微软雅黑" panose="020B0503020204020204" charset="-122"/>
               </a:rPr>
               <a:t>嘻搭”项目，我们预期将实现以下效果和影响：</a:t>
             </a:r>
-          </a:p>
-          <a:p>
             <a:endParaRPr lang="zh-CN" altLang="en-US" sz="2000" dirty="0">
               <a:solidFill>
                 <a:schemeClr val="bg1"/>
               </a:solidFill>
-              <a:latin typeface="微软雅黑" panose="020B0503020204020204" pitchFamily="34" charset="-122"/>
-              <a:ea typeface="微软雅黑" panose="020B0503020204020204" pitchFamily="34" charset="-122"/>
+              <a:latin typeface="微软雅黑" panose="020B0503020204020204" charset="-122"/>
+              <a:ea typeface="微软雅黑" panose="020B0503020204020204" charset="-122"/>
             </a:endParaRPr>
           </a:p>
           <a:p>
+            <a:endParaRPr lang="zh-CN" altLang="en-US" sz="2000" dirty="0">
+              <a:solidFill>
+                <a:schemeClr val="bg1"/>
+              </a:solidFill>
+              <a:latin typeface="微软雅黑" panose="020B0503020204020204" charset="-122"/>
+              <a:ea typeface="微软雅黑" panose="020B0503020204020204" charset="-122"/>
+            </a:endParaRPr>
+          </a:p>
+          <a:p>
             <a:r>
               <a:rPr lang="en-US" altLang="zh-CN" sz="2000" dirty="0">
                 <a:solidFill>
                   <a:schemeClr val="bg1"/>
                 </a:solidFill>
-                <a:latin typeface="微软雅黑" panose="020B0503020204020204" pitchFamily="34" charset="-122"/>
-                <a:ea typeface="微软雅黑" panose="020B0503020204020204" pitchFamily="34" charset="-122"/>
+                <a:latin typeface="微软雅黑" panose="020B0503020204020204" charset="-122"/>
+                <a:ea typeface="微软雅黑" panose="020B0503020204020204" charset="-122"/>
               </a:rPr>
               <a:t>- </a:t>
             </a:r>
@@ -17013,11 +18178,18 @@
                 <a:solidFill>
                   <a:schemeClr val="bg1"/>
                 </a:solidFill>
-                <a:latin typeface="微软雅黑" panose="020B0503020204020204" pitchFamily="34" charset="-122"/>
-                <a:ea typeface="微软雅黑" panose="020B0503020204020204" pitchFamily="34" charset="-122"/>
+                <a:latin typeface="微软雅黑" panose="020B0503020204020204" charset="-122"/>
+                <a:ea typeface="微软雅黑" panose="020B0503020204020204" charset="-122"/>
               </a:rPr>
               <a:t>显著提升大学生社交活动的效率和质量，促进校园文化的繁荣和发展。</a:t>
             </a:r>
+            <a:endParaRPr lang="zh-CN" altLang="en-US" sz="2000" dirty="0">
+              <a:solidFill>
+                <a:schemeClr val="bg1"/>
+              </a:solidFill>
+              <a:latin typeface="微软雅黑" panose="020B0503020204020204" charset="-122"/>
+              <a:ea typeface="微软雅黑" panose="020B0503020204020204" charset="-122"/>
+            </a:endParaRPr>
           </a:p>
           <a:p>
             <a:r>
@@ -17025,8 +18197,8 @@
                 <a:solidFill>
                   <a:schemeClr val="bg1"/>
                 </a:solidFill>
-                <a:latin typeface="微软雅黑" panose="020B0503020204020204" pitchFamily="34" charset="-122"/>
-                <a:ea typeface="微软雅黑" panose="020B0503020204020204" pitchFamily="34" charset="-122"/>
+                <a:latin typeface="微软雅黑" panose="020B0503020204020204" charset="-122"/>
+                <a:ea typeface="微软雅黑" panose="020B0503020204020204" charset="-122"/>
               </a:rPr>
               <a:t>- </a:t>
             </a:r>
@@ -17035,11 +18207,18 @@
                 <a:solidFill>
                   <a:schemeClr val="bg1"/>
                 </a:solidFill>
-                <a:latin typeface="微软雅黑" panose="020B0503020204020204" pitchFamily="34" charset="-122"/>
-                <a:ea typeface="微软雅黑" panose="020B0503020204020204" pitchFamily="34" charset="-122"/>
+                <a:latin typeface="微软雅黑" panose="020B0503020204020204" charset="-122"/>
+                <a:ea typeface="微软雅黑" panose="020B0503020204020204" charset="-122"/>
               </a:rPr>
               <a:t>增强大学生之间的凝聚力与归属感，提升校园生活的幸福感和满意度。</a:t>
             </a:r>
+            <a:endParaRPr lang="zh-CN" altLang="en-US" sz="2000" dirty="0">
+              <a:solidFill>
+                <a:schemeClr val="bg1"/>
+              </a:solidFill>
+              <a:latin typeface="微软雅黑" panose="020B0503020204020204" charset="-122"/>
+              <a:ea typeface="微软雅黑" panose="020B0503020204020204" charset="-122"/>
+            </a:endParaRPr>
           </a:p>
           <a:p>
             <a:r>
@@ -17047,8 +18226,8 @@
                 <a:solidFill>
                   <a:schemeClr val="bg1"/>
                 </a:solidFill>
-                <a:latin typeface="微软雅黑" panose="020B0503020204020204" pitchFamily="34" charset="-122"/>
-                <a:ea typeface="微软雅黑" panose="020B0503020204020204" pitchFamily="34" charset="-122"/>
+                <a:latin typeface="微软雅黑" panose="020B0503020204020204" charset="-122"/>
+                <a:ea typeface="微软雅黑" panose="020B0503020204020204" charset="-122"/>
               </a:rPr>
               <a:t>- </a:t>
             </a:r>
@@ -17057,11 +18236,18 @@
                 <a:solidFill>
                   <a:schemeClr val="bg1"/>
                 </a:solidFill>
-                <a:latin typeface="微软雅黑" panose="020B0503020204020204" pitchFamily="34" charset="-122"/>
-                <a:ea typeface="微软雅黑" panose="020B0503020204020204" pitchFamily="34" charset="-122"/>
+                <a:latin typeface="微软雅黑" panose="020B0503020204020204" charset="-122"/>
+                <a:ea typeface="微软雅黑" panose="020B0503020204020204" charset="-122"/>
               </a:rPr>
               <a:t>为大学生提供更多样化、个性化的社交体验，满足其多元化需求。</a:t>
             </a:r>
+            <a:endParaRPr lang="zh-CN" altLang="en-US" sz="2000" dirty="0">
+              <a:solidFill>
+                <a:schemeClr val="bg1"/>
+              </a:solidFill>
+              <a:latin typeface="微软雅黑" panose="020B0503020204020204" charset="-122"/>
+              <a:ea typeface="微软雅黑" panose="020B0503020204020204" charset="-122"/>
+            </a:endParaRPr>
           </a:p>
           <a:p>
             <a:r>
@@ -17069,8 +18255,8 @@
                 <a:solidFill>
                   <a:schemeClr val="bg1"/>
                 </a:solidFill>
-                <a:latin typeface="微软雅黑" panose="020B0503020204020204" pitchFamily="34" charset="-122"/>
-                <a:ea typeface="微软雅黑" panose="020B0503020204020204" pitchFamily="34" charset="-122"/>
+                <a:latin typeface="微软雅黑" panose="020B0503020204020204" charset="-122"/>
+                <a:ea typeface="微软雅黑" panose="020B0503020204020204" charset="-122"/>
               </a:rPr>
               <a:t>- </a:t>
             </a:r>
@@ -17079,20 +18265,22 @@
                 <a:solidFill>
                   <a:schemeClr val="bg1"/>
                 </a:solidFill>
-                <a:latin typeface="微软雅黑" panose="020B0503020204020204" pitchFamily="34" charset="-122"/>
-                <a:ea typeface="微软雅黑" panose="020B0503020204020204" pitchFamily="34" charset="-122"/>
+                <a:latin typeface="微软雅黑" panose="020B0503020204020204" charset="-122"/>
+                <a:ea typeface="微软雅黑" panose="020B0503020204020204" charset="-122"/>
               </a:rPr>
               <a:t>为学校和社会培养更多具有创新精神和实践能力的人才，推动社会的进步和发展。</a:t>
             </a:r>
+            <a:endParaRPr lang="zh-CN" altLang="en-US" sz="2000" dirty="0">
+              <a:solidFill>
+                <a:schemeClr val="bg1"/>
+              </a:solidFill>
+              <a:latin typeface="微软雅黑" panose="020B0503020204020204" charset="-122"/>
+              <a:ea typeface="微软雅黑" panose="020B0503020204020204" charset="-122"/>
+            </a:endParaRPr>
           </a:p>
         </p:txBody>
       </p:sp>
     </p:spTree>
-    <p:extLst>
-      <p:ext uri="{BB962C8B-B14F-4D97-AF65-F5344CB8AC3E}">
-        <p14:creationId xmlns:p14="http://schemas.microsoft.com/office/powerpoint/2010/main" val="3716789852"/>
-      </p:ext>
-    </p:extLst>
   </p:cSld>
   <p:clrMapOvr>
     <a:masterClrMapping/>
@@ -17133,7 +18321,7 @@
           <p:nvPr/>
         </p:nvPicPr>
         <p:blipFill>
-          <a:blip r:embed="rId3"/>
+          <a:blip r:embed="rId1"/>
           <a:srcRect/>
           <a:stretch>
             <a:fillRect/>
@@ -17159,7 +18347,7 @@
           <p:nvPr/>
         </p:nvPicPr>
         <p:blipFill>
-          <a:blip r:embed="rId4"/>
+          <a:blip r:embed="rId2"/>
           <a:srcRect/>
           <a:stretch>
             <a:fillRect/>
@@ -17234,10 +18422,21 @@
                     <a:alpha val="0"/>
                   </a:srgbClr>
                 </a:highlight>
-                <a:latin typeface="微软雅黑"/>
+                <a:latin typeface="微软雅黑" panose="020B0503020204020204" charset="-122"/>
               </a:rPr>
               <a:t>02</a:t>
             </a:r>
+            <a:endParaRPr sz="4800" b="1" i="0">
+              <a:solidFill>
+                <a:srgbClr val="FFD8AE"/>
+              </a:solidFill>
+              <a:highlight>
+                <a:srgbClr val="FFFFFF">
+                  <a:alpha val="0"/>
+                </a:srgbClr>
+              </a:highlight>
+              <a:latin typeface="微软雅黑" panose="020B0503020204020204" charset="-122"/>
+            </a:endParaRPr>
           </a:p>
         </p:txBody>
       </p:sp>
@@ -17297,10 +18496,21 @@
                     <a:alpha val="0"/>
                   </a:srgbClr>
                 </a:highlight>
-                <a:latin typeface="微软雅黑"/>
+                <a:latin typeface="微软雅黑" panose="020B0503020204020204" charset="-122"/>
               </a:rPr>
               <a:t>项目功能与特点</a:t>
             </a:r>
+            <a:endParaRPr sz="4800" b="1" i="0">
+              <a:solidFill>
+                <a:srgbClr val="00FFE9"/>
+              </a:solidFill>
+              <a:highlight>
+                <a:srgbClr val="FFFFFF">
+                  <a:alpha val="0"/>
+                </a:srgbClr>
+              </a:highlight>
+              <a:latin typeface="微软雅黑" panose="020B0503020204020204" charset="-122"/>
+            </a:endParaRPr>
           </a:p>
         </p:txBody>
       </p:sp>
@@ -17319,7 +18529,7 @@
     <p:bg>
       <p:bgPr>
         <a:blipFill dpi="0">
-          <a:blip r:embed="rId3"/>
+          <a:blip r:embed="rId1"/>
           <a:srcRect/>
           <a:stretch>
             <a:fillRect/>
@@ -17349,7 +18559,7 @@
           <p:nvPr/>
         </p:nvPicPr>
         <p:blipFill>
-          <a:blip r:embed="rId4"/>
+          <a:blip r:embed="rId2"/>
           <a:srcRect/>
           <a:stretch>
             <a:fillRect/>
@@ -17424,10 +18634,21 @@
                     <a:alpha val="0"/>
                   </a:srgbClr>
                 </a:highlight>
-                <a:latin typeface="微软雅黑"/>
+                <a:latin typeface="微软雅黑" panose="020B0503020204020204" charset="-122"/>
               </a:rPr>
               <a:t>快速注册与便捷登录</a:t>
             </a:r>
+            <a:endParaRPr sz="3000" b="1" i="0">
+              <a:solidFill>
+                <a:srgbClr val="FFFFFF"/>
+              </a:solidFill>
+              <a:highlight>
+                <a:srgbClr val="FFFFFF">
+                  <a:alpha val="0"/>
+                </a:srgbClr>
+              </a:highlight>
+              <a:latin typeface="微软雅黑" panose="020B0503020204020204" charset="-122"/>
+            </a:endParaRPr>
           </a:p>
         </p:txBody>
       </p:sp>
@@ -17480,11 +18701,11 @@
           <a:p>
             <a:br>
               <a:rPr sz="1800">
-                <a:latin typeface="微软雅黑"/>
+                <a:latin typeface="微软雅黑" panose="020B0503020204020204" charset="-122"/>
               </a:rPr>
             </a:br>
             <a:endParaRPr sz="1800">
-              <a:latin typeface="微软雅黑"/>
+              <a:latin typeface="微软雅黑" panose="020B0503020204020204" charset="-122"/>
             </a:endParaRPr>
           </a:p>
           <a:p>
@@ -17499,17 +18720,17 @@
                     <a:alpha val="0"/>
                   </a:srgbClr>
                 </a:highlight>
-                <a:latin typeface="微软雅黑"/>
+                <a:latin typeface="微软雅黑" panose="020B0503020204020204" charset="-122"/>
               </a:rPr>
               <a:t>简化注册流程</a:t>
             </a:r>
             <a:br>
               <a:rPr sz="1800">
-                <a:latin typeface="微软雅黑"/>
+                <a:latin typeface="微软雅黑" panose="020B0503020204020204" charset="-122"/>
               </a:rPr>
             </a:br>
             <a:endParaRPr sz="1800">
-              <a:latin typeface="微软雅黑"/>
+              <a:latin typeface="微软雅黑" panose="020B0503020204020204" charset="-122"/>
             </a:endParaRPr>
           </a:p>
           <a:p>
@@ -17528,17 +18749,17 @@
                     <a:alpha val="0"/>
                   </a:srgbClr>
                 </a:highlight>
-                <a:latin typeface="微软雅黑"/>
+                <a:latin typeface="微软雅黑" panose="020B0503020204020204" charset="-122"/>
               </a:rPr>
               <a:t>社交平台通过减少注册步骤，提供一键式操作，用户无需填写繁琐信息即可快速创建账户。这种设计旨在降低新用户的入门门槛，让更多人能够轻松加入并开始使用平台。</a:t>
             </a:r>
             <a:br>
               <a:rPr sz="1800">
-                <a:latin typeface="微软雅黑"/>
+                <a:latin typeface="微软雅黑" panose="020B0503020204020204" charset="-122"/>
               </a:rPr>
             </a:br>
             <a:endParaRPr sz="1800">
-              <a:latin typeface="微软雅黑"/>
+              <a:latin typeface="微软雅黑" panose="020B0503020204020204" charset="-122"/>
             </a:endParaRPr>
           </a:p>
         </p:txBody>
@@ -17592,11 +18813,11 @@
           <a:p>
             <a:br>
               <a:rPr sz="1800">
-                <a:latin typeface="微软雅黑"/>
+                <a:latin typeface="微软雅黑" panose="020B0503020204020204" charset="-122"/>
               </a:rPr>
             </a:br>
             <a:endParaRPr sz="1800">
-              <a:latin typeface="微软雅黑"/>
+              <a:latin typeface="微软雅黑" panose="020B0503020204020204" charset="-122"/>
             </a:endParaRPr>
           </a:p>
           <a:p>
@@ -17611,17 +18832,17 @@
                     <a:alpha val="0"/>
                   </a:srgbClr>
                 </a:highlight>
-                <a:latin typeface="微软雅黑"/>
+                <a:latin typeface="微软雅黑" panose="020B0503020204020204" charset="-122"/>
               </a:rPr>
               <a:t>安全验证机制</a:t>
             </a:r>
             <a:br>
               <a:rPr sz="1800">
-                <a:latin typeface="微软雅黑"/>
+                <a:latin typeface="微软雅黑" panose="020B0503020204020204" charset="-122"/>
               </a:rPr>
             </a:br>
             <a:endParaRPr sz="1800">
-              <a:latin typeface="微软雅黑"/>
+              <a:latin typeface="微软雅黑" panose="020B0503020204020204" charset="-122"/>
             </a:endParaRPr>
           </a:p>
           <a:p>
@@ -17640,17 +18861,17 @@
                     <a:alpha val="0"/>
                   </a:srgbClr>
                 </a:highlight>
-                <a:latin typeface="微软雅黑"/>
+                <a:latin typeface="微软雅黑" panose="020B0503020204020204" charset="-122"/>
               </a:rPr>
               <a:t>在快速注册的同时，该社交平台采用先进的安全验证技术保障用户账户的安全性。用户完成注册后，通过多重验证手段确保身份真实，防止未授权访问，保护个人信息不被滥用。</a:t>
             </a:r>
             <a:br>
               <a:rPr sz="1800">
-                <a:latin typeface="微软雅黑"/>
+                <a:latin typeface="微软雅黑" panose="020B0503020204020204" charset="-122"/>
               </a:rPr>
             </a:br>
             <a:endParaRPr sz="1800">
-              <a:latin typeface="微软雅黑"/>
+              <a:latin typeface="微软雅黑" panose="020B0503020204020204" charset="-122"/>
             </a:endParaRPr>
           </a:p>
         </p:txBody>
@@ -17704,11 +18925,11 @@
           <a:p>
             <a:br>
               <a:rPr sz="1800">
-                <a:latin typeface="微软雅黑"/>
+                <a:latin typeface="微软雅黑" panose="020B0503020204020204" charset="-122"/>
               </a:rPr>
             </a:br>
             <a:endParaRPr sz="1800">
-              <a:latin typeface="微软雅黑"/>
+              <a:latin typeface="微软雅黑" panose="020B0503020204020204" charset="-122"/>
             </a:endParaRPr>
           </a:p>
           <a:p>
@@ -17723,17 +18944,17 @@
                     <a:alpha val="0"/>
                   </a:srgbClr>
                 </a:highlight>
-                <a:latin typeface="微软雅黑"/>
+                <a:latin typeface="微软雅黑" panose="020B0503020204020204" charset="-122"/>
               </a:rPr>
               <a:t>个性化找搭子体验</a:t>
             </a:r>
             <a:br>
               <a:rPr sz="1800">
-                <a:latin typeface="微软雅黑"/>
+                <a:latin typeface="微软雅黑" panose="020B0503020204020204" charset="-122"/>
               </a:rPr>
             </a:br>
             <a:endParaRPr sz="1800">
-              <a:latin typeface="微软雅黑"/>
+              <a:latin typeface="微软雅黑" panose="020B0503020204020204" charset="-122"/>
             </a:endParaRPr>
           </a:p>
           <a:p>
@@ -17752,17 +18973,17 @@
                     <a:alpha val="0"/>
                   </a:srgbClr>
                 </a:highlight>
-                <a:latin typeface="微软雅黑"/>
+                <a:latin typeface="微软雅黑" panose="020B0503020204020204" charset="-122"/>
               </a:rPr>
               <a:t>一旦登录，用户便可立即享受个性化的匹配服务，平台根据用户资料和偏好智能推荐合适的同行伙伴。这一特点使得用户能够高效地找到志趣相投的人，增强社交互动的质量与效率。</a:t>
             </a:r>
             <a:br>
               <a:rPr sz="1800">
-                <a:latin typeface="微软雅黑"/>
+                <a:latin typeface="微软雅黑" panose="020B0503020204020204" charset="-122"/>
               </a:rPr>
             </a:br>
             <a:endParaRPr sz="1800">
-              <a:latin typeface="微软雅黑"/>
+              <a:latin typeface="微软雅黑" panose="020B0503020204020204" charset="-122"/>
             </a:endParaRPr>
           </a:p>
         </p:txBody>
@@ -17807,9 +19028,7 @@
             <a:spAutoFit/>
           </a:bodyPr>
           <a:lstStyle/>
-          <a:p>
-            <a:endParaRPr/>
-          </a:p>
+          <a:p/>
         </p:txBody>
       </p:sp>
     </p:spTree>
@@ -17827,7 +19046,7 @@
     <p:bg>
       <p:bgPr>
         <a:blipFill dpi="0">
-          <a:blip r:embed="rId3"/>
+          <a:blip r:embed="rId1"/>
           <a:srcRect/>
           <a:stretch>
             <a:fillRect/>
@@ -17857,7 +19076,7 @@
           <p:nvPr/>
         </p:nvPicPr>
         <p:blipFill>
-          <a:blip r:embed="rId4"/>
+          <a:blip r:embed="rId2"/>
           <a:srcRect/>
           <a:stretch>
             <a:fillRect/>
@@ -17932,10 +19151,21 @@
                     <a:alpha val="0"/>
                   </a:srgbClr>
                 </a:highlight>
-                <a:latin typeface="微软雅黑"/>
+                <a:latin typeface="微软雅黑" panose="020B0503020204020204" charset="-122"/>
               </a:rPr>
               <a:t>精准标签匹配</a:t>
             </a:r>
+            <a:endParaRPr sz="3000" b="1" i="0">
+              <a:solidFill>
+                <a:srgbClr val="FFFFFF"/>
+              </a:solidFill>
+              <a:highlight>
+                <a:srgbClr val="FFFFFF">
+                  <a:alpha val="0"/>
+                </a:srgbClr>
+              </a:highlight>
+              <a:latin typeface="微软雅黑" panose="020B0503020204020204" charset="-122"/>
+            </a:endParaRPr>
           </a:p>
         </p:txBody>
       </p:sp>
@@ -17991,10 +19221,21 @@
                     <a:alpha val="0"/>
                   </a:srgbClr>
                 </a:highlight>
-                <a:latin typeface="微软雅黑"/>
+                <a:latin typeface="微软雅黑" panose="020B0503020204020204" charset="-122"/>
               </a:rPr>
               <a:t>定制个性标签</a:t>
             </a:r>
+            <a:endParaRPr sz="2100" b="1" i="0">
+              <a:solidFill>
+                <a:srgbClr val="FFD8AE"/>
+              </a:solidFill>
+              <a:highlight>
+                <a:srgbClr val="FFFFFF">
+                  <a:alpha val="0"/>
+                </a:srgbClr>
+              </a:highlight>
+              <a:latin typeface="微软雅黑" panose="020B0503020204020204" charset="-122"/>
+            </a:endParaRPr>
           </a:p>
           <a:p>
             <a:pPr algn="l">
@@ -18012,10 +19253,21 @@
                     <a:alpha val="0"/>
                   </a:srgbClr>
                 </a:highlight>
-                <a:latin typeface="微软雅黑"/>
+                <a:latin typeface="微软雅黑" panose="020B0503020204020204" charset="-122"/>
               </a:rPr>
               <a:t>用户可根据个人喜好和特长，设定一系列技能与兴趣的标签，使得社交应用更加个性化，满足不同用户的多样化需求。</a:t>
             </a:r>
+            <a:endParaRPr sz="1575" b="0" i="0">
+              <a:solidFill>
+                <a:srgbClr val="FFFFFF"/>
+              </a:solidFill>
+              <a:highlight>
+                <a:srgbClr val="FFFFFF">
+                  <a:alpha val="0"/>
+                </a:srgbClr>
+              </a:highlight>
+              <a:latin typeface="微软雅黑" panose="020B0503020204020204" charset="-122"/>
+            </a:endParaRPr>
           </a:p>
         </p:txBody>
       </p:sp>
@@ -18071,10 +19323,21 @@
                     <a:alpha val="0"/>
                   </a:srgbClr>
                 </a:highlight>
-                <a:latin typeface="微软雅黑"/>
+                <a:latin typeface="微软雅黑" panose="020B0503020204020204" charset="-122"/>
               </a:rPr>
               <a:t>智能匹配系统</a:t>
             </a:r>
+            <a:endParaRPr sz="2100" b="1" i="0">
+              <a:solidFill>
+                <a:srgbClr val="FFD8AE"/>
+              </a:solidFill>
+              <a:highlight>
+                <a:srgbClr val="FFFFFF">
+                  <a:alpha val="0"/>
+                </a:srgbClr>
+              </a:highlight>
+              <a:latin typeface="微软雅黑" panose="020B0503020204020204" charset="-122"/>
+            </a:endParaRPr>
           </a:p>
           <a:p>
             <a:pPr algn="r">
@@ -18092,10 +19355,21 @@
                     <a:alpha val="0"/>
                   </a:srgbClr>
                 </a:highlight>
-                <a:latin typeface="微软雅黑"/>
+                <a:latin typeface="微软雅黑" panose="020B0503020204020204" charset="-122"/>
               </a:rPr>
               <a:t>应用内嵌的智能算法能够根据用户定制的标签，快速精准地为用户推荐具有相同或相似兴趣的其他用户，促进有效社交。</a:t>
             </a:r>
+            <a:endParaRPr sz="1575" b="0" i="0">
+              <a:solidFill>
+                <a:srgbClr val="FFFFFF"/>
+              </a:solidFill>
+              <a:highlight>
+                <a:srgbClr val="FFFFFF">
+                  <a:alpha val="0"/>
+                </a:srgbClr>
+              </a:highlight>
+              <a:latin typeface="微软雅黑" panose="020B0503020204020204" charset="-122"/>
+            </a:endParaRPr>
           </a:p>
         </p:txBody>
       </p:sp>
@@ -18151,10 +19425,21 @@
                     <a:alpha val="0"/>
                   </a:srgbClr>
                 </a:highlight>
-                <a:latin typeface="微软雅黑"/>
+                <a:latin typeface="微软雅黑" panose="020B0503020204020204" charset="-122"/>
               </a:rPr>
               <a:t>寻找同行伙伴</a:t>
             </a:r>
+            <a:endParaRPr sz="2100" b="1" i="0">
+              <a:solidFill>
+                <a:srgbClr val="FFD8AE"/>
+              </a:solidFill>
+              <a:highlight>
+                <a:srgbClr val="FFFFFF">
+                  <a:alpha val="0"/>
+                </a:srgbClr>
+              </a:highlight>
+              <a:latin typeface="微软雅黑" panose="020B0503020204020204" charset="-122"/>
+            </a:endParaRPr>
           </a:p>
           <a:p>
             <a:pPr algn="l">
@@ -18172,10 +19457,21 @@
                     <a:alpha val="0"/>
                   </a:srgbClr>
                 </a:highlight>
-                <a:latin typeface="微软雅黑"/>
+                <a:latin typeface="微软雅黑" panose="020B0503020204020204" charset="-122"/>
               </a:rPr>
               <a:t>通过精准标签匹配功能，用户可轻松发现并结识志同道合的朋友，共同参与讨论、活动或合作，拓展社交圈子。</a:t>
             </a:r>
+            <a:endParaRPr sz="1575" b="0" i="0">
+              <a:solidFill>
+                <a:srgbClr val="FFFFFF"/>
+              </a:solidFill>
+              <a:highlight>
+                <a:srgbClr val="FFFFFF">
+                  <a:alpha val="0"/>
+                </a:srgbClr>
+              </a:highlight>
+              <a:latin typeface="微软雅黑" panose="020B0503020204020204" charset="-122"/>
+            </a:endParaRPr>
           </a:p>
         </p:txBody>
       </p:sp>
@@ -18323,6 +19619,11 @@
               </a:rPr>
               <a:t>1</a:t>
             </a:r>
+            <a:endParaRPr lang="en-US">
+              <a:solidFill>
+                <a:srgbClr val="FFFFFF"/>
+              </a:solidFill>
+            </a:endParaRPr>
           </a:p>
         </p:txBody>
       </p:sp>
@@ -18470,6 +19771,11 @@
               </a:rPr>
               <a:t>2</a:t>
             </a:r>
+            <a:endParaRPr lang="en-US">
+              <a:solidFill>
+                <a:srgbClr val="FFFFFF"/>
+              </a:solidFill>
+            </a:endParaRPr>
           </a:p>
         </p:txBody>
       </p:sp>
@@ -18617,6 +19923,11 @@
               </a:rPr>
               <a:t>3</a:t>
             </a:r>
+            <a:endParaRPr lang="en-US">
+              <a:solidFill>
+                <a:srgbClr val="FFFFFF"/>
+              </a:solidFill>
+            </a:endParaRPr>
           </a:p>
         </p:txBody>
       </p:sp>
@@ -18630,12 +19941,13 @@
 </file>
 
 <file path=ppt/tags/tag1.xml><?xml version="1.0" encoding="utf-8"?>
-<p:tagLst xmlns:a="http://schemas.openxmlformats.org/drawingml/2006/main" xmlns:r="http://schemas.openxmlformats.org/officeDocument/2006/relationships" xmlns:p="http://schemas.openxmlformats.org/presentationml/2006/main">
+<p:tagLst xmlns:p="http://schemas.openxmlformats.org/presentationml/2006/main">
   <p:tag name="AS_NET" val="Unix 5.4 unknown"/>
   <p:tag name="AS_OS" val="Unix 5.4 unknown"/>
   <p:tag name="AS_RELEASE_DATE" val="2013.12.17"/>
   <p:tag name="AS_TITLE" val="Spire.Presentation for .NET "/>
   <p:tag name="AS_VERSION" val="2.1.0.0"/>
+  <p:tag name="commondata" val="eyJoZGlkIjoiYTM0MjA3ZWFhOTVjM2IzMzc5Y2Y0ZGYzNzIxMzY5ZTUifQ=="/>
 </p:tagLst>
 </file>
 
@@ -18685,71 +19997,71 @@
         <a:latin typeface="Calibri"/>
         <a:ea typeface=""/>
         <a:cs typeface=""/>
+        <a:font script="Jpan" typeface="ＭＳ Ｐゴシック"/>
+        <a:font script="Hang" typeface="맑은 고딕"/>
+        <a:font script="Hans" typeface="宋体"/>
+        <a:font script="Hant" typeface="新細明體"/>
+        <a:font script="Arab" typeface="Times New Roman"/>
+        <a:font script="Hebr" typeface="Times New Roman"/>
+        <a:font script="Thai" typeface="Angsana New"/>
+        <a:font script="Ethi" typeface="Nyala"/>
+        <a:font script="Beng" typeface="Vrinda"/>
+        <a:font script="Gujr" typeface="Shruti"/>
+        <a:font script="Khmr" typeface="MoolBoran"/>
+        <a:font script="Knda" typeface="Tunga"/>
+        <a:font script="Guru" typeface="Raavi"/>
+        <a:font script="Cans" typeface="Euphemia"/>
+        <a:font script="Cher" typeface="Plantagenet Cherokee"/>
+        <a:font script="Yiii" typeface="Microsoft Yi Baiti"/>
+        <a:font script="Tibt" typeface="Microsoft Himalaya"/>
+        <a:font script="Thaa" typeface="MV Boli"/>
+        <a:font script="Deva" typeface="Mangal"/>
+        <a:font script="Telu" typeface="Gautami"/>
+        <a:font script="Taml" typeface="Latha"/>
+        <a:font script="Syrc" typeface="Estrangelo Edessa"/>
         <a:font script="Orya" typeface="Kalinga"/>
         <a:font script="Mlym" typeface="Kartika"/>
-        <a:font script="Deva" typeface="Mangal"/>
+        <a:font script="Laoo" typeface="DokChampa"/>
+        <a:font script="Sinh" typeface="Iskoola Pota"/>
         <a:font script="Mong" typeface="Mongolian Baiti"/>
-        <a:font script="Ethi" typeface="Nyala"/>
+        <a:font script="Viet" typeface="Times New Roman"/>
+        <a:font script="Uigh" typeface="Microsoft Uighur"/>
         <a:font script="Geor" typeface="Sylfaen"/>
-        <a:font script="Sinh" typeface="Iskoola Pota"/>
-        <a:font script="Taml" typeface="Latha"/>
-        <a:font script="Tibt" typeface="Microsoft Himalaya"/>
-        <a:font script="Gujr" typeface="Shruti"/>
-        <a:font script="Hant" typeface="新細明體"/>
-        <a:font script="Khmr" typeface="MoolBoran"/>
-        <a:font script="Laoo" typeface="DokChampa"/>
-        <a:font script="Cher" typeface="Plantagenet Cherokee"/>
-        <a:font script="Hans" typeface="宋体"/>
-        <a:font script="Hebr" typeface="Times New Roman"/>
-        <a:font script="Uigh" typeface="Microsoft Uighur"/>
-        <a:font script="Guru" typeface="Raavi"/>
-        <a:font script="Cans" typeface="Euphemia"/>
-        <a:font script="Jpan" typeface="ＭＳ Ｐゴシック"/>
-        <a:font script="Arab" typeface="Times New Roman"/>
-        <a:font script="Syrc" typeface="Estrangelo Edessa"/>
-        <a:font script="Hang" typeface="맑은 고딕"/>
-        <a:font script="Viet" typeface="Times New Roman"/>
-        <a:font script="Thai" typeface="Angsana New"/>
-        <a:font script="Yiii" typeface="Microsoft Yi Baiti"/>
-        <a:font script="Thaa" typeface="MV Boli"/>
-        <a:font script="Beng" typeface="Vrinda"/>
-        <a:font script="Telu" typeface="Gautami"/>
-        <a:font script="Knda" typeface="Tunga"/>
       </a:majorFont>
       <a:minorFont>
         <a:latin typeface="Calibri"/>
         <a:ea typeface=""/>
         <a:cs typeface=""/>
+        <a:font script="Jpan" typeface="ＭＳ Ｐゴシック"/>
+        <a:font script="Hang" typeface="맑은 고딕"/>
+        <a:font script="Hans" typeface="宋体"/>
+        <a:font script="Hant" typeface="新細明體"/>
+        <a:font script="Arab" typeface="Arial"/>
+        <a:font script="Hebr" typeface="Arial"/>
+        <a:font script="Thai" typeface="Cordia New"/>
+        <a:font script="Ethi" typeface="Nyala"/>
+        <a:font script="Beng" typeface="Vrinda"/>
+        <a:font script="Gujr" typeface="Shruti"/>
+        <a:font script="Khmr" typeface="DaunPenh"/>
+        <a:font script="Knda" typeface="Tunga"/>
+        <a:font script="Guru" typeface="Raavi"/>
+        <a:font script="Cans" typeface="Euphemia"/>
+        <a:font script="Cher" typeface="Plantagenet Cherokee"/>
+        <a:font script="Yiii" typeface="Microsoft Yi Baiti"/>
+        <a:font script="Tibt" typeface="Microsoft Himalaya"/>
+        <a:font script="Thaa" typeface="MV Boli"/>
+        <a:font script="Deva" typeface="Mangal"/>
+        <a:font script="Telu" typeface="Gautami"/>
+        <a:font script="Taml" typeface="Latha"/>
+        <a:font script="Syrc" typeface="Estrangelo Edessa"/>
         <a:font script="Orya" typeface="Kalinga"/>
         <a:font script="Mlym" typeface="Kartika"/>
-        <a:font script="Deva" typeface="Mangal"/>
+        <a:font script="Laoo" typeface="DokChampa"/>
+        <a:font script="Sinh" typeface="Iskoola Pota"/>
         <a:font script="Mong" typeface="Mongolian Baiti"/>
-        <a:font script="Ethi" typeface="Nyala"/>
+        <a:font script="Viet" typeface="Arial"/>
+        <a:font script="Uigh" typeface="Microsoft Uighur"/>
         <a:font script="Geor" typeface="Sylfaen"/>
-        <a:font script="Sinh" typeface="Iskoola Pota"/>
-        <a:font script="Taml" typeface="Latha"/>
-        <a:font script="Tibt" typeface="Microsoft Himalaya"/>
-        <a:font script="Gujr" typeface="Shruti"/>
-        <a:font script="Hant" typeface="新細明體"/>
-        <a:font script="Khmr" typeface="DaunPenh"/>
-        <a:font script="Laoo" typeface="DokChampa"/>
-        <a:font script="Cher" typeface="Plantagenet Cherokee"/>
-        <a:font script="Hans" typeface="宋体"/>
-        <a:font script="Hebr" typeface="Arial"/>
-        <a:font script="Uigh" typeface="Microsoft Uighur"/>
-        <a:font script="Guru" typeface="Raavi"/>
-        <a:font script="Cans" typeface="Euphemia"/>
-        <a:font script="Jpan" typeface="ＭＳ Ｐゴシック"/>
-        <a:font script="Arab" typeface="Arial"/>
-        <a:font script="Syrc" typeface="Estrangelo Edessa"/>
-        <a:font script="Hang" typeface="맑은 고딕"/>
-        <a:font script="Viet" typeface="Arial"/>
-        <a:font script="Thai" typeface="Cordia New"/>
-        <a:font script="Yiii" typeface="Microsoft Yi Baiti"/>
-        <a:font script="Thaa" typeface="MV Boli"/>
-        <a:font script="Beng" typeface="Vrinda"/>
-        <a:font script="Telu" typeface="Gautami"/>
-        <a:font script="Knda" typeface="Tunga"/>
       </a:minorFont>
     </a:fontScheme>
     <a:fmtScheme name="Office">
@@ -18923,8 +20235,11 @@
       </a:bgFillStyleLst>
     </a:fmtScheme>
   </a:themeElements>
-  <a:objectDefaults/>
-  <a:extraClrSchemeLst/>
+  <a:extLst>
+    <a:ext uri="{05A4C25C-085E-4340-85A3-A5531E510DB2}">
+      <thm15:themeFamily xmlns:thm15="http://schemas.microsoft.com/office/thememl/2012/main" name="Office Theme" id="{62F939B6-93AF-4DB8-9C6B-D6C7DFDC589F}" vid="{4A3C46E8-61CC-4603-A589-7422A47A8E4A}"/>
+    </a:ext>
+  </a:extLst>
 </a:theme>
 </file>
 
@@ -18974,71 +20289,71 @@
         <a:latin typeface="Calibri"/>
         <a:ea typeface=""/>
         <a:cs typeface=""/>
+        <a:font script="Jpan" typeface="ＭＳ Ｐゴシック"/>
+        <a:font script="Hang" typeface="맑은 고딕"/>
+        <a:font script="Hans" typeface="宋体"/>
+        <a:font script="Hant" typeface="新細明體"/>
+        <a:font script="Arab" typeface="Times New Roman"/>
+        <a:font script="Hebr" typeface="Times New Roman"/>
+        <a:font script="Thai" typeface="Angsana New"/>
+        <a:font script="Ethi" typeface="Nyala"/>
+        <a:font script="Beng" typeface="Vrinda"/>
+        <a:font script="Gujr" typeface="Shruti"/>
+        <a:font script="Khmr" typeface="MoolBoran"/>
+        <a:font script="Knda" typeface="Tunga"/>
+        <a:font script="Guru" typeface="Raavi"/>
+        <a:font script="Cans" typeface="Euphemia"/>
+        <a:font script="Cher" typeface="Plantagenet Cherokee"/>
+        <a:font script="Yiii" typeface="Microsoft Yi Baiti"/>
+        <a:font script="Tibt" typeface="Microsoft Himalaya"/>
+        <a:font script="Thaa" typeface="MV Boli"/>
+        <a:font script="Deva" typeface="Mangal"/>
+        <a:font script="Telu" typeface="Gautami"/>
+        <a:font script="Taml" typeface="Latha"/>
+        <a:font script="Syrc" typeface="Estrangelo Edessa"/>
         <a:font script="Orya" typeface="Kalinga"/>
         <a:font script="Mlym" typeface="Kartika"/>
-        <a:font script="Deva" typeface="Mangal"/>
+        <a:font script="Laoo" typeface="DokChampa"/>
+        <a:font script="Sinh" typeface="Iskoola Pota"/>
         <a:font script="Mong" typeface="Mongolian Baiti"/>
-        <a:font script="Ethi" typeface="Nyala"/>
+        <a:font script="Viet" typeface="Times New Roman"/>
+        <a:font script="Uigh" typeface="Microsoft Uighur"/>
         <a:font script="Geor" typeface="Sylfaen"/>
-        <a:font script="Sinh" typeface="Iskoola Pota"/>
-        <a:font script="Taml" typeface="Latha"/>
-        <a:font script="Tibt" typeface="Microsoft Himalaya"/>
-        <a:font script="Gujr" typeface="Shruti"/>
-        <a:font script="Hant" typeface="新細明體"/>
-        <a:font script="Khmr" typeface="MoolBoran"/>
-        <a:font script="Laoo" typeface="DokChampa"/>
-        <a:font script="Cher" typeface="Plantagenet Cherokee"/>
-        <a:font script="Hans" typeface="宋体"/>
-        <a:font script="Hebr" typeface="Times New Roman"/>
-        <a:font script="Uigh" typeface="Microsoft Uighur"/>
-        <a:font script="Guru" typeface="Raavi"/>
-        <a:font script="Cans" typeface="Euphemia"/>
-        <a:font script="Jpan" typeface="ＭＳ Ｐゴシック"/>
-        <a:font script="Arab" typeface="Times New Roman"/>
-        <a:font script="Syrc" typeface="Estrangelo Edessa"/>
-        <a:font script="Hang" typeface="맑은 고딕"/>
-        <a:font script="Viet" typeface="Times New Roman"/>
-        <a:font script="Thai" typeface="Angsana New"/>
-        <a:font script="Yiii" typeface="Microsoft Yi Baiti"/>
-        <a:font script="Thaa" typeface="MV Boli"/>
-        <a:font script="Beng" typeface="Vrinda"/>
-        <a:font script="Telu" typeface="Gautami"/>
-        <a:font script="Knda" typeface="Tunga"/>
       </a:majorFont>
       <a:minorFont>
         <a:latin typeface="Calibri"/>
         <a:ea typeface=""/>
         <a:cs typeface=""/>
+        <a:font script="Jpan" typeface="ＭＳ Ｐゴシック"/>
+        <a:font script="Hang" typeface="맑은 고딕"/>
+        <a:font script="Hans" typeface="宋体"/>
+        <a:font script="Hant" typeface="新細明體"/>
+        <a:font script="Arab" typeface="Arial"/>
+        <a:font script="Hebr" typeface="Arial"/>
+        <a:font script="Thai" typeface="Cordia New"/>
+        <a:font script="Ethi" typeface="Nyala"/>
+        <a:font script="Beng" typeface="Vrinda"/>
+        <a:font script="Gujr" typeface="Shruti"/>
+        <a:font script="Khmr" typeface="DaunPenh"/>
+        <a:font script="Knda" typeface="Tunga"/>
+        <a:font script="Guru" typeface="Raavi"/>
+        <a:font script="Cans" typeface="Euphemia"/>
+        <a:font script="Cher" typeface="Plantagenet Cherokee"/>
+        <a:font script="Yiii" typeface="Microsoft Yi Baiti"/>
+        <a:font script="Tibt" typeface="Microsoft Himalaya"/>
+        <a:font script="Thaa" typeface="MV Boli"/>
+        <a:font script="Deva" typeface="Mangal"/>
+        <a:font script="Telu" typeface="Gautami"/>
+        <a:font script="Taml" typeface="Latha"/>
+        <a:font script="Syrc" typeface="Estrangelo Edessa"/>
         <a:font script="Orya" typeface="Kalinga"/>
         <a:font script="Mlym" typeface="Kartika"/>
-        <a:font script="Deva" typeface="Mangal"/>
+        <a:font script="Laoo" typeface="DokChampa"/>
+        <a:font script="Sinh" typeface="Iskoola Pota"/>
         <a:font script="Mong" typeface="Mongolian Baiti"/>
-        <a:font script="Ethi" typeface="Nyala"/>
+        <a:font script="Viet" typeface="Arial"/>
+        <a:font script="Uigh" typeface="Microsoft Uighur"/>
         <a:font script="Geor" typeface="Sylfaen"/>
-        <a:font script="Sinh" typeface="Iskoola Pota"/>
-        <a:font script="Taml" typeface="Latha"/>
-        <a:font script="Tibt" typeface="Microsoft Himalaya"/>
-        <a:font script="Gujr" typeface="Shruti"/>
-        <a:font script="Hant" typeface="新細明體"/>
-        <a:font script="Khmr" typeface="DaunPenh"/>
-        <a:font script="Laoo" typeface="DokChampa"/>
-        <a:font script="Cher" typeface="Plantagenet Cherokee"/>
-        <a:font script="Hans" typeface="宋体"/>
-        <a:font script="Hebr" typeface="Arial"/>
-        <a:font script="Uigh" typeface="Microsoft Uighur"/>
-        <a:font script="Guru" typeface="Raavi"/>
-        <a:font script="Cans" typeface="Euphemia"/>
-        <a:font script="Jpan" typeface="ＭＳ Ｐゴシック"/>
-        <a:font script="Arab" typeface="Arial"/>
-        <a:font script="Syrc" typeface="Estrangelo Edessa"/>
-        <a:font script="Hang" typeface="맑은 고딕"/>
-        <a:font script="Viet" typeface="Arial"/>
-        <a:font script="Thai" typeface="Cordia New"/>
-        <a:font script="Yiii" typeface="Microsoft Yi Baiti"/>
-        <a:font script="Thaa" typeface="MV Boli"/>
-        <a:font script="Beng" typeface="Vrinda"/>
-        <a:font script="Telu" typeface="Gautami"/>
-        <a:font script="Knda" typeface="Tunga"/>
       </a:minorFont>
     </a:fontScheme>
     <a:fmtScheme name="Office">
@@ -19212,7 +20527,10 @@
       </a:bgFillStyleLst>
     </a:fmtScheme>
   </a:themeElements>
-  <a:objectDefaults/>
-  <a:extraClrSchemeLst/>
+  <a:extLst>
+    <a:ext uri="{05A4C25C-085E-4340-85A3-A5531E510DB2}">
+      <thm15:themeFamily xmlns:thm15="http://schemas.microsoft.com/office/thememl/2012/main" name="Office Theme" id="{62F939B6-93AF-4DB8-9C6B-D6C7DFDC589F}" vid="{4A3C46E8-61CC-4603-A589-7422A47A8E4A}"/>
+    </a:ext>
+  </a:extLst>
 </a:theme>
 </file>